--- a/week10/Lab10.pptx
+++ b/week10/Lab10.pptx
@@ -5,32 +5,32 @@
     <p:sldMasterId id="2147483648" r:id="rId1"/>
   </p:sldMasterIdLst>
   <p:notesMasterIdLst>
-    <p:notesMasterId r:id="rId25"/>
+    <p:notesMasterId r:id="rId7"/>
   </p:notesMasterIdLst>
   <p:sldIdLst>
-    <p:sldId id="256" r:id="rId2"/>
-    <p:sldId id="477" r:id="rId3"/>
-    <p:sldId id="443" r:id="rId4"/>
-    <p:sldId id="431" r:id="rId5"/>
-    <p:sldId id="1076" r:id="rId6"/>
-    <p:sldId id="1079" r:id="rId7"/>
-    <p:sldId id="1080" r:id="rId8"/>
-    <p:sldId id="1081" r:id="rId9"/>
-    <p:sldId id="1082" r:id="rId10"/>
-    <p:sldId id="439" r:id="rId11"/>
-    <p:sldId id="1077" r:id="rId12"/>
-    <p:sldId id="414" r:id="rId13"/>
-    <p:sldId id="436" r:id="rId14"/>
-    <p:sldId id="440" r:id="rId15"/>
-    <p:sldId id="441" r:id="rId16"/>
-    <p:sldId id="1083" r:id="rId17"/>
-    <p:sldId id="1084" r:id="rId18"/>
-    <p:sldId id="1078" r:id="rId19"/>
-    <p:sldId id="442" r:id="rId20"/>
-    <p:sldId id="1085" r:id="rId21"/>
-    <p:sldId id="447" r:id="rId22"/>
-    <p:sldId id="1065" r:id="rId23"/>
-    <p:sldId id="1072" r:id="rId24"/>
+    <p:sldId id="256" r:id="rId3"/>
+    <p:sldId id="477" r:id="rId4"/>
+    <p:sldId id="443" r:id="rId5"/>
+    <p:sldId id="431" r:id="rId6"/>
+    <p:sldId id="1076" r:id="rId8"/>
+    <p:sldId id="1079" r:id="rId9"/>
+    <p:sldId id="1080" r:id="rId10"/>
+    <p:sldId id="1081" r:id="rId11"/>
+    <p:sldId id="1082" r:id="rId12"/>
+    <p:sldId id="439" r:id="rId13"/>
+    <p:sldId id="1077" r:id="rId14"/>
+    <p:sldId id="414" r:id="rId15"/>
+    <p:sldId id="436" r:id="rId16"/>
+    <p:sldId id="440" r:id="rId17"/>
+    <p:sldId id="441" r:id="rId18"/>
+    <p:sldId id="1083" r:id="rId19"/>
+    <p:sldId id="1084" r:id="rId20"/>
+    <p:sldId id="1078" r:id="rId21"/>
+    <p:sldId id="442" r:id="rId22"/>
+    <p:sldId id="1085" r:id="rId23"/>
+    <p:sldId id="447" r:id="rId24"/>
+    <p:sldId id="1065" r:id="rId25"/>
+    <p:sldId id="1072" r:id="rId26"/>
   </p:sldIdLst>
   <p:sldSz cx="12192000" cy="6858000"/>
   <p:notesSz cx="6858000" cy="9144000"/>
@@ -129,11 +129,6 @@
       </a:defRPr>
     </a:lvl9pPr>
   </p:defaultTextStyle>
-  <p:extLst>
-    <p:ext uri="{EFAFB233-063F-42B5-8137-9DF3F51BA10A}">
-      <p15:sldGuideLst xmlns:p15="http://schemas.microsoft.com/office/powerpoint/2012/main"/>
-    </p:ext>
-  </p:extLst>
 </p:presentation>
 </file>
 
@@ -219,7 +214,6 @@
           <a:p>
             <a:fld id="{D1237EF7-A117-46B7-88A8-1B7FB98FF0F2}" type="datetimeFigureOut">
               <a:rPr lang="zh-CN" altLang="en-US" smtClean="0"/>
-              <a:t>2021/11/12</a:t>
             </a:fld>
             <a:endParaRPr lang="zh-CN" altLang="en-US"/>
           </a:p>
@@ -286,6 +280,7 @@
               <a:rPr lang="zh-CN" altLang="en-US"/>
               <a:t>单击此处编辑母版文本样式</a:t>
             </a:r>
+            <a:endParaRPr lang="zh-CN" altLang="en-US"/>
           </a:p>
           <a:p>
             <a:pPr lvl="1"/>
@@ -293,6 +288,7 @@
               <a:rPr lang="zh-CN" altLang="en-US"/>
               <a:t>二级</a:t>
             </a:r>
+            <a:endParaRPr lang="zh-CN" altLang="en-US"/>
           </a:p>
           <a:p>
             <a:pPr lvl="2"/>
@@ -300,6 +296,7 @@
               <a:rPr lang="zh-CN" altLang="en-US"/>
               <a:t>三级</a:t>
             </a:r>
+            <a:endParaRPr lang="zh-CN" altLang="en-US"/>
           </a:p>
           <a:p>
             <a:pPr lvl="3"/>
@@ -307,6 +304,7 @@
               <a:rPr lang="zh-CN" altLang="en-US"/>
               <a:t>四级</a:t>
             </a:r>
+            <a:endParaRPr lang="zh-CN" altLang="en-US"/>
           </a:p>
           <a:p>
             <a:pPr lvl="4"/>
@@ -314,6 +312,7 @@
               <a:rPr lang="zh-CN" altLang="en-US"/>
               <a:t>五级</a:t>
             </a:r>
+            <a:endParaRPr lang="zh-CN" altLang="en-US"/>
           </a:p>
         </p:txBody>
       </p:sp>
@@ -377,7 +376,6 @@
           <a:p>
             <a:fld id="{7B705520-EB74-4E10-9207-DDFEA7EA0F0E}" type="slidenum">
               <a:rPr lang="zh-CN" altLang="en-US" smtClean="0"/>
-              <a:t>‹#›</a:t>
             </a:fld>
             <a:endParaRPr lang="zh-CN" altLang="en-US"/>
           </a:p>
@@ -519,8 +517,6 @@
               <a:srgbClr val="000000"/>
             </a:solidFill>
             <a:miter lim="800000"/>
-            <a:headEnd/>
-            <a:tailEnd/>
           </a:ln>
         </p:spPr>
       </p:sp>
@@ -536,14 +532,10 @@
         </p:nvSpPr>
         <p:spPr/>
         <p:txBody>
-          <a:bodyPr wrap="square" numCol="1" anchor="t" anchorCtr="0" compatLnSpc="1">
-            <a:prstTxWarp prst="textNoShape">
-              <a:avLst/>
-            </a:prstTxWarp>
-          </a:bodyPr>
+          <a:bodyPr wrap="square" numCol="1" anchor="t" anchorCtr="0" compatLnSpc="1"/>
           <a:lstStyle/>
           <a:p>
-            <a:pPr marL="542948" indent="-542948" eaLnBrk="1" hangingPunct="1">
+            <a:pPr marL="542925" indent="-542925" eaLnBrk="1" hangingPunct="1">
               <a:spcBef>
                 <a:spcPct val="0"/>
               </a:spcBef>
@@ -593,14 +585,56 @@
                   <a:prstClr val="black"/>
                 </a:solidFill>
               </a:rPr>
-              <a:pPr/>
-              <a:t>4</a:t>
             </a:fld>
             <a:endParaRPr lang="en-US" altLang="zh-CN">
               <a:solidFill>
                 <a:prstClr val="black"/>
               </a:solidFill>
             </a:endParaRPr>
+          </a:p>
+        </p:txBody>
+      </p:sp>
+    </p:spTree>
+  </p:cSld>
+  <p:clrMapOvr>
+    <a:masterClrMapping/>
+  </p:clrMapOvr>
+</p:notes>
+</file>
+
+<file path=ppt/notesSlides/notesSlide10.xml><?xml version="1.0" encoding="utf-8"?>
+<p:notes xmlns:a="http://schemas.openxmlformats.org/drawingml/2006/main" xmlns:r="http://schemas.openxmlformats.org/officeDocument/2006/relationships" xmlns:p="http://schemas.openxmlformats.org/presentationml/2006/main">
+  <p:cSld>
+    <p:spTree>
+      <p:nvGrpSpPr>
+        <p:cNvPr id="1" name=""/>
+        <p:cNvGrpSpPr/>
+        <p:nvPr/>
+      </p:nvGrpSpPr>
+      <p:grpSpPr/>
+      <p:sp>
+        <p:nvSpPr>
+          <p:cNvPr id="2" name="Slide Image Placeholder 1"/>
+          <p:cNvSpPr/>
+          <p:nvPr>
+            <p:ph type="sldImg" idx="2"/>
+          </p:nvPr>
+        </p:nvSpPr>
+        <p:spPr/>
+      </p:sp>
+      <p:sp>
+        <p:nvSpPr>
+          <p:cNvPr id="3" name="Text Placeholder 2"/>
+          <p:cNvSpPr/>
+          <p:nvPr>
+            <p:ph type="body" idx="3"/>
+          </p:nvPr>
+        </p:nvSpPr>
+        <p:spPr/>
+        <p:txBody>
+          <a:bodyPr/>
+          <a:p>
+            <a:endParaRPr lang="en-US"/>
           </a:p>
         </p:txBody>
       </p:sp>
@@ -650,8 +684,6 @@
               <a:srgbClr val="000000"/>
             </a:solidFill>
             <a:miter lim="800000"/>
-            <a:headEnd/>
-            <a:tailEnd/>
           </a:ln>
         </p:spPr>
       </p:sp>
@@ -667,14 +699,10 @@
         </p:nvSpPr>
         <p:spPr/>
         <p:txBody>
-          <a:bodyPr wrap="square" numCol="1" anchor="t" anchorCtr="0" compatLnSpc="1">
-            <a:prstTxWarp prst="textNoShape">
-              <a:avLst/>
-            </a:prstTxWarp>
-          </a:bodyPr>
+          <a:bodyPr wrap="square" numCol="1" anchor="t" anchorCtr="0" compatLnSpc="1"/>
           <a:lstStyle/>
           <a:p>
-            <a:pPr marL="542948" indent="-542948" eaLnBrk="1" hangingPunct="1">
+            <a:pPr marL="542925" indent="-542925" eaLnBrk="1" hangingPunct="1">
               <a:spcBef>
                 <a:spcPct val="0"/>
               </a:spcBef>
@@ -724,8 +752,6 @@
                   <a:prstClr val="black"/>
                 </a:solidFill>
               </a:rPr>
-              <a:pPr/>
-              <a:t>6</a:t>
             </a:fld>
             <a:endParaRPr lang="en-US" altLang="zh-CN">
               <a:solidFill>
@@ -736,11 +762,6 @@
         </p:txBody>
       </p:sp>
     </p:spTree>
-    <p:extLst>
-      <p:ext uri="{BB962C8B-B14F-4D97-AF65-F5344CB8AC3E}">
-        <p14:creationId xmlns:p14="http://schemas.microsoft.com/office/powerpoint/2010/main" val="3601694305"/>
-      </p:ext>
-    </p:extLst>
   </p:cSld>
   <p:clrMapOvr>
     <a:masterClrMapping/>
@@ -786,8 +807,6 @@
               <a:srgbClr val="000000"/>
             </a:solidFill>
             <a:miter lim="800000"/>
-            <a:headEnd/>
-            <a:tailEnd/>
           </a:ln>
         </p:spPr>
       </p:sp>
@@ -803,14 +822,10 @@
         </p:nvSpPr>
         <p:spPr/>
         <p:txBody>
-          <a:bodyPr wrap="square" numCol="1" anchor="t" anchorCtr="0" compatLnSpc="1">
-            <a:prstTxWarp prst="textNoShape">
-              <a:avLst/>
-            </a:prstTxWarp>
-          </a:bodyPr>
+          <a:bodyPr wrap="square" numCol="1" anchor="t" anchorCtr="0" compatLnSpc="1"/>
           <a:lstStyle/>
           <a:p>
-            <a:pPr marL="542948" indent="-542948" eaLnBrk="1" hangingPunct="1">
+            <a:pPr marL="542925" indent="-542925" eaLnBrk="1" hangingPunct="1">
               <a:spcBef>
                 <a:spcPct val="0"/>
               </a:spcBef>
@@ -860,8 +875,6 @@
                   <a:prstClr val="black"/>
                 </a:solidFill>
               </a:rPr>
-              <a:pPr/>
-              <a:t>8</a:t>
             </a:fld>
             <a:endParaRPr lang="en-US" altLang="zh-CN">
               <a:solidFill>
@@ -872,11 +885,6 @@
         </p:txBody>
       </p:sp>
     </p:spTree>
-    <p:extLst>
-      <p:ext uri="{BB962C8B-B14F-4D97-AF65-F5344CB8AC3E}">
-        <p14:creationId xmlns:p14="http://schemas.microsoft.com/office/powerpoint/2010/main" val="2785163389"/>
-      </p:ext>
-    </p:extLst>
   </p:cSld>
   <p:clrMapOvr>
     <a:masterClrMapping/>
@@ -922,8 +930,6 @@
               <a:srgbClr val="000000"/>
             </a:solidFill>
             <a:miter lim="800000"/>
-            <a:headEnd/>
-            <a:tailEnd/>
           </a:ln>
         </p:spPr>
       </p:sp>
@@ -939,14 +945,10 @@
         </p:nvSpPr>
         <p:spPr/>
         <p:txBody>
-          <a:bodyPr wrap="square" numCol="1" anchor="t" anchorCtr="0" compatLnSpc="1">
-            <a:prstTxWarp prst="textNoShape">
-              <a:avLst/>
-            </a:prstTxWarp>
-          </a:bodyPr>
+          <a:bodyPr wrap="square" numCol="1" anchor="t" anchorCtr="0" compatLnSpc="1"/>
           <a:lstStyle/>
           <a:p>
-            <a:pPr marL="542948" indent="-542948" eaLnBrk="1" hangingPunct="1">
+            <a:pPr marL="542925" indent="-542925" eaLnBrk="1" hangingPunct="1">
               <a:spcBef>
                 <a:spcPct val="0"/>
               </a:spcBef>
@@ -996,8 +998,6 @@
                   <a:prstClr val="black"/>
                 </a:solidFill>
               </a:rPr>
-              <a:pPr/>
-              <a:t>10</a:t>
             </a:fld>
             <a:endParaRPr lang="en-US" altLang="zh-CN">
               <a:solidFill>
@@ -1008,11 +1008,6 @@
         </p:txBody>
       </p:sp>
     </p:spTree>
-    <p:extLst>
-      <p:ext uri="{BB962C8B-B14F-4D97-AF65-F5344CB8AC3E}">
-        <p14:creationId xmlns:p14="http://schemas.microsoft.com/office/powerpoint/2010/main" val="3021789154"/>
-      </p:ext>
-    </p:extLst>
   </p:cSld>
   <p:clrMapOvr>
     <a:masterClrMapping/>
@@ -1058,8 +1053,6 @@
               <a:srgbClr val="000000"/>
             </a:solidFill>
             <a:miter lim="800000"/>
-            <a:headEnd/>
-            <a:tailEnd/>
           </a:ln>
         </p:spPr>
       </p:sp>
@@ -1075,14 +1068,10 @@
         </p:nvSpPr>
         <p:spPr/>
         <p:txBody>
-          <a:bodyPr wrap="square" numCol="1" anchor="t" anchorCtr="0" compatLnSpc="1">
-            <a:prstTxWarp prst="textNoShape">
-              <a:avLst/>
-            </a:prstTxWarp>
-          </a:bodyPr>
+          <a:bodyPr wrap="square" numCol="1" anchor="t" anchorCtr="0" compatLnSpc="1"/>
           <a:lstStyle/>
           <a:p>
-            <a:pPr marL="542948" indent="-542948" eaLnBrk="1" hangingPunct="1">
+            <a:pPr marL="542925" indent="-542925" eaLnBrk="1" hangingPunct="1">
               <a:spcBef>
                 <a:spcPct val="0"/>
               </a:spcBef>
@@ -1132,8 +1121,6 @@
                   <a:prstClr val="black"/>
                 </a:solidFill>
               </a:rPr>
-              <a:pPr/>
-              <a:t>11</a:t>
             </a:fld>
             <a:endParaRPr lang="en-US" altLang="zh-CN">
               <a:solidFill>
@@ -1189,8 +1176,6 @@
               <a:srgbClr val="000000"/>
             </a:solidFill>
             <a:miter lim="800000"/>
-            <a:headEnd/>
-            <a:tailEnd/>
           </a:ln>
         </p:spPr>
       </p:sp>
@@ -1206,14 +1191,10 @@
         </p:nvSpPr>
         <p:spPr/>
         <p:txBody>
-          <a:bodyPr wrap="square" numCol="1" anchor="t" anchorCtr="0" compatLnSpc="1">
-            <a:prstTxWarp prst="textNoShape">
-              <a:avLst/>
-            </a:prstTxWarp>
-          </a:bodyPr>
+          <a:bodyPr wrap="square" numCol="1" anchor="t" anchorCtr="0" compatLnSpc="1"/>
           <a:lstStyle/>
           <a:p>
-            <a:pPr marL="542948" indent="-542948" eaLnBrk="1" hangingPunct="1">
+            <a:pPr marL="542925" indent="-542925" eaLnBrk="1" hangingPunct="1">
               <a:spcBef>
                 <a:spcPct val="0"/>
               </a:spcBef>
@@ -1263,8 +1244,6 @@
                   <a:prstClr val="black"/>
                 </a:solidFill>
               </a:rPr>
-              <a:pPr/>
-              <a:t>12</a:t>
             </a:fld>
             <a:endParaRPr lang="en-US" altLang="zh-CN">
               <a:solidFill>
@@ -1320,8 +1299,6 @@
               <a:srgbClr val="000000"/>
             </a:solidFill>
             <a:miter lim="800000"/>
-            <a:headEnd/>
-            <a:tailEnd/>
           </a:ln>
         </p:spPr>
       </p:sp>
@@ -1337,14 +1314,10 @@
         </p:nvSpPr>
         <p:spPr/>
         <p:txBody>
-          <a:bodyPr wrap="square" numCol="1" anchor="t" anchorCtr="0" compatLnSpc="1">
-            <a:prstTxWarp prst="textNoShape">
-              <a:avLst/>
-            </a:prstTxWarp>
-          </a:bodyPr>
+          <a:bodyPr wrap="square" numCol="1" anchor="t" anchorCtr="0" compatLnSpc="1"/>
           <a:lstStyle/>
           <a:p>
-            <a:pPr marL="542948" indent="-542948" eaLnBrk="1" hangingPunct="1">
+            <a:pPr marL="542925" indent="-542925" eaLnBrk="1" hangingPunct="1">
               <a:spcBef>
                 <a:spcPct val="0"/>
               </a:spcBef>
@@ -1394,8 +1367,6 @@
                   <a:prstClr val="black"/>
                 </a:solidFill>
               </a:rPr>
-              <a:pPr/>
-              <a:t>13</a:t>
             </a:fld>
             <a:endParaRPr lang="en-US" altLang="zh-CN">
               <a:solidFill>
@@ -1451,8 +1422,6 @@
               <a:srgbClr val="000000"/>
             </a:solidFill>
             <a:miter lim="800000"/>
-            <a:headEnd/>
-            <a:tailEnd/>
           </a:ln>
         </p:spPr>
       </p:sp>
@@ -1468,14 +1437,10 @@
         </p:nvSpPr>
         <p:spPr/>
         <p:txBody>
-          <a:bodyPr wrap="square" numCol="1" anchor="t" anchorCtr="0" compatLnSpc="1">
-            <a:prstTxWarp prst="textNoShape">
-              <a:avLst/>
-            </a:prstTxWarp>
-          </a:bodyPr>
+          <a:bodyPr wrap="square" numCol="1" anchor="t" anchorCtr="0" compatLnSpc="1"/>
           <a:lstStyle/>
           <a:p>
-            <a:pPr marL="542948" indent="-542948" eaLnBrk="1" hangingPunct="1">
+            <a:pPr marL="542925" indent="-542925" eaLnBrk="1" hangingPunct="1">
               <a:spcBef>
                 <a:spcPct val="0"/>
               </a:spcBef>
@@ -1525,8 +1490,6 @@
                   <a:prstClr val="black"/>
                 </a:solidFill>
               </a:rPr>
-              <a:pPr/>
-              <a:t>15</a:t>
             </a:fld>
             <a:endParaRPr lang="en-US" altLang="zh-CN">
               <a:solidFill>
@@ -1582,8 +1545,6 @@
               <a:srgbClr val="000000"/>
             </a:solidFill>
             <a:miter lim="800000"/>
-            <a:headEnd/>
-            <a:tailEnd/>
           </a:ln>
         </p:spPr>
       </p:sp>
@@ -1599,14 +1560,10 @@
         </p:nvSpPr>
         <p:spPr/>
         <p:txBody>
-          <a:bodyPr wrap="square" numCol="1" anchor="t" anchorCtr="0" compatLnSpc="1">
-            <a:prstTxWarp prst="textNoShape">
-              <a:avLst/>
-            </a:prstTxWarp>
-          </a:bodyPr>
+          <a:bodyPr wrap="square" numCol="1" anchor="t" anchorCtr="0" compatLnSpc="1"/>
           <a:lstStyle/>
           <a:p>
-            <a:pPr marL="542948" indent="-542948" eaLnBrk="1" hangingPunct="1">
+            <a:pPr marL="542925" indent="-542925" eaLnBrk="1" hangingPunct="1">
               <a:spcBef>
                 <a:spcPct val="0"/>
               </a:spcBef>
@@ -1656,8 +1613,6 @@
                   <a:prstClr val="black"/>
                 </a:solidFill>
               </a:rPr>
-              <a:pPr/>
-              <a:t>18</a:t>
             </a:fld>
             <a:endParaRPr lang="en-US" altLang="zh-CN">
               <a:solidFill>
@@ -1720,6 +1675,7 @@
               <a:rPr lang="zh-CN" altLang="en-US"/>
               <a:t>单击此处编辑母版标题样式</a:t>
             </a:r>
+            <a:endParaRPr lang="zh-CN" altLang="en-US"/>
           </a:p>
         </p:txBody>
       </p:sp>
@@ -1784,6 +1740,7 @@
               <a:rPr lang="zh-CN" altLang="en-US" dirty="0"/>
               <a:t>单击此处编辑母版副标题样式</a:t>
             </a:r>
+            <a:endParaRPr lang="zh-CN" altLang="en-US" dirty="0"/>
           </a:p>
         </p:txBody>
       </p:sp>
@@ -1804,7 +1761,6 @@
           <a:p>
             <a:fld id="{FC19A4FA-3D9A-4114-B0D5-759CBD56F1AB}" type="datetimeFigureOut">
               <a:rPr lang="zh-CN" altLang="en-US" smtClean="0"/>
-              <a:t>2021/11/12</a:t>
             </a:fld>
             <a:endParaRPr lang="zh-CN" altLang="en-US"/>
           </a:p>
@@ -1846,7 +1802,6 @@
           <a:p>
             <a:fld id="{506F4176-339E-4C4B-80E4-BBE9C4467EFE}" type="slidenum">
               <a:rPr lang="zh-CN" altLang="en-US" smtClean="0"/>
-              <a:t>‹#›</a:t>
             </a:fld>
             <a:endParaRPr lang="zh-CN" altLang="en-US"/>
           </a:p>
@@ -1927,6 +1882,7 @@
               <a:rPr lang="zh-CN" altLang="en-US"/>
               <a:t>单击此处编辑母版标题样式</a:t>
             </a:r>
+            <a:endParaRPr lang="zh-CN" altLang="en-US"/>
           </a:p>
         </p:txBody>
       </p:sp>
@@ -1950,6 +1906,7 @@
               <a:rPr lang="zh-CN" altLang="en-US"/>
               <a:t>单击此处编辑母版文本样式</a:t>
             </a:r>
+            <a:endParaRPr lang="zh-CN" altLang="en-US"/>
           </a:p>
           <a:p>
             <a:pPr lvl="1"/>
@@ -1957,6 +1914,7 @@
               <a:rPr lang="zh-CN" altLang="en-US"/>
               <a:t>第二级</a:t>
             </a:r>
+            <a:endParaRPr lang="zh-CN" altLang="en-US"/>
           </a:p>
           <a:p>
             <a:pPr lvl="2"/>
@@ -1964,6 +1922,7 @@
               <a:rPr lang="zh-CN" altLang="en-US"/>
               <a:t>第三级</a:t>
             </a:r>
+            <a:endParaRPr lang="zh-CN" altLang="en-US"/>
           </a:p>
           <a:p>
             <a:pPr lvl="3"/>
@@ -1971,6 +1930,7 @@
               <a:rPr lang="zh-CN" altLang="en-US"/>
               <a:t>第四级</a:t>
             </a:r>
+            <a:endParaRPr lang="zh-CN" altLang="en-US"/>
           </a:p>
           <a:p>
             <a:pPr lvl="4"/>
@@ -1978,6 +1938,7 @@
               <a:rPr lang="zh-CN" altLang="en-US"/>
               <a:t>第五级</a:t>
             </a:r>
+            <a:endParaRPr lang="zh-CN" altLang="en-US"/>
           </a:p>
         </p:txBody>
       </p:sp>
@@ -1998,7 +1959,6 @@
           <a:p>
             <a:fld id="{FC19A4FA-3D9A-4114-B0D5-759CBD56F1AB}" type="datetimeFigureOut">
               <a:rPr lang="zh-CN" altLang="en-US" smtClean="0"/>
-              <a:t>2021/11/12</a:t>
             </a:fld>
             <a:endParaRPr lang="zh-CN" altLang="en-US"/>
           </a:p>
@@ -2040,7 +2000,6 @@
           <a:p>
             <a:fld id="{506F4176-339E-4C4B-80E4-BBE9C4467EFE}" type="slidenum">
               <a:rPr lang="zh-CN" altLang="en-US" smtClean="0"/>
-              <a:t>‹#›</a:t>
             </a:fld>
             <a:endParaRPr lang="zh-CN" altLang="en-US"/>
           </a:p>
@@ -2095,6 +2054,7 @@
               <a:rPr lang="zh-CN" altLang="en-US"/>
               <a:t>单击此处编辑母版标题样式</a:t>
             </a:r>
+            <a:endParaRPr lang="zh-CN" altLang="en-US"/>
           </a:p>
         </p:txBody>
       </p:sp>
@@ -2123,6 +2083,7 @@
               <a:rPr lang="zh-CN" altLang="en-US"/>
               <a:t>单击此处编辑母版文本样式</a:t>
             </a:r>
+            <a:endParaRPr lang="zh-CN" altLang="en-US"/>
           </a:p>
           <a:p>
             <a:pPr lvl="1"/>
@@ -2130,6 +2091,7 @@
               <a:rPr lang="zh-CN" altLang="en-US"/>
               <a:t>第二级</a:t>
             </a:r>
+            <a:endParaRPr lang="zh-CN" altLang="en-US"/>
           </a:p>
           <a:p>
             <a:pPr lvl="2"/>
@@ -2137,6 +2099,7 @@
               <a:rPr lang="zh-CN" altLang="en-US"/>
               <a:t>第三级</a:t>
             </a:r>
+            <a:endParaRPr lang="zh-CN" altLang="en-US"/>
           </a:p>
           <a:p>
             <a:pPr lvl="3"/>
@@ -2144,6 +2107,7 @@
               <a:rPr lang="zh-CN" altLang="en-US"/>
               <a:t>第四级</a:t>
             </a:r>
+            <a:endParaRPr lang="zh-CN" altLang="en-US"/>
           </a:p>
           <a:p>
             <a:pPr lvl="4"/>
@@ -2151,6 +2115,7 @@
               <a:rPr lang="zh-CN" altLang="en-US"/>
               <a:t>第五级</a:t>
             </a:r>
+            <a:endParaRPr lang="zh-CN" altLang="en-US"/>
           </a:p>
         </p:txBody>
       </p:sp>
@@ -2171,7 +2136,6 @@
           <a:p>
             <a:fld id="{FC19A4FA-3D9A-4114-B0D5-759CBD56F1AB}" type="datetimeFigureOut">
               <a:rPr lang="zh-CN" altLang="en-US" smtClean="0"/>
-              <a:t>2021/11/12</a:t>
             </a:fld>
             <a:endParaRPr lang="zh-CN" altLang="en-US"/>
           </a:p>
@@ -2213,7 +2177,6 @@
           <a:p>
             <a:fld id="{506F4176-339E-4C4B-80E4-BBE9C4467EFE}" type="slidenum">
               <a:rPr lang="zh-CN" altLang="en-US" smtClean="0"/>
-              <a:t>‹#›</a:t>
             </a:fld>
             <a:endParaRPr lang="zh-CN" altLang="en-US"/>
           </a:p>
@@ -2268,6 +2231,7 @@
               <a:rPr lang="zh-CN" altLang="en-US" dirty="0"/>
               <a:t>单击此处编辑母版标题样式</a:t>
             </a:r>
+            <a:endParaRPr lang="zh-CN" altLang="en-US" dirty="0"/>
           </a:p>
         </p:txBody>
       </p:sp>
@@ -2307,6 +2271,7 @@
               <a:rPr lang="zh-CN" altLang="en-US" dirty="0"/>
               <a:t>单击此处编辑母版文本样式</a:t>
             </a:r>
+            <a:endParaRPr lang="zh-CN" altLang="en-US" dirty="0"/>
           </a:p>
           <a:p>
             <a:pPr lvl="1"/>
@@ -2314,6 +2279,7 @@
               <a:rPr lang="zh-CN" altLang="en-US" dirty="0"/>
               <a:t>第二级</a:t>
             </a:r>
+            <a:endParaRPr lang="zh-CN" altLang="en-US" dirty="0"/>
           </a:p>
           <a:p>
             <a:pPr lvl="2"/>
@@ -2321,6 +2287,7 @@
               <a:rPr lang="zh-CN" altLang="en-US" dirty="0"/>
               <a:t>第三级</a:t>
             </a:r>
+            <a:endParaRPr lang="zh-CN" altLang="en-US" dirty="0"/>
           </a:p>
           <a:p>
             <a:pPr lvl="3"/>
@@ -2328,6 +2295,7 @@
               <a:rPr lang="zh-CN" altLang="en-US" dirty="0"/>
               <a:t>第四级</a:t>
             </a:r>
+            <a:endParaRPr lang="zh-CN" altLang="en-US" dirty="0"/>
           </a:p>
           <a:p>
             <a:pPr lvl="4"/>
@@ -2335,6 +2303,7 @@
               <a:rPr lang="zh-CN" altLang="en-US" dirty="0"/>
               <a:t>第五级</a:t>
             </a:r>
+            <a:endParaRPr lang="zh-CN" altLang="en-US" dirty="0"/>
           </a:p>
         </p:txBody>
       </p:sp>
@@ -2355,7 +2324,6 @@
           <a:p>
             <a:fld id="{FC19A4FA-3D9A-4114-B0D5-759CBD56F1AB}" type="datetimeFigureOut">
               <a:rPr lang="zh-CN" altLang="en-US" smtClean="0"/>
-              <a:t>2021/11/12</a:t>
             </a:fld>
             <a:endParaRPr lang="zh-CN" altLang="en-US"/>
           </a:p>
@@ -2397,7 +2365,6 @@
           <a:p>
             <a:fld id="{506F4176-339E-4C4B-80E4-BBE9C4467EFE}" type="slidenum">
               <a:rPr lang="zh-CN" altLang="en-US" smtClean="0"/>
-              <a:t>‹#›</a:t>
             </a:fld>
             <a:endParaRPr lang="zh-CN" altLang="en-US"/>
           </a:p>
@@ -2480,6 +2447,7 @@
               <a:rPr lang="zh-CN" altLang="en-US"/>
               <a:t>单击此处编辑母版标题样式</a:t>
             </a:r>
+            <a:endParaRPr lang="zh-CN" altLang="en-US"/>
           </a:p>
         </p:txBody>
       </p:sp>
@@ -2508,6 +2476,7 @@
               <a:rPr lang="zh-CN" altLang="en-US"/>
               <a:t>单击此处编辑母版文本样式</a:t>
             </a:r>
+            <a:endParaRPr lang="zh-CN" altLang="en-US"/>
           </a:p>
           <a:p>
             <a:pPr lvl="1"/>
@@ -2515,6 +2484,7 @@
               <a:rPr lang="zh-CN" altLang="en-US"/>
               <a:t>第二级</a:t>
             </a:r>
+            <a:endParaRPr lang="zh-CN" altLang="en-US"/>
           </a:p>
           <a:p>
             <a:pPr lvl="2"/>
@@ -2522,6 +2492,7 @@
               <a:rPr lang="zh-CN" altLang="en-US"/>
               <a:t>第三级</a:t>
             </a:r>
+            <a:endParaRPr lang="zh-CN" altLang="en-US"/>
           </a:p>
           <a:p>
             <a:pPr lvl="3"/>
@@ -2529,6 +2500,7 @@
               <a:rPr lang="zh-CN" altLang="en-US"/>
               <a:t>第四级</a:t>
             </a:r>
+            <a:endParaRPr lang="zh-CN" altLang="en-US"/>
           </a:p>
           <a:p>
             <a:pPr lvl="4"/>
@@ -2536,6 +2508,7 @@
               <a:rPr lang="zh-CN" altLang="en-US"/>
               <a:t>第五级</a:t>
             </a:r>
+            <a:endParaRPr lang="zh-CN" altLang="en-US"/>
           </a:p>
         </p:txBody>
       </p:sp>
@@ -2564,6 +2537,7 @@
               <a:rPr lang="zh-CN" altLang="en-US"/>
               <a:t>单击此处编辑母版文本样式</a:t>
             </a:r>
+            <a:endParaRPr lang="zh-CN" altLang="en-US"/>
           </a:p>
           <a:p>
             <a:pPr lvl="1"/>
@@ -2571,6 +2545,7 @@
               <a:rPr lang="zh-CN" altLang="en-US"/>
               <a:t>第二级</a:t>
             </a:r>
+            <a:endParaRPr lang="zh-CN" altLang="en-US"/>
           </a:p>
           <a:p>
             <a:pPr lvl="2"/>
@@ -2578,6 +2553,7 @@
               <a:rPr lang="zh-CN" altLang="en-US"/>
               <a:t>第三级</a:t>
             </a:r>
+            <a:endParaRPr lang="zh-CN" altLang="en-US"/>
           </a:p>
           <a:p>
             <a:pPr lvl="3"/>
@@ -2585,6 +2561,7 @@
               <a:rPr lang="zh-CN" altLang="en-US"/>
               <a:t>第四级</a:t>
             </a:r>
+            <a:endParaRPr lang="zh-CN" altLang="en-US"/>
           </a:p>
           <a:p>
             <a:pPr lvl="4"/>
@@ -2592,6 +2569,7 @@
               <a:rPr lang="zh-CN" altLang="en-US"/>
               <a:t>第五级</a:t>
             </a:r>
+            <a:endParaRPr lang="zh-CN" altLang="en-US"/>
           </a:p>
         </p:txBody>
       </p:sp>
@@ -2612,7 +2590,6 @@
           <a:p>
             <a:fld id="{FC19A4FA-3D9A-4114-B0D5-759CBD56F1AB}" type="datetimeFigureOut">
               <a:rPr lang="zh-CN" altLang="en-US" smtClean="0"/>
-              <a:t>2021/11/12</a:t>
             </a:fld>
             <a:endParaRPr lang="zh-CN" altLang="en-US"/>
           </a:p>
@@ -2654,7 +2631,6 @@
           <a:p>
             <a:fld id="{506F4176-339E-4C4B-80E4-BBE9C4467EFE}" type="slidenum">
               <a:rPr lang="zh-CN" altLang="en-US" smtClean="0"/>
-              <a:t>‹#›</a:t>
             </a:fld>
             <a:endParaRPr lang="zh-CN" altLang="en-US"/>
           </a:p>
@@ -2737,6 +2713,7 @@
               <a:rPr lang="zh-CN" altLang="en-US"/>
               <a:t>单击此处编辑母版标题样式</a:t>
             </a:r>
+            <a:endParaRPr lang="zh-CN" altLang="en-US"/>
           </a:p>
         </p:txBody>
       </p:sp>
@@ -2802,6 +2779,7 @@
               <a:rPr lang="zh-CN" altLang="en-US"/>
               <a:t>单击此处编辑母版文本样式</a:t>
             </a:r>
+            <a:endParaRPr lang="zh-CN" altLang="en-US"/>
           </a:p>
         </p:txBody>
       </p:sp>
@@ -2830,6 +2808,7 @@
               <a:rPr lang="zh-CN" altLang="en-US"/>
               <a:t>单击此处编辑母版文本样式</a:t>
             </a:r>
+            <a:endParaRPr lang="zh-CN" altLang="en-US"/>
           </a:p>
           <a:p>
             <a:pPr lvl="1"/>
@@ -2837,6 +2816,7 @@
               <a:rPr lang="zh-CN" altLang="en-US"/>
               <a:t>第二级</a:t>
             </a:r>
+            <a:endParaRPr lang="zh-CN" altLang="en-US"/>
           </a:p>
           <a:p>
             <a:pPr lvl="2"/>
@@ -2844,6 +2824,7 @@
               <a:rPr lang="zh-CN" altLang="en-US"/>
               <a:t>第三级</a:t>
             </a:r>
+            <a:endParaRPr lang="zh-CN" altLang="en-US"/>
           </a:p>
           <a:p>
             <a:pPr lvl="3"/>
@@ -2851,6 +2832,7 @@
               <a:rPr lang="zh-CN" altLang="en-US"/>
               <a:t>第四级</a:t>
             </a:r>
+            <a:endParaRPr lang="zh-CN" altLang="en-US"/>
           </a:p>
           <a:p>
             <a:pPr lvl="4"/>
@@ -2858,6 +2840,7 @@
               <a:rPr lang="zh-CN" altLang="en-US"/>
               <a:t>第五级</a:t>
             </a:r>
+            <a:endParaRPr lang="zh-CN" altLang="en-US"/>
           </a:p>
         </p:txBody>
       </p:sp>
@@ -2923,6 +2906,7 @@
               <a:rPr lang="zh-CN" altLang="en-US"/>
               <a:t>单击此处编辑母版文本样式</a:t>
             </a:r>
+            <a:endParaRPr lang="zh-CN" altLang="en-US"/>
           </a:p>
         </p:txBody>
       </p:sp>
@@ -2951,6 +2935,7 @@
               <a:rPr lang="zh-CN" altLang="en-US"/>
               <a:t>单击此处编辑母版文本样式</a:t>
             </a:r>
+            <a:endParaRPr lang="zh-CN" altLang="en-US"/>
           </a:p>
           <a:p>
             <a:pPr lvl="1"/>
@@ -2958,6 +2943,7 @@
               <a:rPr lang="zh-CN" altLang="en-US"/>
               <a:t>第二级</a:t>
             </a:r>
+            <a:endParaRPr lang="zh-CN" altLang="en-US"/>
           </a:p>
           <a:p>
             <a:pPr lvl="2"/>
@@ -2965,6 +2951,7 @@
               <a:rPr lang="zh-CN" altLang="en-US"/>
               <a:t>第三级</a:t>
             </a:r>
+            <a:endParaRPr lang="zh-CN" altLang="en-US"/>
           </a:p>
           <a:p>
             <a:pPr lvl="3"/>
@@ -2972,6 +2959,7 @@
               <a:rPr lang="zh-CN" altLang="en-US"/>
               <a:t>第四级</a:t>
             </a:r>
+            <a:endParaRPr lang="zh-CN" altLang="en-US"/>
           </a:p>
           <a:p>
             <a:pPr lvl="4"/>
@@ -2979,6 +2967,7 @@
               <a:rPr lang="zh-CN" altLang="en-US"/>
               <a:t>第五级</a:t>
             </a:r>
+            <a:endParaRPr lang="zh-CN" altLang="en-US"/>
           </a:p>
         </p:txBody>
       </p:sp>
@@ -2999,7 +2988,6 @@
           <a:p>
             <a:fld id="{FC19A4FA-3D9A-4114-B0D5-759CBD56F1AB}" type="datetimeFigureOut">
               <a:rPr lang="zh-CN" altLang="en-US" smtClean="0"/>
-              <a:t>2021/11/12</a:t>
             </a:fld>
             <a:endParaRPr lang="zh-CN" altLang="en-US"/>
           </a:p>
@@ -3041,7 +3029,6 @@
           <a:p>
             <a:fld id="{506F4176-339E-4C4B-80E4-BBE9C4467EFE}" type="slidenum">
               <a:rPr lang="zh-CN" altLang="en-US" smtClean="0"/>
-              <a:t>‹#›</a:t>
             </a:fld>
             <a:endParaRPr lang="zh-CN" altLang="en-US"/>
           </a:p>
@@ -3128,6 +3115,7 @@
               <a:rPr lang="zh-CN" altLang="en-US"/>
               <a:t>单击此处编辑母版标题样式</a:t>
             </a:r>
+            <a:endParaRPr lang="zh-CN" altLang="en-US"/>
           </a:p>
         </p:txBody>
       </p:sp>
@@ -3247,6 +3235,7 @@
               <a:rPr lang="zh-CN" altLang="en-US"/>
               <a:t>单击此处编辑母版文本样式</a:t>
             </a:r>
+            <a:endParaRPr lang="zh-CN" altLang="en-US"/>
           </a:p>
         </p:txBody>
       </p:sp>
@@ -3267,7 +3256,6 @@
           <a:p>
             <a:fld id="{FC19A4FA-3D9A-4114-B0D5-759CBD56F1AB}" type="datetimeFigureOut">
               <a:rPr lang="zh-CN" altLang="en-US" smtClean="0"/>
-              <a:t>2021/11/12</a:t>
             </a:fld>
             <a:endParaRPr lang="zh-CN" altLang="en-US"/>
           </a:p>
@@ -3309,7 +3297,6 @@
           <a:p>
             <a:fld id="{506F4176-339E-4C4B-80E4-BBE9C4467EFE}" type="slidenum">
               <a:rPr lang="zh-CN" altLang="en-US" smtClean="0"/>
-              <a:t>‹#›</a:t>
             </a:fld>
             <a:endParaRPr lang="zh-CN" altLang="en-US"/>
           </a:p>
@@ -3387,6 +3374,7 @@
               <a:rPr lang="zh-CN" altLang="en-US"/>
               <a:t>单击此处编辑母版标题样式</a:t>
             </a:r>
+            <a:endParaRPr lang="zh-CN" altLang="en-US"/>
           </a:p>
         </p:txBody>
       </p:sp>
@@ -3407,7 +3395,6 @@
           <a:p>
             <a:fld id="{FC19A4FA-3D9A-4114-B0D5-759CBD56F1AB}" type="datetimeFigureOut">
               <a:rPr lang="zh-CN" altLang="en-US" smtClean="0"/>
-              <a:t>2021/11/12</a:t>
             </a:fld>
             <a:endParaRPr lang="zh-CN" altLang="en-US"/>
           </a:p>
@@ -3449,7 +3436,6 @@
           <a:p>
             <a:fld id="{506F4176-339E-4C4B-80E4-BBE9C4467EFE}" type="slidenum">
               <a:rPr lang="zh-CN" altLang="en-US" smtClean="0"/>
-              <a:t>‹#›</a:t>
             </a:fld>
             <a:endParaRPr lang="zh-CN" altLang="en-US"/>
           </a:p>
@@ -3497,7 +3483,6 @@
           <a:p>
             <a:fld id="{FC19A4FA-3D9A-4114-B0D5-759CBD56F1AB}" type="datetimeFigureOut">
               <a:rPr lang="zh-CN" altLang="en-US" smtClean="0"/>
-              <a:t>2021/11/12</a:t>
             </a:fld>
             <a:endParaRPr lang="zh-CN" altLang="en-US"/>
           </a:p>
@@ -3539,7 +3524,6 @@
           <a:p>
             <a:fld id="{506F4176-339E-4C4B-80E4-BBE9C4467EFE}" type="slidenum">
               <a:rPr lang="zh-CN" altLang="en-US" smtClean="0"/>
-              <a:t>‹#›</a:t>
             </a:fld>
             <a:endParaRPr lang="zh-CN" altLang="en-US"/>
           </a:p>
@@ -3598,6 +3582,7 @@
               <a:rPr lang="zh-CN" altLang="en-US"/>
               <a:t>单击此处编辑母版标题样式</a:t>
             </a:r>
+            <a:endParaRPr lang="zh-CN" altLang="en-US"/>
           </a:p>
         </p:txBody>
       </p:sp>
@@ -3654,6 +3639,7 @@
               <a:rPr lang="zh-CN" altLang="en-US"/>
               <a:t>单击此处编辑母版文本样式</a:t>
             </a:r>
+            <a:endParaRPr lang="zh-CN" altLang="en-US"/>
           </a:p>
           <a:p>
             <a:pPr lvl="1"/>
@@ -3661,6 +3647,7 @@
               <a:rPr lang="zh-CN" altLang="en-US"/>
               <a:t>第二级</a:t>
             </a:r>
+            <a:endParaRPr lang="zh-CN" altLang="en-US"/>
           </a:p>
           <a:p>
             <a:pPr lvl="2"/>
@@ -3668,6 +3655,7 @@
               <a:rPr lang="zh-CN" altLang="en-US"/>
               <a:t>第三级</a:t>
             </a:r>
+            <a:endParaRPr lang="zh-CN" altLang="en-US"/>
           </a:p>
           <a:p>
             <a:pPr lvl="3"/>
@@ -3675,6 +3663,7 @@
               <a:rPr lang="zh-CN" altLang="en-US"/>
               <a:t>第四级</a:t>
             </a:r>
+            <a:endParaRPr lang="zh-CN" altLang="en-US"/>
           </a:p>
           <a:p>
             <a:pPr lvl="4"/>
@@ -3682,6 +3671,7 @@
               <a:rPr lang="zh-CN" altLang="en-US"/>
               <a:t>第五级</a:t>
             </a:r>
+            <a:endParaRPr lang="zh-CN" altLang="en-US"/>
           </a:p>
         </p:txBody>
       </p:sp>
@@ -3747,6 +3737,7 @@
               <a:rPr lang="zh-CN" altLang="en-US"/>
               <a:t>单击此处编辑母版文本样式</a:t>
             </a:r>
+            <a:endParaRPr lang="zh-CN" altLang="en-US"/>
           </a:p>
         </p:txBody>
       </p:sp>
@@ -3767,7 +3758,6 @@
           <a:p>
             <a:fld id="{FC19A4FA-3D9A-4114-B0D5-759CBD56F1AB}" type="datetimeFigureOut">
               <a:rPr lang="zh-CN" altLang="en-US" smtClean="0"/>
-              <a:t>2021/11/12</a:t>
             </a:fld>
             <a:endParaRPr lang="zh-CN" altLang="en-US"/>
           </a:p>
@@ -3809,7 +3799,6 @@
           <a:p>
             <a:fld id="{506F4176-339E-4C4B-80E4-BBE9C4467EFE}" type="slidenum">
               <a:rPr lang="zh-CN" altLang="en-US" smtClean="0"/>
-              <a:t>‹#›</a:t>
             </a:fld>
             <a:endParaRPr lang="zh-CN" altLang="en-US"/>
           </a:p>
@@ -3868,6 +3857,7 @@
               <a:rPr lang="zh-CN" altLang="en-US"/>
               <a:t>单击此处编辑母版标题样式</a:t>
             </a:r>
+            <a:endParaRPr lang="zh-CN" altLang="en-US"/>
           </a:p>
         </p:txBody>
       </p:sp>
@@ -3994,6 +3984,7 @@
               <a:rPr lang="zh-CN" altLang="en-US"/>
               <a:t>单击此处编辑母版文本样式</a:t>
             </a:r>
+            <a:endParaRPr lang="zh-CN" altLang="en-US"/>
           </a:p>
         </p:txBody>
       </p:sp>
@@ -4014,7 +4005,6 @@
           <a:p>
             <a:fld id="{FC19A4FA-3D9A-4114-B0D5-759CBD56F1AB}" type="datetimeFigureOut">
               <a:rPr lang="zh-CN" altLang="en-US" smtClean="0"/>
-              <a:t>2021/11/12</a:t>
             </a:fld>
             <a:endParaRPr lang="zh-CN" altLang="en-US"/>
           </a:p>
@@ -4056,7 +4046,6 @@
           <a:p>
             <a:fld id="{506F4176-339E-4C4B-80E4-BBE9C4467EFE}" type="slidenum">
               <a:rPr lang="zh-CN" altLang="en-US" smtClean="0"/>
-              <a:t>‹#›</a:t>
             </a:fld>
             <a:endParaRPr lang="zh-CN" altLang="en-US"/>
           </a:p>
@@ -4121,6 +4110,7 @@
               <a:rPr lang="zh-CN" altLang="en-US" dirty="0"/>
               <a:t>单击此处编辑母版标题样式</a:t>
             </a:r>
+            <a:endParaRPr lang="zh-CN" altLang="en-US" dirty="0"/>
           </a:p>
         </p:txBody>
       </p:sp>
@@ -4154,6 +4144,7 @@
               <a:rPr lang="zh-CN" altLang="en-US" dirty="0"/>
               <a:t>单击此处编辑母版文本样式</a:t>
             </a:r>
+            <a:endParaRPr lang="zh-CN" altLang="en-US" dirty="0"/>
           </a:p>
           <a:p>
             <a:pPr lvl="1"/>
@@ -4161,6 +4152,7 @@
               <a:rPr lang="zh-CN" altLang="en-US" dirty="0"/>
               <a:t>第二级</a:t>
             </a:r>
+            <a:endParaRPr lang="zh-CN" altLang="en-US" dirty="0"/>
           </a:p>
           <a:p>
             <a:pPr lvl="2"/>
@@ -4168,6 +4160,7 @@
               <a:rPr lang="zh-CN" altLang="en-US" dirty="0"/>
               <a:t>第三级</a:t>
             </a:r>
+            <a:endParaRPr lang="zh-CN" altLang="en-US" dirty="0"/>
           </a:p>
           <a:p>
             <a:pPr lvl="3"/>
@@ -4175,6 +4168,7 @@
               <a:rPr lang="zh-CN" altLang="en-US" dirty="0"/>
               <a:t>第四级</a:t>
             </a:r>
+            <a:endParaRPr lang="zh-CN" altLang="en-US" dirty="0"/>
           </a:p>
           <a:p>
             <a:pPr lvl="4"/>
@@ -4182,6 +4176,7 @@
               <a:rPr lang="zh-CN" altLang="en-US" dirty="0"/>
               <a:t>第五级</a:t>
             </a:r>
+            <a:endParaRPr lang="zh-CN" altLang="en-US" dirty="0"/>
           </a:p>
         </p:txBody>
       </p:sp>
@@ -4220,7 +4215,6 @@
           <a:p>
             <a:fld id="{FC19A4FA-3D9A-4114-B0D5-759CBD56F1AB}" type="datetimeFigureOut">
               <a:rPr lang="zh-CN" altLang="en-US" smtClean="0"/>
-              <a:t>2021/11/12</a:t>
             </a:fld>
             <a:endParaRPr lang="zh-CN" altLang="en-US"/>
           </a:p>
@@ -4298,7 +4292,6 @@
           <a:p>
             <a:fld id="{506F4176-339E-4C4B-80E4-BBE9C4467EFE}" type="slidenum">
               <a:rPr lang="zh-CN" altLang="en-US" smtClean="0"/>
-              <a:t>‹#›</a:t>
             </a:fld>
             <a:endParaRPr lang="zh-CN" altLang="en-US"/>
           </a:p>
@@ -4313,7 +4306,7 @@
           <p:nvPr userDrawn="1"/>
         </p:nvPicPr>
         <p:blipFill>
-          <a:blip r:embed="rId13" cstate="print">
+          <a:blip r:embed="rId12" cstate="print">
             <a:extLst>
               <a:ext uri="{28A0092B-C50C-407E-A947-70E740481C1C}">
                 <a14:useLocalDpi xmlns:a14="http://schemas.microsoft.com/office/drawing/2010/main" val="0"/>
@@ -4797,9 +4790,7 @@
       <p:sp>
         <p:nvSpPr>
           <p:cNvPr id="7" name="Content Placeholder 2"/>
-          <p:cNvSpPr txBox="1">
-            <a:spLocks/>
-          </p:cNvSpPr>
+          <p:cNvSpPr txBox="1"/>
           <p:nvPr/>
         </p:nvSpPr>
         <p:spPr bwMode="auto">
@@ -4814,20 +4805,14 @@
           <a:ln w="9525">
             <a:noFill/>
             <a:miter lim="800000"/>
-            <a:headEnd/>
-            <a:tailEnd/>
           </a:ln>
         </p:spPr>
         <p:txBody>
-          <a:bodyPr vert="horz" wrap="square" lIns="107710" tIns="53855" rIns="107710" bIns="53855" numCol="1" anchor="t" anchorCtr="0" compatLnSpc="1">
-            <a:prstTxWarp prst="textNoShape">
-              <a:avLst/>
-            </a:prstTxWarp>
-          </a:bodyPr>
+          <a:bodyPr vert="horz" wrap="square" lIns="107710" tIns="53855" rIns="107710" bIns="53855" numCol="1" anchor="t" anchorCtr="0" compatLnSpc="1"/>
           <a:lstStyle>
-            <a:lvl1pPr marL="473896" indent="-331728" algn="l" rtl="0" eaLnBrk="0" fontAlgn="base" hangingPunct="0">
+            <a:lvl1pPr marL="473710" indent="-331470" algn="l" rtl="0" eaLnBrk="0" fontAlgn="base" hangingPunct="0">
               <a:spcBef>
-                <a:spcPts val="519"/>
+                <a:spcPts val="520"/>
               </a:spcBef>
               <a:spcAft>
                 <a:spcPct val="0"/>
@@ -4836,7 +4821,7 @@
                 <a:schemeClr val="accent1"/>
               </a:buClr>
               <a:buSzPct val="68000"/>
-              <a:buFont typeface="Wingdings 3" pitchFamily="18" charset="2"/>
+              <a:buFont typeface="Wingdings 3" panose="05040102010807070707" pitchFamily="18" charset="2"/>
               <a:buChar char=""/>
               <a:defRPr sz="3500" kern="1200">
                 <a:solidFill>
@@ -4847,9 +4832,9 @@
                 <a:cs typeface="+mn-cs"/>
               </a:defRPr>
             </a:lvl1pPr>
-            <a:lvl2pPr marL="805623" indent="-296700" algn="l" rtl="0" eaLnBrk="0" fontAlgn="base" hangingPunct="0">
+            <a:lvl2pPr marL="805815" indent="-296545" algn="l" rtl="0" eaLnBrk="0" fontAlgn="base" hangingPunct="0">
               <a:spcBef>
-                <a:spcPts val="422"/>
+                <a:spcPts val="420"/>
               </a:spcBef>
               <a:spcAft>
                 <a:spcPct val="0"/>
@@ -4857,7 +4842,7 @@
               <a:buClr>
                 <a:schemeClr val="accent1"/>
               </a:buClr>
-              <a:buFont typeface="Wingdings" pitchFamily="2" charset="2"/>
+              <a:buFont typeface="Wingdings" panose="05000000000000000000" pitchFamily="2" charset="2"/>
               <a:buChar char="§"/>
               <a:defRPr sz="3000" kern="1200">
                 <a:solidFill>
@@ -4868,9 +4853,9 @@
                 <a:cs typeface="+mn-cs"/>
               </a:defRPr>
             </a:lvl2pPr>
-            <a:lvl3pPr marL="1114686" indent="-296700" algn="l" rtl="0" eaLnBrk="0" fontAlgn="base" hangingPunct="0">
+            <a:lvl3pPr marL="1114425" indent="-296545" algn="l" rtl="0" eaLnBrk="0" fontAlgn="base" hangingPunct="0">
               <a:spcBef>
-                <a:spcPts val="454"/>
+                <a:spcPts val="455"/>
               </a:spcBef>
               <a:spcAft>
                 <a:spcPct val="0"/>
@@ -4879,7 +4864,7 @@
                 <a:schemeClr val="accent2"/>
               </a:buClr>
               <a:buSzPct val="100000"/>
-              <a:buFont typeface="Wingdings 2" pitchFamily="18" charset="2"/>
+              <a:buFont typeface="Wingdings 2" panose="05020102010507070707" pitchFamily="18" charset="2"/>
               <a:buChar char=""/>
               <a:defRPr sz="2700" kern="1200">
                 <a:solidFill>
@@ -4890,9 +4875,9 @@
                 <a:cs typeface="+mn-cs"/>
               </a:defRPr>
             </a:lvl3pPr>
-            <a:lvl4pPr marL="1483500" indent="-296700" algn="l" rtl="0" eaLnBrk="0" fontAlgn="base" hangingPunct="0">
+            <a:lvl4pPr marL="1483360" indent="-296545" algn="l" rtl="0" eaLnBrk="0" fontAlgn="base" hangingPunct="0">
               <a:spcBef>
-                <a:spcPts val="454"/>
+                <a:spcPts val="455"/>
               </a:spcBef>
               <a:spcAft>
                 <a:spcPct val="0"/>
@@ -4909,9 +4894,9 @@
                 <a:cs typeface="+mn-cs"/>
               </a:defRPr>
             </a:lvl4pPr>
-            <a:lvl5pPr marL="1483500" indent="-296700" algn="l" rtl="0" eaLnBrk="0" fontAlgn="base" hangingPunct="0">
+            <a:lvl5pPr marL="1483360" indent="-296545" algn="l" rtl="0" eaLnBrk="0" fontAlgn="base" hangingPunct="0">
               <a:spcBef>
-                <a:spcPts val="454"/>
+                <a:spcPts val="455"/>
               </a:spcBef>
               <a:spcAft>
                 <a:spcPct val="0"/>
@@ -4928,14 +4913,14 @@
                 <a:cs typeface="+mn-cs"/>
               </a:defRPr>
             </a:lvl5pPr>
-            <a:lvl6pPr marL="2076900" indent="-296700" algn="l" rtl="0" eaLnBrk="1" latinLnBrk="0" hangingPunct="1">
+            <a:lvl6pPr marL="2077085" indent="-296545" algn="l" rtl="0" eaLnBrk="1" latinLnBrk="0" hangingPunct="1">
               <a:spcBef>
-                <a:spcPts val="454"/>
+                <a:spcPts val="455"/>
               </a:spcBef>
               <a:buClr>
                 <a:schemeClr val="accent3"/>
               </a:buClr>
-              <a:buFont typeface="Wingdings 2"/>
+              <a:buFont typeface="Wingdings 2" panose="05020102010507070707"/>
               <a:buChar char=""/>
               <a:defRPr kumimoji="0" sz="2300" kern="1200">
                 <a:solidFill>
@@ -4946,14 +4931,14 @@
                 <a:cs typeface="+mn-cs"/>
               </a:defRPr>
             </a:lvl6pPr>
-            <a:lvl7pPr marL="2373600" indent="-296700" algn="l" rtl="0" eaLnBrk="1" latinLnBrk="0" hangingPunct="1">
+            <a:lvl7pPr marL="2373630" indent="-296545" algn="l" rtl="0" eaLnBrk="1" latinLnBrk="0" hangingPunct="1">
               <a:spcBef>
-                <a:spcPts val="454"/>
+                <a:spcPts val="455"/>
               </a:spcBef>
               <a:buClr>
                 <a:schemeClr val="accent3"/>
               </a:buClr>
-              <a:buFont typeface="Wingdings 2"/>
+              <a:buFont typeface="Wingdings 2" panose="05020102010507070707"/>
               <a:buChar char=""/>
               <a:defRPr kumimoji="0" sz="2100" kern="1200">
                 <a:solidFill>
@@ -4964,14 +4949,14 @@
                 <a:cs typeface="+mn-cs"/>
               </a:defRPr>
             </a:lvl7pPr>
-            <a:lvl8pPr marL="2670299" indent="-296700" algn="l" rtl="0" eaLnBrk="1" latinLnBrk="0" hangingPunct="1">
+            <a:lvl8pPr marL="2670175" indent="-296545" algn="l" rtl="0" eaLnBrk="1" latinLnBrk="0" hangingPunct="1">
               <a:spcBef>
-                <a:spcPts val="454"/>
+                <a:spcPts val="455"/>
               </a:spcBef>
               <a:buClr>
                 <a:schemeClr val="accent3"/>
               </a:buClr>
-              <a:buFont typeface="Wingdings 2"/>
+              <a:buFont typeface="Wingdings 2" panose="05020102010507070707"/>
               <a:buChar char=""/>
               <a:defRPr kumimoji="0" sz="2100" kern="1200">
                 <a:solidFill>
@@ -4982,14 +4967,14 @@
                 <a:cs typeface="+mn-cs"/>
               </a:defRPr>
             </a:lvl8pPr>
-            <a:lvl9pPr marL="2966999" indent="-296700" algn="l" rtl="0" eaLnBrk="1" latinLnBrk="0" hangingPunct="1">
+            <a:lvl9pPr marL="2966720" indent="-296545" algn="l" rtl="0" eaLnBrk="1" latinLnBrk="0" hangingPunct="1">
               <a:spcBef>
-                <a:spcPts val="454"/>
+                <a:spcPts val="455"/>
               </a:spcBef>
               <a:buClr>
                 <a:schemeClr val="accent3"/>
               </a:buClr>
-              <a:buFont typeface="Wingdings 2"/>
+              <a:buFont typeface="Wingdings 2" panose="05020102010507070707"/>
               <a:buChar char=""/>
               <a:defRPr kumimoji="0" sz="2100" kern="1200" baseline="0">
                 <a:solidFill>
@@ -5000,12 +4985,11 @@
                 <a:cs typeface="+mn-cs"/>
               </a:defRPr>
             </a:lvl9pPr>
-            <a:extLst/>
           </a:lstStyle>
           <a:p>
-            <a:pPr marL="129032" lvl="1" indent="0">
+            <a:pPr marL="128905" lvl="1" indent="0">
               <a:spcBef>
-                <a:spcPts val="1413"/>
+                <a:spcPts val="1415"/>
               </a:spcBef>
               <a:buClr>
                 <a:srgbClr val="2DA2BF"/>
@@ -5014,7 +4998,7 @@
               <a:buNone/>
             </a:pPr>
             <a:r>
-              <a:rPr lang="en-US" altLang="zh-CN" sz="2541" dirty="0">
+              <a:rPr lang="en-US" altLang="zh-CN" sz="2540" dirty="0">
                 <a:solidFill>
                   <a:prstClr val="black"/>
                 </a:solidFill>
@@ -5022,7 +5006,7 @@
               <a:t>Case 1:    </a:t>
             </a:r>
             <a:r>
-              <a:rPr lang="en-US" altLang="zh-CN" sz="2541" dirty="0" err="1">
+              <a:rPr lang="en-US" altLang="zh-CN" sz="2540" dirty="0" err="1">
                 <a:solidFill>
                   <a:prstClr val="black"/>
                 </a:solidFill>
@@ -5030,7 +5014,7 @@
               <a:t>oneThird</a:t>
             </a:r>
             <a:r>
-              <a:rPr lang="en-US" altLang="zh-CN" sz="2541" dirty="0">
+              <a:rPr lang="en-US" altLang="zh-CN" sz="2540" dirty="0">
                 <a:solidFill>
                   <a:prstClr val="black"/>
                 </a:solidFill>
@@ -5038,7 +5022,7 @@
               <a:t> * </a:t>
             </a:r>
             <a:r>
-              <a:rPr lang="en-US" altLang="zh-CN" sz="2541" b="1" dirty="0">
+              <a:rPr lang="en-US" altLang="zh-CN" sz="2540" b="1" dirty="0">
                 <a:solidFill>
                   <a:prstClr val="black"/>
                 </a:solidFill>
@@ -5046,18 +5030,23 @@
               <a:t>2 </a:t>
             </a:r>
             <a:r>
-              <a:rPr lang="en-US" altLang="zh-CN" sz="2541" dirty="0">
+              <a:rPr lang="en-US" altLang="zh-CN" sz="2540" dirty="0">
                 <a:solidFill>
                   <a:prstClr val="black"/>
                 </a:solidFill>
               </a:rPr>
               <a:t> </a:t>
             </a:r>
-          </a:p>
-          <a:p>
-            <a:pPr marL="129032" lvl="1" indent="0">
+            <a:endParaRPr lang="en-US" altLang="zh-CN" sz="2540" dirty="0">
+              <a:solidFill>
+                <a:prstClr val="black"/>
+              </a:solidFill>
+            </a:endParaRPr>
+          </a:p>
+          <a:p>
+            <a:pPr marL="128905" lvl="1" indent="0">
               <a:spcBef>
-                <a:spcPts val="1413"/>
+                <a:spcPts val="1415"/>
               </a:spcBef>
               <a:buClr>
                 <a:srgbClr val="2DA2BF"/>
@@ -5066,7 +5055,7 @@
               <a:buNone/>
             </a:pPr>
             <a:r>
-              <a:rPr lang="en-US" altLang="zh-CN" sz="2541" dirty="0">
+              <a:rPr lang="en-US" altLang="zh-CN" sz="2540" dirty="0">
                 <a:solidFill>
                   <a:prstClr val="black"/>
                 </a:solidFill>
@@ -5074,7 +5063,7 @@
               <a:t>Case 2:    </a:t>
             </a:r>
             <a:r>
-              <a:rPr lang="en-US" altLang="zh-CN" sz="2541" b="1" dirty="0">
+              <a:rPr lang="en-US" altLang="zh-CN" sz="2540" b="1" dirty="0">
                 <a:solidFill>
                   <a:prstClr val="black"/>
                 </a:solidFill>
@@ -5082,7 +5071,7 @@
               <a:t>2</a:t>
             </a:r>
             <a:r>
-              <a:rPr lang="en-US" altLang="zh-CN" sz="2541" dirty="0">
+              <a:rPr lang="en-US" altLang="zh-CN" sz="2540" dirty="0">
                 <a:solidFill>
                   <a:prstClr val="black"/>
                 </a:solidFill>
@@ -5090,14 +5079,14 @@
               <a:t> * </a:t>
             </a:r>
             <a:r>
-              <a:rPr lang="en-US" altLang="zh-CN" sz="2541" dirty="0" err="1">
+              <a:rPr lang="en-US" altLang="zh-CN" sz="2540" dirty="0" err="1">
                 <a:solidFill>
                   <a:prstClr val="black"/>
                 </a:solidFill>
               </a:rPr>
               <a:t>oneThird</a:t>
             </a:r>
-            <a:endParaRPr lang="en-US" sz="2541" dirty="0">
+            <a:endParaRPr lang="en-US" sz="2540" dirty="0">
               <a:solidFill>
                 <a:prstClr val="black"/>
               </a:solidFill>
@@ -5108,9 +5097,7 @@
       <p:sp>
         <p:nvSpPr>
           <p:cNvPr id="8" name="Content Placeholder 2"/>
-          <p:cNvSpPr txBox="1">
-            <a:spLocks/>
-          </p:cNvSpPr>
+          <p:cNvSpPr txBox="1"/>
           <p:nvPr/>
         </p:nvSpPr>
         <p:spPr bwMode="auto">
@@ -5125,20 +5112,14 @@
           <a:ln w="9525">
             <a:noFill/>
             <a:miter lim="800000"/>
-            <a:headEnd/>
-            <a:tailEnd/>
           </a:ln>
         </p:spPr>
         <p:txBody>
-          <a:bodyPr vert="horz" wrap="square" lIns="107710" tIns="53855" rIns="107710" bIns="53855" numCol="1" anchor="t" anchorCtr="0" compatLnSpc="1">
-            <a:prstTxWarp prst="textNoShape">
-              <a:avLst/>
-            </a:prstTxWarp>
-          </a:bodyPr>
+          <a:bodyPr vert="horz" wrap="square" lIns="107710" tIns="53855" rIns="107710" bIns="53855" numCol="1" anchor="t" anchorCtr="0" compatLnSpc="1"/>
           <a:lstStyle>
-            <a:lvl1pPr marL="473896" indent="-331728" algn="l" rtl="0" eaLnBrk="0" fontAlgn="base" hangingPunct="0">
+            <a:lvl1pPr marL="473710" indent="-331470" algn="l" rtl="0" eaLnBrk="0" fontAlgn="base" hangingPunct="0">
               <a:spcBef>
-                <a:spcPts val="519"/>
+                <a:spcPts val="520"/>
               </a:spcBef>
               <a:spcAft>
                 <a:spcPct val="0"/>
@@ -5147,7 +5128,7 @@
                 <a:schemeClr val="accent1"/>
               </a:buClr>
               <a:buSzPct val="68000"/>
-              <a:buFont typeface="Wingdings 3" pitchFamily="18" charset="2"/>
+              <a:buFont typeface="Wingdings 3" panose="05040102010807070707" pitchFamily="18" charset="2"/>
               <a:buChar char=""/>
               <a:defRPr sz="3500" kern="1200">
                 <a:solidFill>
@@ -5158,9 +5139,9 @@
                 <a:cs typeface="+mn-cs"/>
               </a:defRPr>
             </a:lvl1pPr>
-            <a:lvl2pPr marL="805623" indent="-296700" algn="l" rtl="0" eaLnBrk="0" fontAlgn="base" hangingPunct="0">
+            <a:lvl2pPr marL="805815" indent="-296545" algn="l" rtl="0" eaLnBrk="0" fontAlgn="base" hangingPunct="0">
               <a:spcBef>
-                <a:spcPts val="422"/>
+                <a:spcPts val="420"/>
               </a:spcBef>
               <a:spcAft>
                 <a:spcPct val="0"/>
@@ -5168,7 +5149,7 @@
               <a:buClr>
                 <a:schemeClr val="accent1"/>
               </a:buClr>
-              <a:buFont typeface="Wingdings" pitchFamily="2" charset="2"/>
+              <a:buFont typeface="Wingdings" panose="05000000000000000000" pitchFamily="2" charset="2"/>
               <a:buChar char="§"/>
               <a:defRPr sz="3000" kern="1200">
                 <a:solidFill>
@@ -5179,9 +5160,9 @@
                 <a:cs typeface="+mn-cs"/>
               </a:defRPr>
             </a:lvl2pPr>
-            <a:lvl3pPr marL="1114686" indent="-296700" algn="l" rtl="0" eaLnBrk="0" fontAlgn="base" hangingPunct="0">
+            <a:lvl3pPr marL="1114425" indent="-296545" algn="l" rtl="0" eaLnBrk="0" fontAlgn="base" hangingPunct="0">
               <a:spcBef>
-                <a:spcPts val="454"/>
+                <a:spcPts val="455"/>
               </a:spcBef>
               <a:spcAft>
                 <a:spcPct val="0"/>
@@ -5190,7 +5171,7 @@
                 <a:schemeClr val="accent2"/>
               </a:buClr>
               <a:buSzPct val="100000"/>
-              <a:buFont typeface="Wingdings 2" pitchFamily="18" charset="2"/>
+              <a:buFont typeface="Wingdings 2" panose="05020102010507070707" pitchFamily="18" charset="2"/>
               <a:buChar char=""/>
               <a:defRPr sz="2700" kern="1200">
                 <a:solidFill>
@@ -5201,9 +5182,9 @@
                 <a:cs typeface="+mn-cs"/>
               </a:defRPr>
             </a:lvl3pPr>
-            <a:lvl4pPr marL="1483500" indent="-296700" algn="l" rtl="0" eaLnBrk="0" fontAlgn="base" hangingPunct="0">
+            <a:lvl4pPr marL="1483360" indent="-296545" algn="l" rtl="0" eaLnBrk="0" fontAlgn="base" hangingPunct="0">
               <a:spcBef>
-                <a:spcPts val="454"/>
+                <a:spcPts val="455"/>
               </a:spcBef>
               <a:spcAft>
                 <a:spcPct val="0"/>
@@ -5220,9 +5201,9 @@
                 <a:cs typeface="+mn-cs"/>
               </a:defRPr>
             </a:lvl4pPr>
-            <a:lvl5pPr marL="1483500" indent="-296700" algn="l" rtl="0" eaLnBrk="0" fontAlgn="base" hangingPunct="0">
+            <a:lvl5pPr marL="1483360" indent="-296545" algn="l" rtl="0" eaLnBrk="0" fontAlgn="base" hangingPunct="0">
               <a:spcBef>
-                <a:spcPts val="454"/>
+                <a:spcPts val="455"/>
               </a:spcBef>
               <a:spcAft>
                 <a:spcPct val="0"/>
@@ -5239,14 +5220,14 @@
                 <a:cs typeface="+mn-cs"/>
               </a:defRPr>
             </a:lvl5pPr>
-            <a:lvl6pPr marL="2076900" indent="-296700" algn="l" rtl="0" eaLnBrk="1" latinLnBrk="0" hangingPunct="1">
+            <a:lvl6pPr marL="2077085" indent="-296545" algn="l" rtl="0" eaLnBrk="1" latinLnBrk="0" hangingPunct="1">
               <a:spcBef>
-                <a:spcPts val="454"/>
+                <a:spcPts val="455"/>
               </a:spcBef>
               <a:buClr>
                 <a:schemeClr val="accent3"/>
               </a:buClr>
-              <a:buFont typeface="Wingdings 2"/>
+              <a:buFont typeface="Wingdings 2" panose="05020102010507070707"/>
               <a:buChar char=""/>
               <a:defRPr kumimoji="0" sz="2300" kern="1200">
                 <a:solidFill>
@@ -5257,14 +5238,14 @@
                 <a:cs typeface="+mn-cs"/>
               </a:defRPr>
             </a:lvl6pPr>
-            <a:lvl7pPr marL="2373600" indent="-296700" algn="l" rtl="0" eaLnBrk="1" latinLnBrk="0" hangingPunct="1">
+            <a:lvl7pPr marL="2373630" indent="-296545" algn="l" rtl="0" eaLnBrk="1" latinLnBrk="0" hangingPunct="1">
               <a:spcBef>
-                <a:spcPts val="454"/>
+                <a:spcPts val="455"/>
               </a:spcBef>
               <a:buClr>
                 <a:schemeClr val="accent3"/>
               </a:buClr>
-              <a:buFont typeface="Wingdings 2"/>
+              <a:buFont typeface="Wingdings 2" panose="05020102010507070707"/>
               <a:buChar char=""/>
               <a:defRPr kumimoji="0" sz="2100" kern="1200">
                 <a:solidFill>
@@ -5275,14 +5256,14 @@
                 <a:cs typeface="+mn-cs"/>
               </a:defRPr>
             </a:lvl7pPr>
-            <a:lvl8pPr marL="2670299" indent="-296700" algn="l" rtl="0" eaLnBrk="1" latinLnBrk="0" hangingPunct="1">
+            <a:lvl8pPr marL="2670175" indent="-296545" algn="l" rtl="0" eaLnBrk="1" latinLnBrk="0" hangingPunct="1">
               <a:spcBef>
-                <a:spcPts val="454"/>
+                <a:spcPts val="455"/>
               </a:spcBef>
               <a:buClr>
                 <a:schemeClr val="accent3"/>
               </a:buClr>
-              <a:buFont typeface="Wingdings 2"/>
+              <a:buFont typeface="Wingdings 2" panose="05020102010507070707"/>
               <a:buChar char=""/>
               <a:defRPr kumimoji="0" sz="2100" kern="1200">
                 <a:solidFill>
@@ -5293,14 +5274,14 @@
                 <a:cs typeface="+mn-cs"/>
               </a:defRPr>
             </a:lvl8pPr>
-            <a:lvl9pPr marL="2966999" indent="-296700" algn="l" rtl="0" eaLnBrk="1" latinLnBrk="0" hangingPunct="1">
+            <a:lvl9pPr marL="2966720" indent="-296545" algn="l" rtl="0" eaLnBrk="1" latinLnBrk="0" hangingPunct="1">
               <a:spcBef>
-                <a:spcPts val="454"/>
+                <a:spcPts val="455"/>
               </a:spcBef>
               <a:buClr>
                 <a:schemeClr val="accent3"/>
               </a:buClr>
-              <a:buFont typeface="Wingdings 2"/>
+              <a:buFont typeface="Wingdings 2" panose="05020102010507070707"/>
               <a:buChar char=""/>
               <a:defRPr kumimoji="0" sz="2100" kern="1200" baseline="0">
                 <a:solidFill>
@@ -5311,12 +5292,11 @@
                 <a:cs typeface="+mn-cs"/>
               </a:defRPr>
             </a:lvl9pPr>
-            <a:extLst/>
           </a:lstStyle>
           <a:p>
-            <a:pPr marL="129032" lvl="1" indent="0">
+            <a:pPr marL="128905" lvl="1" indent="0">
               <a:spcBef>
-                <a:spcPts val="1413"/>
+                <a:spcPts val="1415"/>
               </a:spcBef>
               <a:buClr>
                 <a:srgbClr val="2DA2BF"/>
@@ -5325,7 +5305,7 @@
               <a:buNone/>
             </a:pPr>
             <a:r>
-              <a:rPr lang="en-US" sz="2541" dirty="0">
+              <a:rPr lang="en-US" sz="2540" dirty="0">
                 <a:solidFill>
                   <a:prstClr val="black"/>
                 </a:solidFill>
@@ -5333,7 +5313,7 @@
               <a:t>For the second case, r</a:t>
             </a:r>
             <a:r>
-              <a:rPr lang="en-US" altLang="zh-CN" sz="2541" dirty="0">
+              <a:rPr lang="en-US" altLang="zh-CN" sz="2540" dirty="0">
                 <a:solidFill>
                   <a:prstClr val="black"/>
                 </a:solidFill>
@@ -5341,7 +5321,7 @@
               <a:t>emember, </a:t>
             </a:r>
             <a:r>
-              <a:rPr lang="en-US" altLang="zh-CN" sz="2541" b="1" dirty="0">
+              <a:rPr lang="en-US" altLang="zh-CN" sz="2540" b="1" dirty="0">
                 <a:solidFill>
                   <a:prstClr val="black"/>
                 </a:solidFill>
@@ -5349,7 +5329,7 @@
               <a:t>the left operand is the invoking object</a:t>
             </a:r>
             <a:r>
-              <a:rPr lang="en-US" altLang="zh-CN" sz="2541" dirty="0">
+              <a:rPr lang="en-US" altLang="zh-CN" sz="2540" dirty="0">
                 <a:solidFill>
                   <a:prstClr val="black"/>
                 </a:solidFill>
@@ -5357,7 +5337,7 @@
               <a:t>, but number </a:t>
             </a:r>
             <a:r>
-              <a:rPr lang="en-US" altLang="zh-CN" sz="2541" b="1" dirty="0">
+              <a:rPr lang="en-US" altLang="zh-CN" sz="2540" b="1" dirty="0">
                 <a:solidFill>
                   <a:prstClr val="black"/>
                 </a:solidFill>
@@ -5365,23 +5345,23 @@
               <a:t>2</a:t>
             </a:r>
             <a:r>
-              <a:rPr lang="en-US" altLang="zh-CN" sz="2541" dirty="0">
+              <a:rPr lang="en-US" altLang="zh-CN" sz="2540" dirty="0">
                 <a:solidFill>
                   <a:prstClr val="black"/>
                 </a:solidFill>
               </a:rPr>
               <a:t> is not an object. So the compiler cannot replace the expression with a member function call.</a:t>
             </a:r>
-            <a:endParaRPr lang="en-US" sz="2541" dirty="0">
+            <a:endParaRPr lang="en-US" sz="2540" dirty="0">
               <a:solidFill>
                 <a:prstClr val="black"/>
               </a:solidFill>
             </a:endParaRPr>
           </a:p>
           <a:p>
-            <a:pPr marL="129032" lvl="1" indent="0">
+            <a:pPr marL="128905" lvl="1" indent="0">
               <a:spcBef>
-                <a:spcPts val="1413"/>
+                <a:spcPts val="1415"/>
               </a:spcBef>
               <a:buClr>
                 <a:srgbClr val="2DA2BF"/>
@@ -5390,22 +5370,25 @@
               <a:buNone/>
             </a:pPr>
             <a:r>
-              <a:rPr lang="en-US" sz="2541" dirty="0">
+              <a:rPr lang="en-US" sz="2540" dirty="0">
                 <a:solidFill>
                   <a:prstClr val="black"/>
                 </a:solidFill>
               </a:rPr>
               <a:t>  </a:t>
             </a:r>
+            <a:endParaRPr lang="en-US" sz="2540" dirty="0">
+              <a:solidFill>
+                <a:prstClr val="black"/>
+              </a:solidFill>
+            </a:endParaRPr>
           </a:p>
         </p:txBody>
       </p:sp>
       <p:sp>
         <p:nvSpPr>
           <p:cNvPr id="9" name="Content Placeholder 2"/>
-          <p:cNvSpPr txBox="1">
-            <a:spLocks/>
-          </p:cNvSpPr>
+          <p:cNvSpPr txBox="1"/>
           <p:nvPr/>
         </p:nvSpPr>
         <p:spPr bwMode="auto">
@@ -5420,20 +5403,14 @@
           <a:ln w="9525">
             <a:noFill/>
             <a:miter lim="800000"/>
-            <a:headEnd/>
-            <a:tailEnd/>
           </a:ln>
         </p:spPr>
         <p:txBody>
-          <a:bodyPr vert="horz" wrap="square" lIns="107710" tIns="53855" rIns="107710" bIns="53855" numCol="1" anchor="t" anchorCtr="0" compatLnSpc="1">
-            <a:prstTxWarp prst="textNoShape">
-              <a:avLst/>
-            </a:prstTxWarp>
-          </a:bodyPr>
+          <a:bodyPr vert="horz" wrap="square" lIns="107710" tIns="53855" rIns="107710" bIns="53855" numCol="1" anchor="t" anchorCtr="0" compatLnSpc="1"/>
           <a:lstStyle>
-            <a:lvl1pPr marL="473896" indent="-331728" algn="l" rtl="0" eaLnBrk="0" fontAlgn="base" hangingPunct="0">
+            <a:lvl1pPr marL="473710" indent="-331470" algn="l" rtl="0" eaLnBrk="0" fontAlgn="base" hangingPunct="0">
               <a:spcBef>
-                <a:spcPts val="519"/>
+                <a:spcPts val="520"/>
               </a:spcBef>
               <a:spcAft>
                 <a:spcPct val="0"/>
@@ -5442,7 +5419,7 @@
                 <a:schemeClr val="accent1"/>
               </a:buClr>
               <a:buSzPct val="68000"/>
-              <a:buFont typeface="Wingdings 3" pitchFamily="18" charset="2"/>
+              <a:buFont typeface="Wingdings 3" panose="05040102010807070707" pitchFamily="18" charset="2"/>
               <a:buChar char=""/>
               <a:defRPr sz="3500" kern="1200">
                 <a:solidFill>
@@ -5453,9 +5430,9 @@
                 <a:cs typeface="+mn-cs"/>
               </a:defRPr>
             </a:lvl1pPr>
-            <a:lvl2pPr marL="805623" indent="-296700" algn="l" rtl="0" eaLnBrk="0" fontAlgn="base" hangingPunct="0">
+            <a:lvl2pPr marL="805815" indent="-296545" algn="l" rtl="0" eaLnBrk="0" fontAlgn="base" hangingPunct="0">
               <a:spcBef>
-                <a:spcPts val="422"/>
+                <a:spcPts val="420"/>
               </a:spcBef>
               <a:spcAft>
                 <a:spcPct val="0"/>
@@ -5463,7 +5440,7 @@
               <a:buClr>
                 <a:schemeClr val="accent1"/>
               </a:buClr>
-              <a:buFont typeface="Wingdings" pitchFamily="2" charset="2"/>
+              <a:buFont typeface="Wingdings" panose="05000000000000000000" pitchFamily="2" charset="2"/>
               <a:buChar char="§"/>
               <a:defRPr sz="3000" kern="1200">
                 <a:solidFill>
@@ -5474,9 +5451,9 @@
                 <a:cs typeface="+mn-cs"/>
               </a:defRPr>
             </a:lvl2pPr>
-            <a:lvl3pPr marL="1114686" indent="-296700" algn="l" rtl="0" eaLnBrk="0" fontAlgn="base" hangingPunct="0">
+            <a:lvl3pPr marL="1114425" indent="-296545" algn="l" rtl="0" eaLnBrk="0" fontAlgn="base" hangingPunct="0">
               <a:spcBef>
-                <a:spcPts val="454"/>
+                <a:spcPts val="455"/>
               </a:spcBef>
               <a:spcAft>
                 <a:spcPct val="0"/>
@@ -5485,7 +5462,7 @@
                 <a:schemeClr val="accent2"/>
               </a:buClr>
               <a:buSzPct val="100000"/>
-              <a:buFont typeface="Wingdings 2" pitchFamily="18" charset="2"/>
+              <a:buFont typeface="Wingdings 2" panose="05020102010507070707" pitchFamily="18" charset="2"/>
               <a:buChar char=""/>
               <a:defRPr sz="2700" kern="1200">
                 <a:solidFill>
@@ -5496,9 +5473,9 @@
                 <a:cs typeface="+mn-cs"/>
               </a:defRPr>
             </a:lvl3pPr>
-            <a:lvl4pPr marL="1483500" indent="-296700" algn="l" rtl="0" eaLnBrk="0" fontAlgn="base" hangingPunct="0">
+            <a:lvl4pPr marL="1483360" indent="-296545" algn="l" rtl="0" eaLnBrk="0" fontAlgn="base" hangingPunct="0">
               <a:spcBef>
-                <a:spcPts val="454"/>
+                <a:spcPts val="455"/>
               </a:spcBef>
               <a:spcAft>
                 <a:spcPct val="0"/>
@@ -5515,9 +5492,9 @@
                 <a:cs typeface="+mn-cs"/>
               </a:defRPr>
             </a:lvl4pPr>
-            <a:lvl5pPr marL="1483500" indent="-296700" algn="l" rtl="0" eaLnBrk="0" fontAlgn="base" hangingPunct="0">
+            <a:lvl5pPr marL="1483360" indent="-296545" algn="l" rtl="0" eaLnBrk="0" fontAlgn="base" hangingPunct="0">
               <a:spcBef>
-                <a:spcPts val="454"/>
+                <a:spcPts val="455"/>
               </a:spcBef>
               <a:spcAft>
                 <a:spcPct val="0"/>
@@ -5534,14 +5511,14 @@
                 <a:cs typeface="+mn-cs"/>
               </a:defRPr>
             </a:lvl5pPr>
-            <a:lvl6pPr marL="2076900" indent="-296700" algn="l" rtl="0" eaLnBrk="1" latinLnBrk="0" hangingPunct="1">
+            <a:lvl6pPr marL="2077085" indent="-296545" algn="l" rtl="0" eaLnBrk="1" latinLnBrk="0" hangingPunct="1">
               <a:spcBef>
-                <a:spcPts val="454"/>
+                <a:spcPts val="455"/>
               </a:spcBef>
               <a:buClr>
                 <a:schemeClr val="accent3"/>
               </a:buClr>
-              <a:buFont typeface="Wingdings 2"/>
+              <a:buFont typeface="Wingdings 2" panose="05020102010507070707"/>
               <a:buChar char=""/>
               <a:defRPr kumimoji="0" sz="2300" kern="1200">
                 <a:solidFill>
@@ -5552,14 +5529,14 @@
                 <a:cs typeface="+mn-cs"/>
               </a:defRPr>
             </a:lvl6pPr>
-            <a:lvl7pPr marL="2373600" indent="-296700" algn="l" rtl="0" eaLnBrk="1" latinLnBrk="0" hangingPunct="1">
+            <a:lvl7pPr marL="2373630" indent="-296545" algn="l" rtl="0" eaLnBrk="1" latinLnBrk="0" hangingPunct="1">
               <a:spcBef>
-                <a:spcPts val="454"/>
+                <a:spcPts val="455"/>
               </a:spcBef>
               <a:buClr>
                 <a:schemeClr val="accent3"/>
               </a:buClr>
-              <a:buFont typeface="Wingdings 2"/>
+              <a:buFont typeface="Wingdings 2" panose="05020102010507070707"/>
               <a:buChar char=""/>
               <a:defRPr kumimoji="0" sz="2100" kern="1200">
                 <a:solidFill>
@@ -5570,14 +5547,14 @@
                 <a:cs typeface="+mn-cs"/>
               </a:defRPr>
             </a:lvl7pPr>
-            <a:lvl8pPr marL="2670299" indent="-296700" algn="l" rtl="0" eaLnBrk="1" latinLnBrk="0" hangingPunct="1">
+            <a:lvl8pPr marL="2670175" indent="-296545" algn="l" rtl="0" eaLnBrk="1" latinLnBrk="0" hangingPunct="1">
               <a:spcBef>
-                <a:spcPts val="454"/>
+                <a:spcPts val="455"/>
               </a:spcBef>
               <a:buClr>
                 <a:schemeClr val="accent3"/>
               </a:buClr>
-              <a:buFont typeface="Wingdings 2"/>
+              <a:buFont typeface="Wingdings 2" panose="05020102010507070707"/>
               <a:buChar char=""/>
               <a:defRPr kumimoji="0" sz="2100" kern="1200">
                 <a:solidFill>
@@ -5588,14 +5565,14 @@
                 <a:cs typeface="+mn-cs"/>
               </a:defRPr>
             </a:lvl8pPr>
-            <a:lvl9pPr marL="2966999" indent="-296700" algn="l" rtl="0" eaLnBrk="1" latinLnBrk="0" hangingPunct="1">
+            <a:lvl9pPr marL="2966720" indent="-296545" algn="l" rtl="0" eaLnBrk="1" latinLnBrk="0" hangingPunct="1">
               <a:spcBef>
-                <a:spcPts val="454"/>
+                <a:spcPts val="455"/>
               </a:spcBef>
               <a:buClr>
                 <a:schemeClr val="accent3"/>
               </a:buClr>
-              <a:buFont typeface="Wingdings 2"/>
+              <a:buFont typeface="Wingdings 2" panose="05020102010507070707"/>
               <a:buChar char=""/>
               <a:defRPr kumimoji="0" sz="2100" kern="1200" baseline="0">
                 <a:solidFill>
@@ -5606,12 +5583,11 @@
                 <a:cs typeface="+mn-cs"/>
               </a:defRPr>
             </a:lvl9pPr>
-            <a:extLst/>
           </a:lstStyle>
           <a:p>
-            <a:pPr marL="129032" lvl="1" indent="0">
+            <a:pPr marL="128905" lvl="1" indent="0">
               <a:spcBef>
-                <a:spcPts val="1413"/>
+                <a:spcPts val="1415"/>
               </a:spcBef>
               <a:buClr>
                 <a:srgbClr val="2DA2BF"/>
@@ -5620,7 +5596,7 @@
               <a:buNone/>
             </a:pPr>
             <a:r>
-              <a:rPr lang="en-US" sz="2541" dirty="0">
+              <a:rPr lang="en-US" sz="2540" dirty="0">
                 <a:solidFill>
                   <a:prstClr val="black"/>
                 </a:solidFill>
@@ -5628,7 +5604,7 @@
               <a:t> </a:t>
             </a:r>
             <a:r>
-              <a:rPr lang="en-US" altLang="zh-CN" sz="2541" dirty="0">
+              <a:rPr lang="en-US" altLang="zh-CN" sz="2540" dirty="0">
                 <a:solidFill>
                   <a:prstClr val="black"/>
                 </a:solidFill>
@@ -5636,7 +5612,7 @@
               <a:t>We can use </a:t>
             </a:r>
             <a:r>
-              <a:rPr lang="en-US" altLang="zh-CN" sz="2541" b="1" dirty="0">
+              <a:rPr lang="en-US" altLang="zh-CN" sz="2540" b="1" dirty="0">
                 <a:solidFill>
                   <a:prstClr val="black"/>
                 </a:solidFill>
@@ -5644,23 +5620,23 @@
               <a:t>friend function </a:t>
             </a:r>
             <a:r>
-              <a:rPr lang="en-US" altLang="zh-CN" sz="2541" dirty="0">
+              <a:rPr lang="en-US" altLang="zh-CN" sz="2540" dirty="0">
                 <a:solidFill>
                   <a:prstClr val="black"/>
                 </a:solidFill>
               </a:rPr>
               <a:t>to solve this problem.</a:t>
             </a:r>
-            <a:endParaRPr lang="en-US" sz="2541" dirty="0">
+            <a:endParaRPr lang="en-US" sz="2540" dirty="0">
               <a:solidFill>
                 <a:prstClr val="black"/>
               </a:solidFill>
             </a:endParaRPr>
           </a:p>
           <a:p>
-            <a:pPr marL="129032" lvl="1" indent="0">
+            <a:pPr marL="128905" lvl="1" indent="0">
               <a:spcBef>
-                <a:spcPts val="1413"/>
+                <a:spcPts val="1415"/>
               </a:spcBef>
               <a:buClr>
                 <a:srgbClr val="2DA2BF"/>
@@ -5669,22 +5645,22 @@
               <a:buNone/>
             </a:pPr>
             <a:r>
-              <a:rPr lang="en-US" sz="2541" dirty="0">
+              <a:rPr lang="en-US" sz="2540" dirty="0">
                 <a:solidFill>
                   <a:prstClr val="black"/>
                 </a:solidFill>
               </a:rPr>
               <a:t>  </a:t>
             </a:r>
+            <a:endParaRPr lang="en-US" sz="2540" dirty="0">
+              <a:solidFill>
+                <a:prstClr val="black"/>
+              </a:solidFill>
+            </a:endParaRPr>
           </a:p>
         </p:txBody>
       </p:sp>
     </p:spTree>
-    <p:extLst>
-      <p:ext uri="{BB962C8B-B14F-4D97-AF65-F5344CB8AC3E}">
-        <p14:creationId xmlns:p14="http://schemas.microsoft.com/office/powerpoint/2010/main" val="2838418045"/>
-      </p:ext>
-    </p:extLst>
   </p:cSld>
   <p:clrMapOvr>
     <a:masterClrMapping/>
@@ -5859,6 +5835,7 @@
               <a:rPr lang="en-US" altLang="zh-CN" sz="4000" dirty="0"/>
               <a:t>Friend function</a:t>
             </a:r>
+            <a:endParaRPr lang="en-US" altLang="zh-CN" sz="4000" dirty="0"/>
           </a:p>
         </p:txBody>
       </p:sp>
@@ -5885,34 +5862,34 @@
           <a:lstStyle/>
           <a:p>
             <a:r>
-              <a:rPr lang="en-US" altLang="zh-CN" sz="2541" dirty="0"/>
+              <a:rPr lang="en-US" altLang="zh-CN" sz="2540" dirty="0"/>
               <a:t>If a function is defined as a </a:t>
             </a:r>
             <a:r>
-              <a:rPr lang="en-US" altLang="zh-CN" sz="2541" b="1" dirty="0"/>
+              <a:rPr lang="en-US" altLang="zh-CN" sz="2540" b="1" dirty="0"/>
               <a:t>friend function </a:t>
             </a:r>
             <a:r>
-              <a:rPr lang="en-US" altLang="zh-CN" sz="2541" dirty="0"/>
+              <a:rPr lang="en-US" altLang="zh-CN" sz="2540" dirty="0"/>
               <a:t>of a class, that function can access all the </a:t>
             </a:r>
             <a:r>
-              <a:rPr lang="en-US" altLang="zh-CN" sz="2541" b="1" dirty="0"/>
+              <a:rPr lang="en-US" altLang="zh-CN" sz="2540" b="1" dirty="0"/>
               <a:t>private</a:t>
             </a:r>
             <a:r>
-              <a:rPr lang="en-US" altLang="zh-CN" sz="2541" dirty="0"/>
+              <a:rPr lang="en-US" altLang="zh-CN" sz="2540" dirty="0"/>
               <a:t> and </a:t>
             </a:r>
             <a:r>
-              <a:rPr lang="en-US" altLang="zh-CN" sz="2541" b="1" dirty="0"/>
+              <a:rPr lang="en-US" altLang="zh-CN" sz="2540" b="1" dirty="0"/>
               <a:t>protected</a:t>
             </a:r>
             <a:r>
-              <a:rPr lang="en-US" altLang="zh-CN" sz="2541" dirty="0"/>
+              <a:rPr lang="en-US" altLang="zh-CN" sz="2540" dirty="0"/>
               <a:t> data.</a:t>
             </a:r>
-            <a:endParaRPr lang="zh-CN" altLang="en-US" sz="2541" dirty="0"/>
+            <a:endParaRPr lang="zh-CN" altLang="en-US" sz="2540" dirty="0"/>
           </a:p>
         </p:txBody>
       </p:sp>
@@ -5939,11 +5916,11 @@
           <a:lstStyle/>
           <a:p>
             <a:r>
-              <a:rPr lang="en-US" altLang="zh-CN" sz="2541" dirty="0"/>
+              <a:rPr lang="en-US" altLang="zh-CN" sz="2540" dirty="0"/>
               <a:t>By using the keyword </a:t>
             </a:r>
             <a:r>
-              <a:rPr lang="en-US" altLang="zh-CN" sz="2541" b="1" dirty="0">
+              <a:rPr lang="en-US" altLang="zh-CN" sz="2540" b="1" dirty="0">
                 <a:solidFill>
                   <a:srgbClr val="00B0F0"/>
                 </a:solidFill>
@@ -5951,19 +5928,14 @@
               <a:t>friend</a:t>
             </a:r>
             <a:r>
-              <a:rPr lang="en-US" altLang="zh-CN" sz="2541" dirty="0"/>
+              <a:rPr lang="en-US" altLang="zh-CN" sz="2540" dirty="0"/>
               <a:t> compiler knows the given function is a friend function.</a:t>
             </a:r>
-            <a:endParaRPr lang="zh-CN" altLang="en-US" sz="2541" dirty="0"/>
+            <a:endParaRPr lang="zh-CN" altLang="en-US" sz="2540" dirty="0"/>
           </a:p>
         </p:txBody>
       </p:sp>
     </p:spTree>
-    <p:extLst>
-      <p:ext uri="{BB962C8B-B14F-4D97-AF65-F5344CB8AC3E}">
-        <p14:creationId xmlns:p14="http://schemas.microsoft.com/office/powerpoint/2010/main" val="2551639527"/>
-      </p:ext>
-    </p:extLst>
   </p:cSld>
   <p:clrMapOvr>
     <a:masterClrMapping/>
@@ -6134,9 +6106,9 @@
           </a:bodyPr>
           <a:lstStyle/>
           <a:p>
-            <a:pPr marL="129032" lvl="1" indent="0">
+            <a:pPr marL="128905" lvl="1" indent="0">
               <a:spcBef>
-                <a:spcPts val="1413"/>
+                <a:spcPts val="1415"/>
               </a:spcBef>
               <a:buSzPct val="68000"/>
               <a:buNone/>
@@ -6148,9 +6120,9 @@
             <a:endParaRPr lang="zh-CN" altLang="zh-CN" dirty="0"/>
           </a:p>
           <a:p>
-            <a:pPr marL="129032" lvl="1" indent="0">
+            <a:pPr marL="128905" lvl="1" indent="0">
               <a:spcBef>
-                <a:spcPts val="1413"/>
+                <a:spcPts val="1415"/>
               </a:spcBef>
               <a:buSzPct val="68000"/>
               <a:buNone/>
@@ -6158,9 +6130,9 @@
             <a:endParaRPr lang="en-US" dirty="0"/>
           </a:p>
           <a:p>
-            <a:pPr marL="129032" lvl="1" indent="0">
+            <a:pPr marL="128905" lvl="1" indent="0">
               <a:spcBef>
-                <a:spcPts val="1413"/>
+                <a:spcPts val="1415"/>
               </a:spcBef>
               <a:buSzPct val="68000"/>
               <a:buNone/>
@@ -6169,6 +6141,7 @@
               <a:rPr lang="en-US" dirty="0"/>
               <a:t>  </a:t>
             </a:r>
+            <a:endParaRPr lang="en-US" dirty="0"/>
           </a:p>
         </p:txBody>
       </p:sp>
@@ -6181,7 +6154,7 @@
           <p:nvPr/>
         </p:nvPicPr>
         <p:blipFill>
-          <a:blip r:embed="rId3">
+          <a:blip r:embed="rId1">
             <a:extLst>
               <a:ext uri="{28A0092B-C50C-407E-A947-70E740481C1C}">
                 <a14:useLocalDpi xmlns:a14="http://schemas.microsoft.com/office/drawing/2010/main" val="0"/>
@@ -6287,7 +6260,7 @@
             <a:lstStyle/>
             <a:p>
               <a:pPr algn="ctr"/>
-              <a:endParaRPr lang="zh-CN" altLang="en-US" sz="1634"/>
+              <a:endParaRPr lang="zh-CN" altLang="en-US" sz="1635"/>
             </a:p>
           </p:txBody>
         </p:sp>
@@ -6371,6 +6344,11 @@
                 </a:rPr>
                 <a:t> </a:t>
               </a:r>
+              <a:endParaRPr lang="en-US" altLang="zh-CN" sz="1815" b="1" dirty="0">
+                <a:solidFill>
+                  <a:srgbClr val="00B0F0"/>
+                </a:solidFill>
+              </a:endParaRPr>
             </a:p>
             <a:p>
               <a:r>
@@ -6399,9 +6377,7 @@
         <p:sp>
           <p:nvSpPr>
             <p:cNvPr id="4" name="Content Placeholder 2"/>
-            <p:cNvSpPr txBox="1">
-              <a:spLocks/>
-            </p:cNvSpPr>
+            <p:cNvSpPr txBox="1"/>
             <p:nvPr/>
           </p:nvSpPr>
           <p:spPr bwMode="auto">
@@ -6416,20 +6392,14 @@
             <a:ln w="9525">
               <a:noFill/>
               <a:miter lim="800000"/>
-              <a:headEnd/>
-              <a:tailEnd/>
             </a:ln>
           </p:spPr>
           <p:txBody>
-            <a:bodyPr vert="horz" wrap="square" lIns="107710" tIns="53855" rIns="107710" bIns="53855" numCol="1" anchor="t" anchorCtr="0" compatLnSpc="1">
-              <a:prstTxWarp prst="textNoShape">
-                <a:avLst/>
-              </a:prstTxWarp>
-            </a:bodyPr>
+            <a:bodyPr vert="horz" wrap="square" lIns="107710" tIns="53855" rIns="107710" bIns="53855" numCol="1" anchor="t" anchorCtr="0" compatLnSpc="1"/>
             <a:lstStyle>
-              <a:lvl1pPr marL="473896" indent="-331728" algn="l" rtl="0" eaLnBrk="0" fontAlgn="base" hangingPunct="0">
+              <a:lvl1pPr marL="473710" indent="-331470" algn="l" rtl="0" eaLnBrk="0" fontAlgn="base" hangingPunct="0">
                 <a:spcBef>
-                  <a:spcPts val="519"/>
+                  <a:spcPts val="520"/>
                 </a:spcBef>
                 <a:spcAft>
                   <a:spcPct val="0"/>
@@ -6438,7 +6408,7 @@
                   <a:schemeClr val="accent1"/>
                 </a:buClr>
                 <a:buSzPct val="68000"/>
-                <a:buFont typeface="Wingdings 3" pitchFamily="18" charset="2"/>
+                <a:buFont typeface="Wingdings 3" panose="05040102010807070707" pitchFamily="18" charset="2"/>
                 <a:buChar char=""/>
                 <a:defRPr sz="3500" kern="1200">
                   <a:solidFill>
@@ -6449,9 +6419,9 @@
                   <a:cs typeface="+mn-cs"/>
                 </a:defRPr>
               </a:lvl1pPr>
-              <a:lvl2pPr marL="805623" indent="-296700" algn="l" rtl="0" eaLnBrk="0" fontAlgn="base" hangingPunct="0">
+              <a:lvl2pPr marL="805815" indent="-296545" algn="l" rtl="0" eaLnBrk="0" fontAlgn="base" hangingPunct="0">
                 <a:spcBef>
-                  <a:spcPts val="422"/>
+                  <a:spcPts val="420"/>
                 </a:spcBef>
                 <a:spcAft>
                   <a:spcPct val="0"/>
@@ -6459,7 +6429,7 @@
                 <a:buClr>
                   <a:schemeClr val="accent1"/>
                 </a:buClr>
-                <a:buFont typeface="Wingdings" pitchFamily="2" charset="2"/>
+                <a:buFont typeface="Wingdings" panose="05000000000000000000" pitchFamily="2" charset="2"/>
                 <a:buChar char="§"/>
                 <a:defRPr sz="3000" kern="1200">
                   <a:solidFill>
@@ -6470,9 +6440,9 @@
                   <a:cs typeface="+mn-cs"/>
                 </a:defRPr>
               </a:lvl2pPr>
-              <a:lvl3pPr marL="1114686" indent="-296700" algn="l" rtl="0" eaLnBrk="0" fontAlgn="base" hangingPunct="0">
+              <a:lvl3pPr marL="1114425" indent="-296545" algn="l" rtl="0" eaLnBrk="0" fontAlgn="base" hangingPunct="0">
                 <a:spcBef>
-                  <a:spcPts val="454"/>
+                  <a:spcPts val="455"/>
                 </a:spcBef>
                 <a:spcAft>
                   <a:spcPct val="0"/>
@@ -6481,7 +6451,7 @@
                   <a:schemeClr val="accent2"/>
                 </a:buClr>
                 <a:buSzPct val="100000"/>
-                <a:buFont typeface="Wingdings 2" pitchFamily="18" charset="2"/>
+                <a:buFont typeface="Wingdings 2" panose="05020102010507070707" pitchFamily="18" charset="2"/>
                 <a:buChar char=""/>
                 <a:defRPr sz="2700" kern="1200">
                   <a:solidFill>
@@ -6492,9 +6462,9 @@
                   <a:cs typeface="+mn-cs"/>
                 </a:defRPr>
               </a:lvl3pPr>
-              <a:lvl4pPr marL="1483500" indent="-296700" algn="l" rtl="0" eaLnBrk="0" fontAlgn="base" hangingPunct="0">
+              <a:lvl4pPr marL="1483360" indent="-296545" algn="l" rtl="0" eaLnBrk="0" fontAlgn="base" hangingPunct="0">
                 <a:spcBef>
-                  <a:spcPts val="454"/>
+                  <a:spcPts val="455"/>
                 </a:spcBef>
                 <a:spcAft>
                   <a:spcPct val="0"/>
@@ -6511,9 +6481,9 @@
                   <a:cs typeface="+mn-cs"/>
                 </a:defRPr>
               </a:lvl4pPr>
-              <a:lvl5pPr marL="1483500" indent="-296700" algn="l" rtl="0" eaLnBrk="0" fontAlgn="base" hangingPunct="0">
+              <a:lvl5pPr marL="1483360" indent="-296545" algn="l" rtl="0" eaLnBrk="0" fontAlgn="base" hangingPunct="0">
                 <a:spcBef>
-                  <a:spcPts val="454"/>
+                  <a:spcPts val="455"/>
                 </a:spcBef>
                 <a:spcAft>
                   <a:spcPct val="0"/>
@@ -6530,14 +6500,14 @@
                   <a:cs typeface="+mn-cs"/>
                 </a:defRPr>
               </a:lvl5pPr>
-              <a:lvl6pPr marL="2076900" indent="-296700" algn="l" rtl="0" eaLnBrk="1" latinLnBrk="0" hangingPunct="1">
+              <a:lvl6pPr marL="2077085" indent="-296545" algn="l" rtl="0" eaLnBrk="1" latinLnBrk="0" hangingPunct="1">
                 <a:spcBef>
-                  <a:spcPts val="454"/>
+                  <a:spcPts val="455"/>
                 </a:spcBef>
                 <a:buClr>
                   <a:schemeClr val="accent3"/>
                 </a:buClr>
-                <a:buFont typeface="Wingdings 2"/>
+                <a:buFont typeface="Wingdings 2" panose="05020102010507070707"/>
                 <a:buChar char=""/>
                 <a:defRPr kumimoji="0" sz="2300" kern="1200">
                   <a:solidFill>
@@ -6548,14 +6518,14 @@
                   <a:cs typeface="+mn-cs"/>
                 </a:defRPr>
               </a:lvl6pPr>
-              <a:lvl7pPr marL="2373600" indent="-296700" algn="l" rtl="0" eaLnBrk="1" latinLnBrk="0" hangingPunct="1">
+              <a:lvl7pPr marL="2373630" indent="-296545" algn="l" rtl="0" eaLnBrk="1" latinLnBrk="0" hangingPunct="1">
                 <a:spcBef>
-                  <a:spcPts val="454"/>
+                  <a:spcPts val="455"/>
                 </a:spcBef>
                 <a:buClr>
                   <a:schemeClr val="accent3"/>
                 </a:buClr>
-                <a:buFont typeface="Wingdings 2"/>
+                <a:buFont typeface="Wingdings 2" panose="05020102010507070707"/>
                 <a:buChar char=""/>
                 <a:defRPr kumimoji="0" sz="2100" kern="1200">
                   <a:solidFill>
@@ -6566,14 +6536,14 @@
                   <a:cs typeface="+mn-cs"/>
                 </a:defRPr>
               </a:lvl7pPr>
-              <a:lvl8pPr marL="2670299" indent="-296700" algn="l" rtl="0" eaLnBrk="1" latinLnBrk="0" hangingPunct="1">
+              <a:lvl8pPr marL="2670175" indent="-296545" algn="l" rtl="0" eaLnBrk="1" latinLnBrk="0" hangingPunct="1">
                 <a:spcBef>
-                  <a:spcPts val="454"/>
+                  <a:spcPts val="455"/>
                 </a:spcBef>
                 <a:buClr>
                   <a:schemeClr val="accent3"/>
                 </a:buClr>
-                <a:buFont typeface="Wingdings 2"/>
+                <a:buFont typeface="Wingdings 2" panose="05020102010507070707"/>
                 <a:buChar char=""/>
                 <a:defRPr kumimoji="0" sz="2100" kern="1200">
                   <a:solidFill>
@@ -6584,14 +6554,14 @@
                   <a:cs typeface="+mn-cs"/>
                 </a:defRPr>
               </a:lvl8pPr>
-              <a:lvl9pPr marL="2966999" indent="-296700" algn="l" rtl="0" eaLnBrk="1" latinLnBrk="0" hangingPunct="1">
+              <a:lvl9pPr marL="2966720" indent="-296545" algn="l" rtl="0" eaLnBrk="1" latinLnBrk="0" hangingPunct="1">
                 <a:spcBef>
-                  <a:spcPts val="454"/>
+                  <a:spcPts val="455"/>
                 </a:spcBef>
                 <a:buClr>
                   <a:schemeClr val="accent3"/>
                 </a:buClr>
-                <a:buFont typeface="Wingdings 2"/>
+                <a:buFont typeface="Wingdings 2" panose="05020102010507070707"/>
                 <a:buChar char=""/>
                 <a:defRPr kumimoji="0" sz="2100" kern="1200" baseline="0">
                   <a:solidFill>
@@ -6602,48 +6572,48 @@
                   <a:cs typeface="+mn-cs"/>
                 </a:defRPr>
               </a:lvl9pPr>
-              <a:extLst/>
             </a:lstStyle>
             <a:p>
-              <a:pPr marL="129032" lvl="1" indent="0">
+              <a:pPr marL="128905" lvl="1" indent="0">
                 <a:spcBef>
-                  <a:spcPts val="1413"/>
+                  <a:spcPts val="1415"/>
                 </a:spcBef>
                 <a:buSzPct val="68000"/>
                 <a:buNone/>
               </a:pPr>
               <a:r>
-                <a:rPr lang="en-US" sz="2541" dirty="0"/>
+                <a:rPr lang="en-US" sz="2540" dirty="0"/>
                 <a:t>The function can be defined anywhere in the program like a normal C++ function. </a:t>
               </a:r>
               <a:r>
-                <a:rPr lang="en-US" sz="2541" b="1" dirty="0"/>
+                <a:rPr lang="en-US" sz="2540" b="1" dirty="0"/>
                 <a:t>The function definition does not use either the keyword friend or scope resolution operator.</a:t>
               </a:r>
-              <a:endParaRPr lang="zh-CN" altLang="zh-CN" sz="2541" b="1" dirty="0"/>
+              <a:endParaRPr lang="zh-CN" altLang="zh-CN" sz="2540" b="1" dirty="0"/>
             </a:p>
             <a:p>
-              <a:pPr marL="129032" lvl="1" indent="0">
+              <a:pPr marL="128905" lvl="1" indent="0">
                 <a:spcBef>
-                  <a:spcPts val="1413"/>
+                  <a:spcPts val="1415"/>
                 </a:spcBef>
                 <a:buSzPct val="68000"/>
                 <a:buNone/>
               </a:pPr>
-              <a:endParaRPr lang="en-US" sz="2541" dirty="0"/>
+              <a:endParaRPr lang="en-US" sz="2540" dirty="0"/>
             </a:p>
             <a:p>
-              <a:pPr marL="129032" lvl="1" indent="0">
+              <a:pPr marL="128905" lvl="1" indent="0">
                 <a:spcBef>
-                  <a:spcPts val="1413"/>
+                  <a:spcPts val="1415"/>
                 </a:spcBef>
                 <a:buSzPct val="68000"/>
                 <a:buNone/>
               </a:pPr>
               <a:r>
-                <a:rPr lang="en-US" sz="2541" dirty="0"/>
+                <a:rPr lang="en-US" sz="2540" dirty="0"/>
                 <a:t>  </a:t>
               </a:r>
+              <a:endParaRPr lang="en-US" sz="2540" dirty="0"/>
             </a:p>
           </p:txBody>
         </p:sp>
@@ -6685,11 +6655,6 @@
         </p:cxnSp>
       </p:grpSp>
     </p:spTree>
-    <p:extLst>
-      <p:ext uri="{BB962C8B-B14F-4D97-AF65-F5344CB8AC3E}">
-        <p14:creationId xmlns:p14="http://schemas.microsoft.com/office/powerpoint/2010/main" val="3854943101"/>
-      </p:ext>
-    </p:extLst>
   </p:cSld>
   <p:clrMapOvr>
     <a:masterClrMapping/>
@@ -6856,9 +6821,9 @@
           </a:bodyPr>
           <a:lstStyle/>
           <a:p>
-            <a:pPr marL="129032" lvl="1" indent="0">
+            <a:pPr marL="128905" lvl="1" indent="0">
               <a:spcBef>
-                <a:spcPts val="1413"/>
+                <a:spcPts val="1415"/>
               </a:spcBef>
               <a:buSzPct val="68000"/>
               <a:buNone/>
@@ -6894,9 +6859,9 @@
             <a:endParaRPr lang="en-US" dirty="0"/>
           </a:p>
           <a:p>
-            <a:pPr marL="129032" lvl="1" indent="0">
+            <a:pPr marL="128905" lvl="1" indent="0">
               <a:spcBef>
-                <a:spcPts val="1413"/>
+                <a:spcPts val="1415"/>
               </a:spcBef>
               <a:buSzPct val="68000"/>
               <a:buNone/>
@@ -6905,15 +6870,14 @@
               <a:rPr lang="en-US" dirty="0"/>
               <a:t>  </a:t>
             </a:r>
+            <a:endParaRPr lang="en-US" dirty="0"/>
           </a:p>
         </p:txBody>
       </p:sp>
       <p:sp>
         <p:nvSpPr>
           <p:cNvPr id="7" name="Content Placeholder 2"/>
-          <p:cNvSpPr txBox="1">
-            <a:spLocks/>
-          </p:cNvSpPr>
+          <p:cNvSpPr txBox="1"/>
           <p:nvPr/>
         </p:nvSpPr>
         <p:spPr bwMode="auto">
@@ -6928,20 +6892,14 @@
           <a:ln w="9525">
             <a:noFill/>
             <a:miter lim="800000"/>
-            <a:headEnd/>
-            <a:tailEnd/>
           </a:ln>
         </p:spPr>
         <p:txBody>
-          <a:bodyPr vert="horz" wrap="square" lIns="107710" tIns="53855" rIns="107710" bIns="53855" numCol="1" anchor="t" anchorCtr="0" compatLnSpc="1">
-            <a:prstTxWarp prst="textNoShape">
-              <a:avLst/>
-            </a:prstTxWarp>
-          </a:bodyPr>
+          <a:bodyPr vert="horz" wrap="square" lIns="107710" tIns="53855" rIns="107710" bIns="53855" numCol="1" anchor="t" anchorCtr="0" compatLnSpc="1"/>
           <a:lstStyle>
-            <a:lvl1pPr marL="473896" indent="-331728" algn="l" rtl="0" eaLnBrk="0" fontAlgn="base" hangingPunct="0">
+            <a:lvl1pPr marL="473710" indent="-331470" algn="l" rtl="0" eaLnBrk="0" fontAlgn="base" hangingPunct="0">
               <a:spcBef>
-                <a:spcPts val="519"/>
+                <a:spcPts val="520"/>
               </a:spcBef>
               <a:spcAft>
                 <a:spcPct val="0"/>
@@ -6950,7 +6908,7 @@
                 <a:schemeClr val="accent1"/>
               </a:buClr>
               <a:buSzPct val="68000"/>
-              <a:buFont typeface="Wingdings 3" pitchFamily="18" charset="2"/>
+              <a:buFont typeface="Wingdings 3" panose="05040102010807070707" pitchFamily="18" charset="2"/>
               <a:buChar char=""/>
               <a:defRPr sz="3500" kern="1200">
                 <a:solidFill>
@@ -6961,9 +6919,9 @@
                 <a:cs typeface="+mn-cs"/>
               </a:defRPr>
             </a:lvl1pPr>
-            <a:lvl2pPr marL="805623" indent="-296700" algn="l" rtl="0" eaLnBrk="0" fontAlgn="base" hangingPunct="0">
+            <a:lvl2pPr marL="805815" indent="-296545" algn="l" rtl="0" eaLnBrk="0" fontAlgn="base" hangingPunct="0">
               <a:spcBef>
-                <a:spcPts val="422"/>
+                <a:spcPts val="420"/>
               </a:spcBef>
               <a:spcAft>
                 <a:spcPct val="0"/>
@@ -6971,7 +6929,7 @@
               <a:buClr>
                 <a:schemeClr val="accent1"/>
               </a:buClr>
-              <a:buFont typeface="Wingdings" pitchFamily="2" charset="2"/>
+              <a:buFont typeface="Wingdings" panose="05000000000000000000" pitchFamily="2" charset="2"/>
               <a:buChar char="§"/>
               <a:defRPr sz="3000" kern="1200">
                 <a:solidFill>
@@ -6982,9 +6940,9 @@
                 <a:cs typeface="+mn-cs"/>
               </a:defRPr>
             </a:lvl2pPr>
-            <a:lvl3pPr marL="1114686" indent="-296700" algn="l" rtl="0" eaLnBrk="0" fontAlgn="base" hangingPunct="0">
+            <a:lvl3pPr marL="1114425" indent="-296545" algn="l" rtl="0" eaLnBrk="0" fontAlgn="base" hangingPunct="0">
               <a:spcBef>
-                <a:spcPts val="454"/>
+                <a:spcPts val="455"/>
               </a:spcBef>
               <a:spcAft>
                 <a:spcPct val="0"/>
@@ -6993,7 +6951,7 @@
                 <a:schemeClr val="accent2"/>
               </a:buClr>
               <a:buSzPct val="100000"/>
-              <a:buFont typeface="Wingdings 2" pitchFamily="18" charset="2"/>
+              <a:buFont typeface="Wingdings 2" panose="05020102010507070707" pitchFamily="18" charset="2"/>
               <a:buChar char=""/>
               <a:defRPr sz="2700" kern="1200">
                 <a:solidFill>
@@ -7004,9 +6962,9 @@
                 <a:cs typeface="+mn-cs"/>
               </a:defRPr>
             </a:lvl3pPr>
-            <a:lvl4pPr marL="1483500" indent="-296700" algn="l" rtl="0" eaLnBrk="0" fontAlgn="base" hangingPunct="0">
+            <a:lvl4pPr marL="1483360" indent="-296545" algn="l" rtl="0" eaLnBrk="0" fontAlgn="base" hangingPunct="0">
               <a:spcBef>
-                <a:spcPts val="454"/>
+                <a:spcPts val="455"/>
               </a:spcBef>
               <a:spcAft>
                 <a:spcPct val="0"/>
@@ -7023,9 +6981,9 @@
                 <a:cs typeface="+mn-cs"/>
               </a:defRPr>
             </a:lvl4pPr>
-            <a:lvl5pPr marL="1483500" indent="-296700" algn="l" rtl="0" eaLnBrk="0" fontAlgn="base" hangingPunct="0">
+            <a:lvl5pPr marL="1483360" indent="-296545" algn="l" rtl="0" eaLnBrk="0" fontAlgn="base" hangingPunct="0">
               <a:spcBef>
-                <a:spcPts val="454"/>
+                <a:spcPts val="455"/>
               </a:spcBef>
               <a:spcAft>
                 <a:spcPct val="0"/>
@@ -7042,14 +7000,14 @@
                 <a:cs typeface="+mn-cs"/>
               </a:defRPr>
             </a:lvl5pPr>
-            <a:lvl6pPr marL="2076900" indent="-296700" algn="l" rtl="0" eaLnBrk="1" latinLnBrk="0" hangingPunct="1">
+            <a:lvl6pPr marL="2077085" indent="-296545" algn="l" rtl="0" eaLnBrk="1" latinLnBrk="0" hangingPunct="1">
               <a:spcBef>
-                <a:spcPts val="454"/>
+                <a:spcPts val="455"/>
               </a:spcBef>
               <a:buClr>
                 <a:schemeClr val="accent3"/>
               </a:buClr>
-              <a:buFont typeface="Wingdings 2"/>
+              <a:buFont typeface="Wingdings 2" panose="05020102010507070707"/>
               <a:buChar char=""/>
               <a:defRPr kumimoji="0" sz="2300" kern="1200">
                 <a:solidFill>
@@ -7060,14 +7018,14 @@
                 <a:cs typeface="+mn-cs"/>
               </a:defRPr>
             </a:lvl6pPr>
-            <a:lvl7pPr marL="2373600" indent="-296700" algn="l" rtl="0" eaLnBrk="1" latinLnBrk="0" hangingPunct="1">
+            <a:lvl7pPr marL="2373630" indent="-296545" algn="l" rtl="0" eaLnBrk="1" latinLnBrk="0" hangingPunct="1">
               <a:spcBef>
-                <a:spcPts val="454"/>
+                <a:spcPts val="455"/>
               </a:spcBef>
               <a:buClr>
                 <a:schemeClr val="accent3"/>
               </a:buClr>
-              <a:buFont typeface="Wingdings 2"/>
+              <a:buFont typeface="Wingdings 2" panose="05020102010507070707"/>
               <a:buChar char=""/>
               <a:defRPr kumimoji="0" sz="2100" kern="1200">
                 <a:solidFill>
@@ -7078,14 +7036,14 @@
                 <a:cs typeface="+mn-cs"/>
               </a:defRPr>
             </a:lvl7pPr>
-            <a:lvl8pPr marL="2670299" indent="-296700" algn="l" rtl="0" eaLnBrk="1" latinLnBrk="0" hangingPunct="1">
+            <a:lvl8pPr marL="2670175" indent="-296545" algn="l" rtl="0" eaLnBrk="1" latinLnBrk="0" hangingPunct="1">
               <a:spcBef>
-                <a:spcPts val="454"/>
+                <a:spcPts val="455"/>
               </a:spcBef>
               <a:buClr>
                 <a:schemeClr val="accent3"/>
               </a:buClr>
-              <a:buFont typeface="Wingdings 2"/>
+              <a:buFont typeface="Wingdings 2" panose="05020102010507070707"/>
               <a:buChar char=""/>
               <a:defRPr kumimoji="0" sz="2100" kern="1200">
                 <a:solidFill>
@@ -7096,14 +7054,14 @@
                 <a:cs typeface="+mn-cs"/>
               </a:defRPr>
             </a:lvl8pPr>
-            <a:lvl9pPr marL="2966999" indent="-296700" algn="l" rtl="0" eaLnBrk="1" latinLnBrk="0" hangingPunct="1">
+            <a:lvl9pPr marL="2966720" indent="-296545" algn="l" rtl="0" eaLnBrk="1" latinLnBrk="0" hangingPunct="1">
               <a:spcBef>
-                <a:spcPts val="454"/>
+                <a:spcPts val="455"/>
               </a:spcBef>
               <a:buClr>
                 <a:schemeClr val="accent3"/>
               </a:buClr>
-              <a:buFont typeface="Wingdings 2"/>
+              <a:buFont typeface="Wingdings 2" panose="05020102010507070707"/>
               <a:buChar char=""/>
               <a:defRPr kumimoji="0" sz="2100" kern="1200" baseline="0">
                 <a:solidFill>
@@ -7114,12 +7072,11 @@
                 <a:cs typeface="+mn-cs"/>
               </a:defRPr>
             </a:lvl9pPr>
-            <a:extLst/>
           </a:lstStyle>
           <a:p>
-            <a:pPr marL="129032" lvl="1" indent="0">
+            <a:pPr marL="128905" lvl="1" indent="0">
               <a:spcBef>
-                <a:spcPts val="1413"/>
+                <a:spcPts val="1415"/>
               </a:spcBef>
               <a:buClr>
                 <a:srgbClr val="2DA2BF"/>
@@ -7128,7 +7085,7 @@
               <a:buNone/>
             </a:pPr>
             <a:r>
-              <a:rPr lang="en-US" sz="2541" b="1" dirty="0">
+              <a:rPr lang="en-US" sz="2540" b="1" dirty="0">
                 <a:solidFill>
                   <a:prstClr val="black"/>
                 </a:solidFill>
@@ -7136,7 +7093,7 @@
               <a:t> </a:t>
             </a:r>
             <a:r>
-              <a:rPr lang="en-US" altLang="zh-CN" sz="2541" b="1" dirty="0">
+              <a:rPr lang="en-US" altLang="zh-CN" sz="2540" b="1" dirty="0">
                 <a:solidFill>
                   <a:srgbClr val="00B0F0"/>
                 </a:solidFill>
@@ -7144,7 +7101,7 @@
               <a:t>friend</a:t>
             </a:r>
             <a:r>
-              <a:rPr lang="en-US" altLang="zh-CN" sz="2541" b="1" dirty="0">
+              <a:rPr lang="en-US" altLang="zh-CN" sz="2540" b="1" dirty="0">
                 <a:solidFill>
                   <a:prstClr val="black"/>
                 </a:solidFill>
@@ -7152,7 +7109,7 @@
               <a:t> Rational </a:t>
             </a:r>
             <a:r>
-              <a:rPr lang="en-US" altLang="zh-CN" sz="2541" b="1" dirty="0">
+              <a:rPr lang="en-US" altLang="zh-CN" sz="2540" b="1" dirty="0">
                 <a:solidFill>
                   <a:srgbClr val="00B0F0"/>
                 </a:solidFill>
@@ -7160,14 +7117,14 @@
               <a:t>operator *</a:t>
             </a:r>
             <a:r>
-              <a:rPr lang="en-US" altLang="zh-CN" sz="2541" b="1" dirty="0">
+              <a:rPr lang="en-US" altLang="zh-CN" sz="2540" b="1" dirty="0">
                 <a:solidFill>
                   <a:prstClr val="black"/>
                 </a:solidFill>
               </a:rPr>
               <a:t>(int m, const Rational&amp; other);</a:t>
             </a:r>
-            <a:endParaRPr lang="en-US" sz="2541" b="1" dirty="0">
+            <a:endParaRPr lang="en-US" sz="2540" b="1" dirty="0">
               <a:solidFill>
                 <a:prstClr val="black"/>
               </a:solidFill>
@@ -7178,9 +7135,7 @@
       <p:sp>
         <p:nvSpPr>
           <p:cNvPr id="8" name="Content Placeholder 2"/>
-          <p:cNvSpPr txBox="1">
-            <a:spLocks/>
-          </p:cNvSpPr>
+          <p:cNvSpPr txBox="1"/>
           <p:nvPr/>
         </p:nvSpPr>
         <p:spPr bwMode="auto">
@@ -7195,20 +7150,14 @@
           <a:ln w="9525">
             <a:noFill/>
             <a:miter lim="800000"/>
-            <a:headEnd/>
-            <a:tailEnd/>
           </a:ln>
         </p:spPr>
         <p:txBody>
-          <a:bodyPr vert="horz" wrap="square" lIns="107710" tIns="53855" rIns="107710" bIns="53855" numCol="1" anchor="t" anchorCtr="0" compatLnSpc="1">
-            <a:prstTxWarp prst="textNoShape">
-              <a:avLst/>
-            </a:prstTxWarp>
-          </a:bodyPr>
+          <a:bodyPr vert="horz" wrap="square" lIns="107710" tIns="53855" rIns="107710" bIns="53855" numCol="1" anchor="t" anchorCtr="0" compatLnSpc="1"/>
           <a:lstStyle>
-            <a:lvl1pPr marL="473896" indent="-331728" algn="l" rtl="0" eaLnBrk="0" fontAlgn="base" hangingPunct="0">
+            <a:lvl1pPr marL="473710" indent="-331470" algn="l" rtl="0" eaLnBrk="0" fontAlgn="base" hangingPunct="0">
               <a:spcBef>
-                <a:spcPts val="519"/>
+                <a:spcPts val="520"/>
               </a:spcBef>
               <a:spcAft>
                 <a:spcPct val="0"/>
@@ -7217,7 +7166,7 @@
                 <a:schemeClr val="accent1"/>
               </a:buClr>
               <a:buSzPct val="68000"/>
-              <a:buFont typeface="Wingdings 3" pitchFamily="18" charset="2"/>
+              <a:buFont typeface="Wingdings 3" panose="05040102010807070707" pitchFamily="18" charset="2"/>
               <a:buChar char=""/>
               <a:defRPr sz="3500" kern="1200">
                 <a:solidFill>
@@ -7228,9 +7177,9 @@
                 <a:cs typeface="+mn-cs"/>
               </a:defRPr>
             </a:lvl1pPr>
-            <a:lvl2pPr marL="805623" indent="-296700" algn="l" rtl="0" eaLnBrk="0" fontAlgn="base" hangingPunct="0">
+            <a:lvl2pPr marL="805815" indent="-296545" algn="l" rtl="0" eaLnBrk="0" fontAlgn="base" hangingPunct="0">
               <a:spcBef>
-                <a:spcPts val="422"/>
+                <a:spcPts val="420"/>
               </a:spcBef>
               <a:spcAft>
                 <a:spcPct val="0"/>
@@ -7238,7 +7187,7 @@
               <a:buClr>
                 <a:schemeClr val="accent1"/>
               </a:buClr>
-              <a:buFont typeface="Wingdings" pitchFamily="2" charset="2"/>
+              <a:buFont typeface="Wingdings" panose="05000000000000000000" pitchFamily="2" charset="2"/>
               <a:buChar char="§"/>
               <a:defRPr sz="3000" kern="1200">
                 <a:solidFill>
@@ -7249,9 +7198,9 @@
                 <a:cs typeface="+mn-cs"/>
               </a:defRPr>
             </a:lvl2pPr>
-            <a:lvl3pPr marL="1114686" indent="-296700" algn="l" rtl="0" eaLnBrk="0" fontAlgn="base" hangingPunct="0">
+            <a:lvl3pPr marL="1114425" indent="-296545" algn="l" rtl="0" eaLnBrk="0" fontAlgn="base" hangingPunct="0">
               <a:spcBef>
-                <a:spcPts val="454"/>
+                <a:spcPts val="455"/>
               </a:spcBef>
               <a:spcAft>
                 <a:spcPct val="0"/>
@@ -7260,7 +7209,7 @@
                 <a:schemeClr val="accent2"/>
               </a:buClr>
               <a:buSzPct val="100000"/>
-              <a:buFont typeface="Wingdings 2" pitchFamily="18" charset="2"/>
+              <a:buFont typeface="Wingdings 2" panose="05020102010507070707" pitchFamily="18" charset="2"/>
               <a:buChar char=""/>
               <a:defRPr sz="2700" kern="1200">
                 <a:solidFill>
@@ -7271,9 +7220,9 @@
                 <a:cs typeface="+mn-cs"/>
               </a:defRPr>
             </a:lvl3pPr>
-            <a:lvl4pPr marL="1483500" indent="-296700" algn="l" rtl="0" eaLnBrk="0" fontAlgn="base" hangingPunct="0">
+            <a:lvl4pPr marL="1483360" indent="-296545" algn="l" rtl="0" eaLnBrk="0" fontAlgn="base" hangingPunct="0">
               <a:spcBef>
-                <a:spcPts val="454"/>
+                <a:spcPts val="455"/>
               </a:spcBef>
               <a:spcAft>
                 <a:spcPct val="0"/>
@@ -7290,9 +7239,9 @@
                 <a:cs typeface="+mn-cs"/>
               </a:defRPr>
             </a:lvl4pPr>
-            <a:lvl5pPr marL="1483500" indent="-296700" algn="l" rtl="0" eaLnBrk="0" fontAlgn="base" hangingPunct="0">
+            <a:lvl5pPr marL="1483360" indent="-296545" algn="l" rtl="0" eaLnBrk="0" fontAlgn="base" hangingPunct="0">
               <a:spcBef>
-                <a:spcPts val="454"/>
+                <a:spcPts val="455"/>
               </a:spcBef>
               <a:spcAft>
                 <a:spcPct val="0"/>
@@ -7309,14 +7258,14 @@
                 <a:cs typeface="+mn-cs"/>
               </a:defRPr>
             </a:lvl5pPr>
-            <a:lvl6pPr marL="2076900" indent="-296700" algn="l" rtl="0" eaLnBrk="1" latinLnBrk="0" hangingPunct="1">
+            <a:lvl6pPr marL="2077085" indent="-296545" algn="l" rtl="0" eaLnBrk="1" latinLnBrk="0" hangingPunct="1">
               <a:spcBef>
-                <a:spcPts val="454"/>
+                <a:spcPts val="455"/>
               </a:spcBef>
               <a:buClr>
                 <a:schemeClr val="accent3"/>
               </a:buClr>
-              <a:buFont typeface="Wingdings 2"/>
+              <a:buFont typeface="Wingdings 2" panose="05020102010507070707"/>
               <a:buChar char=""/>
               <a:defRPr kumimoji="0" sz="2300" kern="1200">
                 <a:solidFill>
@@ -7327,14 +7276,14 @@
                 <a:cs typeface="+mn-cs"/>
               </a:defRPr>
             </a:lvl6pPr>
-            <a:lvl7pPr marL="2373600" indent="-296700" algn="l" rtl="0" eaLnBrk="1" latinLnBrk="0" hangingPunct="1">
+            <a:lvl7pPr marL="2373630" indent="-296545" algn="l" rtl="0" eaLnBrk="1" latinLnBrk="0" hangingPunct="1">
               <a:spcBef>
-                <a:spcPts val="454"/>
+                <a:spcPts val="455"/>
               </a:spcBef>
               <a:buClr>
                 <a:schemeClr val="accent3"/>
               </a:buClr>
-              <a:buFont typeface="Wingdings 2"/>
+              <a:buFont typeface="Wingdings 2" panose="05020102010507070707"/>
               <a:buChar char=""/>
               <a:defRPr kumimoji="0" sz="2100" kern="1200">
                 <a:solidFill>
@@ -7345,14 +7294,14 @@
                 <a:cs typeface="+mn-cs"/>
               </a:defRPr>
             </a:lvl7pPr>
-            <a:lvl8pPr marL="2670299" indent="-296700" algn="l" rtl="0" eaLnBrk="1" latinLnBrk="0" hangingPunct="1">
+            <a:lvl8pPr marL="2670175" indent="-296545" algn="l" rtl="0" eaLnBrk="1" latinLnBrk="0" hangingPunct="1">
               <a:spcBef>
-                <a:spcPts val="454"/>
+                <a:spcPts val="455"/>
               </a:spcBef>
               <a:buClr>
                 <a:schemeClr val="accent3"/>
               </a:buClr>
-              <a:buFont typeface="Wingdings 2"/>
+              <a:buFont typeface="Wingdings 2" panose="05020102010507070707"/>
               <a:buChar char=""/>
               <a:defRPr kumimoji="0" sz="2100" kern="1200">
                 <a:solidFill>
@@ -7363,14 +7312,14 @@
                 <a:cs typeface="+mn-cs"/>
               </a:defRPr>
             </a:lvl8pPr>
-            <a:lvl9pPr marL="2966999" indent="-296700" algn="l" rtl="0" eaLnBrk="1" latinLnBrk="0" hangingPunct="1">
+            <a:lvl9pPr marL="2966720" indent="-296545" algn="l" rtl="0" eaLnBrk="1" latinLnBrk="0" hangingPunct="1">
               <a:spcBef>
-                <a:spcPts val="454"/>
+                <a:spcPts val="455"/>
               </a:spcBef>
               <a:buClr>
                 <a:schemeClr val="accent3"/>
               </a:buClr>
-              <a:buFont typeface="Wingdings 2"/>
+              <a:buFont typeface="Wingdings 2" panose="05020102010507070707"/>
               <a:buChar char=""/>
               <a:defRPr kumimoji="0" sz="2100" kern="1200" baseline="0">
                 <a:solidFill>
@@ -7381,12 +7330,11 @@
                 <a:cs typeface="+mn-cs"/>
               </a:defRPr>
             </a:lvl9pPr>
-            <a:extLst/>
           </a:lstStyle>
           <a:p>
-            <a:pPr marL="129032" lvl="1" indent="0">
+            <a:pPr marL="128905" lvl="1" indent="0">
               <a:spcBef>
-                <a:spcPts val="1413"/>
+                <a:spcPts val="1415"/>
               </a:spcBef>
               <a:buClr>
                 <a:srgbClr val="2DA2BF"/>
@@ -7395,18 +7343,23 @@
               <a:buNone/>
             </a:pPr>
             <a:r>
-              <a:rPr lang="en-US" sz="2541" dirty="0">
+              <a:rPr lang="en-US" sz="2540" dirty="0">
                 <a:solidFill>
                   <a:prstClr val="black"/>
                 </a:solidFill>
               </a:rPr>
               <a:t>This prototype has two implications:</a:t>
             </a:r>
-          </a:p>
-          <a:p>
-            <a:pPr marL="543986" lvl="1" indent="-414955">
+            <a:endParaRPr lang="en-US" sz="2540" dirty="0">
+              <a:solidFill>
+                <a:prstClr val="black"/>
+              </a:solidFill>
+            </a:endParaRPr>
+          </a:p>
+          <a:p>
+            <a:pPr marL="544195" lvl="1" indent="-414655">
               <a:spcBef>
-                <a:spcPts val="1413"/>
+                <a:spcPts val="1415"/>
               </a:spcBef>
               <a:buClr>
                 <a:srgbClr val="2DA2BF"/>
@@ -7414,7 +7367,7 @@
               <a:buSzPct val="68000"/>
             </a:pPr>
             <a:r>
-              <a:rPr lang="en-US" sz="2541" dirty="0">
+              <a:rPr lang="en-US" sz="2540" dirty="0">
                 <a:solidFill>
                   <a:prstClr val="black"/>
                 </a:solidFill>
@@ -7422,7 +7375,7 @@
               <a:t>Although the </a:t>
             </a:r>
             <a:r>
-              <a:rPr lang="en-US" sz="2541" b="1" dirty="0">
+              <a:rPr lang="en-US" sz="2540" b="1" dirty="0">
                 <a:solidFill>
                   <a:prstClr val="black"/>
                 </a:solidFill>
@@ -7430,18 +7383,23 @@
               <a:t>operator *() function </a:t>
             </a:r>
             <a:r>
-              <a:rPr lang="en-US" sz="2541" dirty="0">
+              <a:rPr lang="en-US" sz="2540" dirty="0">
                 <a:solidFill>
                   <a:prstClr val="black"/>
                 </a:solidFill>
               </a:rPr>
               <a:t>is declared in the class declaration, it is not a member function. So it isn’t invoked by using the membership operator.</a:t>
             </a:r>
-          </a:p>
-          <a:p>
-            <a:pPr marL="543986" lvl="1" indent="-414955">
+            <a:endParaRPr lang="en-US" sz="2540" dirty="0">
+              <a:solidFill>
+                <a:prstClr val="black"/>
+              </a:solidFill>
+            </a:endParaRPr>
+          </a:p>
+          <a:p>
+            <a:pPr marL="544195" lvl="1" indent="-414655">
               <a:spcBef>
-                <a:spcPts val="1413"/>
+                <a:spcPts val="1415"/>
               </a:spcBef>
               <a:buClr>
                 <a:srgbClr val="2DA2BF"/>
@@ -7449,7 +7407,7 @@
               <a:buSzPct val="68000"/>
             </a:pPr>
             <a:r>
-              <a:rPr lang="en-US" sz="2541" dirty="0">
+              <a:rPr lang="en-US" sz="2540" dirty="0">
                 <a:solidFill>
                   <a:prstClr val="black"/>
                 </a:solidFill>
@@ -7457,7 +7415,7 @@
               <a:t>Although the </a:t>
             </a:r>
             <a:r>
-              <a:rPr lang="en-US" sz="2541" b="1" dirty="0">
+              <a:rPr lang="en-US" sz="2540" b="1" dirty="0">
                 <a:solidFill>
                   <a:prstClr val="black"/>
                 </a:solidFill>
@@ -7465,18 +7423,23 @@
               <a:t>operator *() function </a:t>
             </a:r>
             <a:r>
-              <a:rPr lang="en-US" sz="2541" dirty="0">
+              <a:rPr lang="en-US" sz="2540" dirty="0">
                 <a:solidFill>
                   <a:prstClr val="black"/>
                 </a:solidFill>
               </a:rPr>
               <a:t>is not a member function, it has the same access rights as a member function.</a:t>
             </a:r>
-          </a:p>
-          <a:p>
-            <a:pPr marL="129032" lvl="1" indent="0">
+            <a:endParaRPr lang="en-US" sz="2540" dirty="0">
+              <a:solidFill>
+                <a:prstClr val="black"/>
+              </a:solidFill>
+            </a:endParaRPr>
+          </a:p>
+          <a:p>
+            <a:pPr marL="128905" lvl="1" indent="0">
               <a:spcBef>
-                <a:spcPts val="1413"/>
+                <a:spcPts val="1415"/>
               </a:spcBef>
               <a:buClr>
                 <a:srgbClr val="2DA2BF"/>
@@ -7485,22 +7448,22 @@
               <a:buNone/>
             </a:pPr>
             <a:r>
-              <a:rPr lang="en-US" sz="2541" dirty="0">
+              <a:rPr lang="en-US" sz="2540" dirty="0">
                 <a:solidFill>
                   <a:prstClr val="black"/>
                 </a:solidFill>
               </a:rPr>
               <a:t>  </a:t>
             </a:r>
+            <a:endParaRPr lang="en-US" sz="2540" dirty="0">
+              <a:solidFill>
+                <a:prstClr val="black"/>
+              </a:solidFill>
+            </a:endParaRPr>
           </a:p>
         </p:txBody>
       </p:sp>
     </p:spTree>
-    <p:extLst>
-      <p:ext uri="{BB962C8B-B14F-4D97-AF65-F5344CB8AC3E}">
-        <p14:creationId xmlns:p14="http://schemas.microsoft.com/office/powerpoint/2010/main" val="2777412693"/>
-      </p:ext>
-    </p:extLst>
   </p:cSld>
   <p:clrMapOvr>
     <a:masterClrMapping/>
@@ -7752,13 +7715,7 @@
       </p:grpSpPr>
       <p:grpSp>
         <p:nvGrpSpPr>
-          <p:cNvPr id="9" name="组合 8">
-            <a:extLst>
-              <a:ext uri="{FF2B5EF4-FFF2-40B4-BE49-F238E27FC236}">
-                <a16:creationId xmlns:a16="http://schemas.microsoft.com/office/drawing/2014/main" id="{F7F45B79-6241-4694-93D2-570D304BB62C}"/>
-              </a:ext>
-            </a:extLst>
-          </p:cNvPr>
+          <p:cNvPr id="9" name="组合 8"/>
           <p:cNvGrpSpPr/>
           <p:nvPr/>
         </p:nvGrpSpPr>
@@ -7772,20 +7729,14 @@
         </p:grpSpPr>
         <p:pic>
           <p:nvPicPr>
-            <p:cNvPr id="6" name="图片 5">
-              <a:extLst>
-                <a:ext uri="{FF2B5EF4-FFF2-40B4-BE49-F238E27FC236}">
-                  <a16:creationId xmlns:a16="http://schemas.microsoft.com/office/drawing/2014/main" id="{2334D482-B654-4D16-B05A-E44041D246C4}"/>
-                </a:ext>
-              </a:extLst>
-            </p:cNvPr>
+            <p:cNvPr id="6" name="图片 5"/>
             <p:cNvPicPr>
               <a:picLocks noChangeAspect="1"/>
             </p:cNvPicPr>
             <p:nvPr/>
           </p:nvPicPr>
           <p:blipFill>
-            <a:blip r:embed="rId2"/>
+            <a:blip r:embed="rId1"/>
             <a:stretch>
               <a:fillRect/>
             </a:stretch>
@@ -7802,20 +7753,14 @@
         </p:pic>
         <p:pic>
           <p:nvPicPr>
-            <p:cNvPr id="8" name="图片 7">
-              <a:extLst>
-                <a:ext uri="{FF2B5EF4-FFF2-40B4-BE49-F238E27FC236}">
-                  <a16:creationId xmlns:a16="http://schemas.microsoft.com/office/drawing/2014/main" id="{37894291-A216-40C2-A288-353D08CC9F80}"/>
-                </a:ext>
-              </a:extLst>
-            </p:cNvPr>
+            <p:cNvPr id="8" name="图片 7"/>
             <p:cNvPicPr>
               <a:picLocks noChangeAspect="1"/>
             </p:cNvPicPr>
             <p:nvPr/>
           </p:nvPicPr>
           <p:blipFill>
-            <a:blip r:embed="rId3"/>
+            <a:blip r:embed="rId2"/>
             <a:stretch>
               <a:fillRect/>
             </a:stretch>
@@ -7887,7 +7832,7 @@
             <a:lstStyle/>
             <a:p>
               <a:pPr algn="ctr"/>
-              <a:endParaRPr lang="zh-CN" altLang="en-US" sz="1634" dirty="0">
+              <a:endParaRPr lang="zh-CN" altLang="en-US" sz="1635" dirty="0">
                 <a:solidFill>
                   <a:prstClr val="white"/>
                 </a:solidFill>
@@ -7953,11 +7898,6 @@
         </p:sp>
       </p:grpSp>
     </p:spTree>
-    <p:extLst>
-      <p:ext uri="{BB962C8B-B14F-4D97-AF65-F5344CB8AC3E}">
-        <p14:creationId xmlns:p14="http://schemas.microsoft.com/office/powerpoint/2010/main" val="755185468"/>
-      </p:ext>
-    </p:extLst>
   </p:cSld>
   <p:clrMapOvr>
     <a:masterClrMapping/>
@@ -8059,20 +7999,14 @@
       </p:grpSpPr>
       <p:pic>
         <p:nvPicPr>
-          <p:cNvPr id="16" name="图片 15">
-            <a:extLst>
-              <a:ext uri="{FF2B5EF4-FFF2-40B4-BE49-F238E27FC236}">
-                <a16:creationId xmlns:a16="http://schemas.microsoft.com/office/drawing/2014/main" id="{5F8DCB61-4FE6-4E1F-A8C8-EC4CD3E0A47E}"/>
-              </a:ext>
-            </a:extLst>
-          </p:cNvPr>
+          <p:cNvPr id="16" name="图片 15"/>
           <p:cNvPicPr>
             <a:picLocks noChangeAspect="1"/>
           </p:cNvPicPr>
           <p:nvPr/>
         </p:nvPicPr>
         <p:blipFill>
-          <a:blip r:embed="rId3"/>
+          <a:blip r:embed="rId1"/>
           <a:stretch>
             <a:fillRect/>
           </a:stretch>
@@ -8089,20 +8023,14 @@
       </p:pic>
       <p:pic>
         <p:nvPicPr>
-          <p:cNvPr id="14" name="图片 13">
-            <a:extLst>
-              <a:ext uri="{FF2B5EF4-FFF2-40B4-BE49-F238E27FC236}">
-                <a16:creationId xmlns:a16="http://schemas.microsoft.com/office/drawing/2014/main" id="{2B495845-A6BB-45CE-80A1-EEA9125BCF30}"/>
-              </a:ext>
-            </a:extLst>
-          </p:cNvPr>
+          <p:cNvPr id="14" name="图片 13"/>
           <p:cNvPicPr>
             <a:picLocks noChangeAspect="1"/>
           </p:cNvPicPr>
           <p:nvPr/>
         </p:nvPicPr>
         <p:blipFill>
-          <a:blip r:embed="rId4"/>
+          <a:blip r:embed="rId2"/>
           <a:stretch>
             <a:fillRect/>
           </a:stretch>
@@ -8139,7 +8067,7 @@
           </a:bodyPr>
           <a:lstStyle/>
           <a:p>
-            <a:pPr marL="129032" lvl="1" indent="0">
+            <a:pPr marL="128905" lvl="1" indent="0">
               <a:lnSpc>
                 <a:spcPct val="120000"/>
               </a:lnSpc>
@@ -8192,7 +8120,7 @@
             <a:endParaRPr lang="en-US" dirty="0"/>
           </a:p>
           <a:p>
-            <a:pPr marL="129032" lvl="1" indent="0">
+            <a:pPr marL="128905" lvl="1" indent="0">
               <a:lnSpc>
                 <a:spcPct val="120000"/>
               </a:lnSpc>
@@ -8206,6 +8134,7 @@
               <a:rPr lang="en-US" dirty="0"/>
               <a:t>  </a:t>
             </a:r>
+            <a:endParaRPr lang="en-US" dirty="0"/>
           </a:p>
         </p:txBody>
       </p:sp>
@@ -8321,7 +8250,7 @@
             <a:lstStyle/>
             <a:p>
               <a:pPr algn="ctr"/>
-              <a:endParaRPr lang="zh-CN" altLang="en-US" sz="1634">
+              <a:endParaRPr lang="zh-CN" altLang="en-US" sz="1635">
                 <a:solidFill>
                   <a:prstClr val="white"/>
                 </a:solidFill>
@@ -8333,7 +8262,6 @@
           <p:nvCxnSpPr>
             <p:cNvPr id="4" name="曲线连接符 3"/>
             <p:cNvCxnSpPr>
-              <a:cxnSpLocks/>
               <a:stCxn id="10" idx="1"/>
             </p:cNvCxnSpPr>
             <p:nvPr/>
@@ -8371,16 +8299,8 @@
       </p:grpSp>
       <p:sp>
         <p:nvSpPr>
-          <p:cNvPr id="24" name="Content Placeholder 2">
-            <a:extLst>
-              <a:ext uri="{FF2B5EF4-FFF2-40B4-BE49-F238E27FC236}">
-                <a16:creationId xmlns:a16="http://schemas.microsoft.com/office/drawing/2014/main" id="{D785FA4C-BBA6-4416-99DA-200BE1AFFCDD}"/>
-              </a:ext>
-            </a:extLst>
-          </p:cNvPr>
-          <p:cNvSpPr txBox="1">
-            <a:spLocks/>
-          </p:cNvSpPr>
+          <p:cNvPr id="24" name="Content Placeholder 2"/>
+          <p:cNvSpPr txBox="1"/>
           <p:nvPr/>
         </p:nvSpPr>
         <p:spPr>
@@ -8561,7 +8481,7 @@
             </a:lvl9pPr>
           </a:lstStyle>
           <a:p>
-            <a:pPr marL="129032" lvl="1" indent="0">
+            <a:pPr marL="128905" lvl="1" indent="0">
               <a:lnSpc>
                 <a:spcPct val="100000"/>
               </a:lnSpc>
@@ -8590,20 +8510,14 @@
       </p:sp>
       <p:pic>
         <p:nvPicPr>
-          <p:cNvPr id="25" name="图片 24">
-            <a:extLst>
-              <a:ext uri="{FF2B5EF4-FFF2-40B4-BE49-F238E27FC236}">
-                <a16:creationId xmlns:a16="http://schemas.microsoft.com/office/drawing/2014/main" id="{E9ACC1A6-70C5-46C8-98BE-D9814177843E}"/>
-              </a:ext>
-            </a:extLst>
-          </p:cNvPr>
+          <p:cNvPr id="25" name="图片 24"/>
           <p:cNvPicPr>
             <a:picLocks noChangeAspect="1"/>
           </p:cNvPicPr>
           <p:nvPr/>
         </p:nvPicPr>
         <p:blipFill>
-          <a:blip r:embed="rId5"/>
+          <a:blip r:embed="rId3"/>
           <a:stretch>
             <a:fillRect/>
           </a:stretch>
@@ -8620,13 +8534,7 @@
       </p:pic>
       <p:sp>
         <p:nvSpPr>
-          <p:cNvPr id="21" name="椭圆 20">
-            <a:extLst>
-              <a:ext uri="{FF2B5EF4-FFF2-40B4-BE49-F238E27FC236}">
-                <a16:creationId xmlns:a16="http://schemas.microsoft.com/office/drawing/2014/main" id="{314F82FA-87D7-4156-8938-510938452A59}"/>
-              </a:ext>
-            </a:extLst>
-          </p:cNvPr>
+          <p:cNvPr id="21" name="椭圆 20"/>
           <p:cNvSpPr/>
           <p:nvPr/>
         </p:nvSpPr>
@@ -8671,11 +8579,6 @@
         </p:txBody>
       </p:sp>
     </p:spTree>
-    <p:extLst>
-      <p:ext uri="{BB962C8B-B14F-4D97-AF65-F5344CB8AC3E}">
-        <p14:creationId xmlns:p14="http://schemas.microsoft.com/office/powerpoint/2010/main" val="2066239763"/>
-      </p:ext>
-    </p:extLst>
   </p:cSld>
   <p:clrMapOvr>
     <a:masterClrMapping/>
@@ -9052,20 +8955,14 @@
       </p:grpSpPr>
       <p:pic>
         <p:nvPicPr>
-          <p:cNvPr id="7" name="图片 6">
-            <a:extLst>
-              <a:ext uri="{FF2B5EF4-FFF2-40B4-BE49-F238E27FC236}">
-                <a16:creationId xmlns:a16="http://schemas.microsoft.com/office/drawing/2014/main" id="{E45EF283-1897-4190-AF29-910FA2D1A208}"/>
-              </a:ext>
-            </a:extLst>
-          </p:cNvPr>
+          <p:cNvPr id="7" name="图片 6"/>
           <p:cNvPicPr>
             <a:picLocks noChangeAspect="1"/>
           </p:cNvPicPr>
           <p:nvPr/>
         </p:nvPicPr>
         <p:blipFill>
-          <a:blip r:embed="rId2"/>
+          <a:blip r:embed="rId1"/>
           <a:stretch>
             <a:fillRect/>
           </a:stretch>
@@ -9082,16 +8979,8 @@
       </p:pic>
       <p:sp>
         <p:nvSpPr>
-          <p:cNvPr id="8" name="Content Placeholder 2">
-            <a:extLst>
-              <a:ext uri="{FF2B5EF4-FFF2-40B4-BE49-F238E27FC236}">
-                <a16:creationId xmlns:a16="http://schemas.microsoft.com/office/drawing/2014/main" id="{EC69B553-6A3E-447C-A22A-8AF3CFABF3FB}"/>
-              </a:ext>
-            </a:extLst>
-          </p:cNvPr>
-          <p:cNvSpPr txBox="1">
-            <a:spLocks/>
-          </p:cNvSpPr>
+          <p:cNvPr id="8" name="Content Placeholder 2"/>
+          <p:cNvSpPr txBox="1"/>
           <p:nvPr/>
         </p:nvSpPr>
         <p:spPr>
@@ -9272,7 +9161,7 @@
             </a:lvl9pPr>
           </a:lstStyle>
           <a:p>
-            <a:pPr marL="129032" lvl="1" indent="0">
+            <a:pPr marL="128905" lvl="1" indent="0">
               <a:lnSpc>
                 <a:spcPct val="120000"/>
               </a:lnSpc>
@@ -9301,20 +9190,14 @@
       </p:sp>
       <p:pic>
         <p:nvPicPr>
-          <p:cNvPr id="10" name="图片 9">
-            <a:extLst>
-              <a:ext uri="{FF2B5EF4-FFF2-40B4-BE49-F238E27FC236}">
-                <a16:creationId xmlns:a16="http://schemas.microsoft.com/office/drawing/2014/main" id="{66634B76-E964-4EEA-8B3E-A867F6D19504}"/>
-              </a:ext>
-            </a:extLst>
-          </p:cNvPr>
+          <p:cNvPr id="10" name="图片 9"/>
           <p:cNvPicPr>
             <a:picLocks noChangeAspect="1"/>
           </p:cNvPicPr>
           <p:nvPr/>
         </p:nvPicPr>
         <p:blipFill>
-          <a:blip r:embed="rId3"/>
+          <a:blip r:embed="rId2"/>
           <a:stretch>
             <a:fillRect/>
           </a:stretch>
@@ -9331,20 +9214,14 @@
       </p:pic>
       <p:pic>
         <p:nvPicPr>
-          <p:cNvPr id="12" name="图片 11">
-            <a:extLst>
-              <a:ext uri="{FF2B5EF4-FFF2-40B4-BE49-F238E27FC236}">
-                <a16:creationId xmlns:a16="http://schemas.microsoft.com/office/drawing/2014/main" id="{C4DECB46-6079-46F1-9817-371C5D5ED710}"/>
-              </a:ext>
-            </a:extLst>
-          </p:cNvPr>
+          <p:cNvPr id="12" name="图片 11"/>
           <p:cNvPicPr>
             <a:picLocks noChangeAspect="1"/>
           </p:cNvPicPr>
           <p:nvPr/>
         </p:nvPicPr>
         <p:blipFill>
-          <a:blip r:embed="rId4"/>
+          <a:blip r:embed="rId3"/>
           <a:stretch>
             <a:fillRect/>
           </a:stretch>
@@ -9361,13 +9238,7 @@
       </p:pic>
       <p:grpSp>
         <p:nvGrpSpPr>
-          <p:cNvPr id="16" name="组合 15">
-            <a:extLst>
-              <a:ext uri="{FF2B5EF4-FFF2-40B4-BE49-F238E27FC236}">
-                <a16:creationId xmlns:a16="http://schemas.microsoft.com/office/drawing/2014/main" id="{575DCD8F-3A1B-455A-9F0B-6A90AD83109D}"/>
-              </a:ext>
-            </a:extLst>
-          </p:cNvPr>
+          <p:cNvPr id="16" name="组合 15"/>
           <p:cNvGrpSpPr/>
           <p:nvPr/>
         </p:nvGrpSpPr>
@@ -9381,13 +9252,7 @@
         </p:grpSpPr>
         <p:sp>
           <p:nvSpPr>
-            <p:cNvPr id="17" name="矩形 16">
-              <a:extLst>
-                <a:ext uri="{FF2B5EF4-FFF2-40B4-BE49-F238E27FC236}">
-                  <a16:creationId xmlns:a16="http://schemas.microsoft.com/office/drawing/2014/main" id="{A40169B0-96FC-4E27-80DB-DE597CAAA073}"/>
-                </a:ext>
-              </a:extLst>
-            </p:cNvPr>
+            <p:cNvPr id="17" name="矩形 16"/>
             <p:cNvSpPr/>
             <p:nvPr/>
           </p:nvSpPr>
@@ -9427,7 +9292,7 @@
             <a:lstStyle/>
             <a:p>
               <a:pPr algn="ctr"/>
-              <a:endParaRPr lang="zh-CN" altLang="en-US" sz="1634">
+              <a:endParaRPr lang="zh-CN" altLang="en-US" sz="1635">
                 <a:solidFill>
                   <a:prstClr val="white"/>
                 </a:solidFill>
@@ -9437,15 +9302,8 @@
         </p:sp>
         <p:cxnSp>
           <p:nvCxnSpPr>
-            <p:cNvPr id="18" name="曲线连接符 3">
-              <a:extLst>
-                <a:ext uri="{FF2B5EF4-FFF2-40B4-BE49-F238E27FC236}">
-                  <a16:creationId xmlns:a16="http://schemas.microsoft.com/office/drawing/2014/main" id="{192DEA12-6687-437F-A838-34032EB138A4}"/>
-                </a:ext>
-              </a:extLst>
-            </p:cNvPr>
+            <p:cNvPr id="18" name="曲线连接符 3"/>
             <p:cNvCxnSpPr>
-              <a:cxnSpLocks/>
               <a:stCxn id="17" idx="1"/>
             </p:cNvCxnSpPr>
             <p:nvPr/>
@@ -9483,13 +9341,7 @@
       </p:grpSp>
       <p:sp>
         <p:nvSpPr>
-          <p:cNvPr id="21" name="文本框 20">
-            <a:extLst>
-              <a:ext uri="{FF2B5EF4-FFF2-40B4-BE49-F238E27FC236}">
-                <a16:creationId xmlns:a16="http://schemas.microsoft.com/office/drawing/2014/main" id="{2643C771-BFCC-47B6-83AB-BBBC6FBF25B0}"/>
-              </a:ext>
-            </a:extLst>
-          </p:cNvPr>
+          <p:cNvPr id="21" name="文本框 20"/>
           <p:cNvSpPr txBox="1"/>
           <p:nvPr/>
         </p:nvSpPr>
@@ -9529,18 +9381,21 @@
               <a:rPr lang="en-US" altLang="zh-CN" sz="2400" dirty="0"/>
               <a:t> class must have </a:t>
             </a:r>
+            <a:endParaRPr lang="en-US" altLang="zh-CN" sz="2400" dirty="0"/>
           </a:p>
           <a:p>
             <a:r>
               <a:rPr lang="en-US" altLang="zh-CN" sz="2400" dirty="0"/>
               <a:t>one argument constructor without explicit keyword. </a:t>
             </a:r>
+            <a:endParaRPr lang="en-US" altLang="zh-CN" sz="2400" dirty="0"/>
           </a:p>
           <a:p>
             <a:r>
               <a:rPr lang="en-US" altLang="zh-CN" sz="2400" dirty="0"/>
               <a:t>Otherwise, the int type can not be converted to the </a:t>
             </a:r>
+            <a:endParaRPr lang="en-US" altLang="zh-CN" sz="2400" dirty="0"/>
           </a:p>
           <a:p>
             <a:r>
@@ -9552,11 +9407,6 @@
         </p:txBody>
       </p:sp>
     </p:spTree>
-    <p:extLst>
-      <p:ext uri="{BB962C8B-B14F-4D97-AF65-F5344CB8AC3E}">
-        <p14:creationId xmlns:p14="http://schemas.microsoft.com/office/powerpoint/2010/main" val="404695085"/>
-      </p:ext>
-    </p:extLst>
   </p:cSld>
   <p:clrMapOvr>
     <a:masterClrMapping/>
@@ -9841,16 +9691,8 @@
       </p:grpSpPr>
       <p:sp>
         <p:nvSpPr>
-          <p:cNvPr id="4" name="Content Placeholder 2">
-            <a:extLst>
-              <a:ext uri="{FF2B5EF4-FFF2-40B4-BE49-F238E27FC236}">
-                <a16:creationId xmlns:a16="http://schemas.microsoft.com/office/drawing/2014/main" id="{4F8F2B3E-8553-4215-8F2B-EB675C1F496C}"/>
-              </a:ext>
-            </a:extLst>
-          </p:cNvPr>
-          <p:cNvSpPr txBox="1">
-            <a:spLocks/>
-          </p:cNvSpPr>
+          <p:cNvPr id="4" name="Content Placeholder 2"/>
+          <p:cNvSpPr txBox="1"/>
           <p:nvPr/>
         </p:nvSpPr>
         <p:spPr>
@@ -10031,7 +9873,7 @@
             </a:lvl9pPr>
           </a:lstStyle>
           <a:p>
-            <a:pPr marL="129032" lvl="1" indent="0">
+            <a:pPr marL="128905" lvl="1" indent="0">
               <a:lnSpc>
                 <a:spcPct val="120000"/>
               </a:lnSpc>
@@ -10046,21 +9888,14 @@
               <a:rPr lang="en-US" sz="2800" dirty="0"/>
               <a:t>member function, non-member function, friend function</a:t>
             </a:r>
+            <a:endParaRPr lang="en-US" sz="2800" dirty="0"/>
           </a:p>
         </p:txBody>
       </p:sp>
       <p:sp>
         <p:nvSpPr>
-          <p:cNvPr id="5" name="Content Placeholder 2">
-            <a:extLst>
-              <a:ext uri="{FF2B5EF4-FFF2-40B4-BE49-F238E27FC236}">
-                <a16:creationId xmlns:a16="http://schemas.microsoft.com/office/drawing/2014/main" id="{BBA34A40-CDF2-494F-AFBC-88DDE83F4B8A}"/>
-              </a:ext>
-            </a:extLst>
-          </p:cNvPr>
-          <p:cNvSpPr txBox="1">
-            <a:spLocks/>
-          </p:cNvSpPr>
+          <p:cNvPr id="5" name="Content Placeholder 2"/>
+          <p:cNvSpPr txBox="1"/>
           <p:nvPr/>
         </p:nvSpPr>
         <p:spPr>
@@ -10241,7 +10076,7 @@
             </a:lvl9pPr>
           </a:lstStyle>
           <a:p>
-            <a:pPr marL="129032" lvl="1" indent="0">
+            <a:pPr marL="128905" lvl="1" indent="0">
               <a:lnSpc>
                 <a:spcPct val="120000"/>
               </a:lnSpc>
@@ -10272,21 +10107,14 @@
               <a:rPr lang="en-US" dirty="0"/>
               <a:t>, so if a function need convert type on its left argument, define the function as non-member function; if the function must get the non-public members of the class, define it as a friend function of the class.</a:t>
             </a:r>
+            <a:endParaRPr lang="en-US" dirty="0"/>
           </a:p>
         </p:txBody>
       </p:sp>
       <p:sp>
         <p:nvSpPr>
-          <p:cNvPr id="6" name="Content Placeholder 2">
-            <a:extLst>
-              <a:ext uri="{FF2B5EF4-FFF2-40B4-BE49-F238E27FC236}">
-                <a16:creationId xmlns:a16="http://schemas.microsoft.com/office/drawing/2014/main" id="{B8B24D90-291F-468D-B3E4-30676DE2A0B2}"/>
-              </a:ext>
-            </a:extLst>
-          </p:cNvPr>
-          <p:cNvSpPr txBox="1">
-            <a:spLocks/>
-          </p:cNvSpPr>
+          <p:cNvPr id="6" name="Content Placeholder 2"/>
+          <p:cNvSpPr txBox="1"/>
           <p:nvPr/>
         </p:nvSpPr>
         <p:spPr>
@@ -10467,7 +10295,7 @@
             </a:lvl9pPr>
           </a:lstStyle>
           <a:p>
-            <a:pPr marL="129032" lvl="1" indent="0">
+            <a:pPr marL="128905" lvl="1" indent="0">
               <a:lnSpc>
                 <a:spcPct val="120000"/>
               </a:lnSpc>
@@ -10482,15 +10310,11 @@
               <a:rPr lang="en-US" dirty="0"/>
               <a:t>Other cases beyond the above, define the function as a member function.</a:t>
             </a:r>
+            <a:endParaRPr lang="en-US" dirty="0"/>
           </a:p>
         </p:txBody>
       </p:sp>
     </p:spTree>
-    <p:extLst>
-      <p:ext uri="{BB962C8B-B14F-4D97-AF65-F5344CB8AC3E}">
-        <p14:creationId xmlns:p14="http://schemas.microsoft.com/office/powerpoint/2010/main" val="3489822442"/>
-      </p:ext>
-    </p:extLst>
   </p:cSld>
   <p:clrMapOvr>
     <a:masterClrMapping/>
@@ -10665,15 +10489,14 @@
               <a:rPr lang="en-US" altLang="zh-CN" sz="4000" dirty="0"/>
               <a:t>Overloading the &lt;&lt; operator for output</a:t>
             </a:r>
+            <a:endParaRPr lang="en-US" altLang="zh-CN" sz="4000" dirty="0"/>
           </a:p>
         </p:txBody>
       </p:sp>
       <p:sp>
         <p:nvSpPr>
           <p:cNvPr id="4" name="Content Placeholder 2"/>
-          <p:cNvSpPr txBox="1">
-            <a:spLocks/>
-          </p:cNvSpPr>
+          <p:cNvSpPr txBox="1"/>
           <p:nvPr/>
         </p:nvSpPr>
         <p:spPr bwMode="auto">
@@ -10688,20 +10511,14 @@
           <a:ln w="9525">
             <a:noFill/>
             <a:miter lim="800000"/>
-            <a:headEnd/>
-            <a:tailEnd/>
           </a:ln>
         </p:spPr>
         <p:txBody>
-          <a:bodyPr vert="horz" wrap="square" lIns="107710" tIns="53855" rIns="107710" bIns="53855" numCol="1" anchor="t" anchorCtr="0" compatLnSpc="1">
-            <a:prstTxWarp prst="textNoShape">
-              <a:avLst/>
-            </a:prstTxWarp>
-          </a:bodyPr>
+          <a:bodyPr vert="horz" wrap="square" lIns="107710" tIns="53855" rIns="107710" bIns="53855" numCol="1" anchor="t" anchorCtr="0" compatLnSpc="1"/>
           <a:lstStyle>
-            <a:lvl1pPr marL="473896" indent="-331728" algn="l" rtl="0" eaLnBrk="0" fontAlgn="base" hangingPunct="0">
+            <a:lvl1pPr marL="473710" indent="-331470" algn="l" rtl="0" eaLnBrk="0" fontAlgn="base" hangingPunct="0">
               <a:spcBef>
-                <a:spcPts val="519"/>
+                <a:spcPts val="520"/>
               </a:spcBef>
               <a:spcAft>
                 <a:spcPct val="0"/>
@@ -10710,7 +10527,7 @@
                 <a:schemeClr val="accent1"/>
               </a:buClr>
               <a:buSzPct val="68000"/>
-              <a:buFont typeface="Wingdings 3" pitchFamily="18" charset="2"/>
+              <a:buFont typeface="Wingdings 3" panose="05040102010807070707" pitchFamily="18" charset="2"/>
               <a:buChar char=""/>
               <a:defRPr sz="3500" kern="1200">
                 <a:solidFill>
@@ -10721,9 +10538,9 @@
                 <a:cs typeface="+mn-cs"/>
               </a:defRPr>
             </a:lvl1pPr>
-            <a:lvl2pPr marL="805623" indent="-296700" algn="l" rtl="0" eaLnBrk="0" fontAlgn="base" hangingPunct="0">
+            <a:lvl2pPr marL="805815" indent="-296545" algn="l" rtl="0" eaLnBrk="0" fontAlgn="base" hangingPunct="0">
               <a:spcBef>
-                <a:spcPts val="422"/>
+                <a:spcPts val="420"/>
               </a:spcBef>
               <a:spcAft>
                 <a:spcPct val="0"/>
@@ -10731,7 +10548,7 @@
               <a:buClr>
                 <a:schemeClr val="accent1"/>
               </a:buClr>
-              <a:buFont typeface="Wingdings" pitchFamily="2" charset="2"/>
+              <a:buFont typeface="Wingdings" panose="05000000000000000000" pitchFamily="2" charset="2"/>
               <a:buChar char="§"/>
               <a:defRPr sz="3000" kern="1200">
                 <a:solidFill>
@@ -10742,9 +10559,9 @@
                 <a:cs typeface="+mn-cs"/>
               </a:defRPr>
             </a:lvl2pPr>
-            <a:lvl3pPr marL="1114686" indent="-296700" algn="l" rtl="0" eaLnBrk="0" fontAlgn="base" hangingPunct="0">
+            <a:lvl3pPr marL="1114425" indent="-296545" algn="l" rtl="0" eaLnBrk="0" fontAlgn="base" hangingPunct="0">
               <a:spcBef>
-                <a:spcPts val="454"/>
+                <a:spcPts val="455"/>
               </a:spcBef>
               <a:spcAft>
                 <a:spcPct val="0"/>
@@ -10753,7 +10570,7 @@
                 <a:schemeClr val="accent2"/>
               </a:buClr>
               <a:buSzPct val="100000"/>
-              <a:buFont typeface="Wingdings 2" pitchFamily="18" charset="2"/>
+              <a:buFont typeface="Wingdings 2" panose="05020102010507070707" pitchFamily="18" charset="2"/>
               <a:buChar char=""/>
               <a:defRPr sz="2700" kern="1200">
                 <a:solidFill>
@@ -10764,9 +10581,9 @@
                 <a:cs typeface="+mn-cs"/>
               </a:defRPr>
             </a:lvl3pPr>
-            <a:lvl4pPr marL="1483500" indent="-296700" algn="l" rtl="0" eaLnBrk="0" fontAlgn="base" hangingPunct="0">
+            <a:lvl4pPr marL="1483360" indent="-296545" algn="l" rtl="0" eaLnBrk="0" fontAlgn="base" hangingPunct="0">
               <a:spcBef>
-                <a:spcPts val="454"/>
+                <a:spcPts val="455"/>
               </a:spcBef>
               <a:spcAft>
                 <a:spcPct val="0"/>
@@ -10783,9 +10600,9 @@
                 <a:cs typeface="+mn-cs"/>
               </a:defRPr>
             </a:lvl4pPr>
-            <a:lvl5pPr marL="1483500" indent="-296700" algn="l" rtl="0" eaLnBrk="0" fontAlgn="base" hangingPunct="0">
+            <a:lvl5pPr marL="1483360" indent="-296545" algn="l" rtl="0" eaLnBrk="0" fontAlgn="base" hangingPunct="0">
               <a:spcBef>
-                <a:spcPts val="454"/>
+                <a:spcPts val="455"/>
               </a:spcBef>
               <a:spcAft>
                 <a:spcPct val="0"/>
@@ -10802,14 +10619,14 @@
                 <a:cs typeface="+mn-cs"/>
               </a:defRPr>
             </a:lvl5pPr>
-            <a:lvl6pPr marL="2076900" indent="-296700" algn="l" rtl="0" eaLnBrk="1" latinLnBrk="0" hangingPunct="1">
+            <a:lvl6pPr marL="2077085" indent="-296545" algn="l" rtl="0" eaLnBrk="1" latinLnBrk="0" hangingPunct="1">
               <a:spcBef>
-                <a:spcPts val="454"/>
+                <a:spcPts val="455"/>
               </a:spcBef>
               <a:buClr>
                 <a:schemeClr val="accent3"/>
               </a:buClr>
-              <a:buFont typeface="Wingdings 2"/>
+              <a:buFont typeface="Wingdings 2" panose="05020102010507070707"/>
               <a:buChar char=""/>
               <a:defRPr kumimoji="0" sz="2300" kern="1200">
                 <a:solidFill>
@@ -10820,14 +10637,14 @@
                 <a:cs typeface="+mn-cs"/>
               </a:defRPr>
             </a:lvl6pPr>
-            <a:lvl7pPr marL="2373600" indent="-296700" algn="l" rtl="0" eaLnBrk="1" latinLnBrk="0" hangingPunct="1">
+            <a:lvl7pPr marL="2373630" indent="-296545" algn="l" rtl="0" eaLnBrk="1" latinLnBrk="0" hangingPunct="1">
               <a:spcBef>
-                <a:spcPts val="454"/>
+                <a:spcPts val="455"/>
               </a:spcBef>
               <a:buClr>
                 <a:schemeClr val="accent3"/>
               </a:buClr>
-              <a:buFont typeface="Wingdings 2"/>
+              <a:buFont typeface="Wingdings 2" panose="05020102010507070707"/>
               <a:buChar char=""/>
               <a:defRPr kumimoji="0" sz="2100" kern="1200">
                 <a:solidFill>
@@ -10838,14 +10655,14 @@
                 <a:cs typeface="+mn-cs"/>
               </a:defRPr>
             </a:lvl7pPr>
-            <a:lvl8pPr marL="2670299" indent="-296700" algn="l" rtl="0" eaLnBrk="1" latinLnBrk="0" hangingPunct="1">
+            <a:lvl8pPr marL="2670175" indent="-296545" algn="l" rtl="0" eaLnBrk="1" latinLnBrk="0" hangingPunct="1">
               <a:spcBef>
-                <a:spcPts val="454"/>
+                <a:spcPts val="455"/>
               </a:spcBef>
               <a:buClr>
                 <a:schemeClr val="accent3"/>
               </a:buClr>
-              <a:buFont typeface="Wingdings 2"/>
+              <a:buFont typeface="Wingdings 2" panose="05020102010507070707"/>
               <a:buChar char=""/>
               <a:defRPr kumimoji="0" sz="2100" kern="1200">
                 <a:solidFill>
@@ -10856,14 +10673,14 @@
                 <a:cs typeface="+mn-cs"/>
               </a:defRPr>
             </a:lvl8pPr>
-            <a:lvl9pPr marL="2966999" indent="-296700" algn="l" rtl="0" eaLnBrk="1" latinLnBrk="0" hangingPunct="1">
+            <a:lvl9pPr marL="2966720" indent="-296545" algn="l" rtl="0" eaLnBrk="1" latinLnBrk="0" hangingPunct="1">
               <a:spcBef>
-                <a:spcPts val="454"/>
+                <a:spcPts val="455"/>
               </a:spcBef>
               <a:buClr>
                 <a:schemeClr val="accent3"/>
               </a:buClr>
-              <a:buFont typeface="Wingdings 2"/>
+              <a:buFont typeface="Wingdings 2" panose="05020102010507070707"/>
               <a:buChar char=""/>
               <a:defRPr kumimoji="0" sz="2100" kern="1200" baseline="0">
                 <a:solidFill>
@@ -10874,22 +10691,21 @@
                 <a:cs typeface="+mn-cs"/>
               </a:defRPr>
             </a:lvl9pPr>
-            <a:extLst/>
           </a:lstStyle>
           <a:p>
-            <a:pPr marL="129032" lvl="1" indent="0">
+            <a:pPr marL="128905" lvl="1" indent="0">
               <a:spcBef>
-                <a:spcPts val="1413"/>
+                <a:spcPts val="1415"/>
               </a:spcBef>
               <a:buSzPct val="68000"/>
               <a:buNone/>
             </a:pPr>
             <a:r>
-              <a:rPr lang="en-US" sz="2541" dirty="0"/>
+              <a:rPr lang="en-US" sz="2540" dirty="0"/>
               <a:t>One very useful feature of classes is that you can overload the </a:t>
             </a:r>
             <a:r>
-              <a:rPr lang="en-US" sz="2541" b="1" dirty="0">
+              <a:rPr lang="en-US" sz="2540" b="1" dirty="0">
                 <a:solidFill>
                   <a:srgbClr val="00B0F0"/>
                 </a:solidFill>
@@ -10897,11 +10713,11 @@
               <a:t>&lt;&lt; operator</a:t>
             </a:r>
             <a:r>
-              <a:rPr lang="en-US" sz="2541" dirty="0"/>
+              <a:rPr lang="en-US" sz="2540" dirty="0"/>
               <a:t>, so that you can use it with </a:t>
             </a:r>
             <a:r>
-              <a:rPr lang="en-US" sz="2541" b="1" dirty="0" err="1">
+              <a:rPr lang="en-US" sz="2540" b="1" dirty="0" err="1">
                 <a:solidFill>
                   <a:srgbClr val="00B0F0"/>
                 </a:solidFill>
@@ -10909,58 +10725,53 @@
               <a:t>cout</a:t>
             </a:r>
             <a:r>
-              <a:rPr lang="en-US" sz="2541" dirty="0"/>
+              <a:rPr lang="en-US" sz="2540" dirty="0"/>
               <a:t> to </a:t>
             </a:r>
             <a:r>
-              <a:rPr lang="en-US" sz="2541" b="1" dirty="0"/>
+              <a:rPr lang="en-US" sz="2540" b="1" dirty="0"/>
               <a:t>display an object’s contents</a:t>
             </a:r>
             <a:r>
-              <a:rPr lang="en-US" sz="2541" dirty="0"/>
+              <a:rPr lang="en-US" sz="2540" dirty="0"/>
               <a:t>.</a:t>
             </a:r>
-          </a:p>
-          <a:p>
-            <a:pPr marL="129032" lvl="1" indent="0">
+            <a:endParaRPr lang="en-US" sz="2540" dirty="0"/>
+          </a:p>
+          <a:p>
+            <a:pPr marL="128905" lvl="1" indent="0">
               <a:spcBef>
-                <a:spcPts val="1413"/>
+                <a:spcPts val="1415"/>
               </a:spcBef>
               <a:buSzPct val="68000"/>
               <a:buNone/>
             </a:pPr>
             <a:r>
-              <a:rPr lang="en-US" sz="2541" dirty="0"/>
+              <a:rPr lang="en-US" sz="2540" dirty="0"/>
               <a:t>You would remember that the left operand is the invoking object, so if you define the overloading &lt;&lt; operator function as a member function, the object must be put in front of the operator &lt;&lt;, that not fit the convention. </a:t>
             </a:r>
-          </a:p>
-          <a:p>
-            <a:pPr marL="129032" lvl="1" indent="0">
+            <a:endParaRPr lang="en-US" sz="2540" dirty="0"/>
+          </a:p>
+          <a:p>
+            <a:pPr marL="128905" lvl="1" indent="0">
               <a:spcBef>
-                <a:spcPts val="1413"/>
+                <a:spcPts val="1415"/>
               </a:spcBef>
               <a:buSzPct val="68000"/>
               <a:buNone/>
             </a:pPr>
             <a:r>
-              <a:rPr lang="en-US" sz="2541" dirty="0"/>
+              <a:rPr lang="en-US" sz="2540" dirty="0"/>
               <a:t>  </a:t>
             </a:r>
+            <a:endParaRPr lang="en-US" sz="2540" dirty="0"/>
           </a:p>
         </p:txBody>
       </p:sp>
       <p:sp>
         <p:nvSpPr>
-          <p:cNvPr id="5" name="Content Placeholder 2">
-            <a:extLst>
-              <a:ext uri="{FF2B5EF4-FFF2-40B4-BE49-F238E27FC236}">
-                <a16:creationId xmlns:a16="http://schemas.microsoft.com/office/drawing/2014/main" id="{E298C304-624B-4C98-9F8D-8E10A64DD546}"/>
-              </a:ext>
-            </a:extLst>
-          </p:cNvPr>
-          <p:cNvSpPr txBox="1">
-            <a:spLocks/>
-          </p:cNvSpPr>
+          <p:cNvPr id="5" name="Content Placeholder 2"/>
+          <p:cNvSpPr txBox="1"/>
           <p:nvPr/>
         </p:nvSpPr>
         <p:spPr bwMode="auto">
@@ -10975,20 +10786,14 @@
           <a:ln w="9525">
             <a:noFill/>
             <a:miter lim="800000"/>
-            <a:headEnd/>
-            <a:tailEnd/>
           </a:ln>
         </p:spPr>
         <p:txBody>
-          <a:bodyPr vert="horz" wrap="square" lIns="107710" tIns="53855" rIns="107710" bIns="53855" numCol="1" anchor="t" anchorCtr="0" compatLnSpc="1">
-            <a:prstTxWarp prst="textNoShape">
-              <a:avLst/>
-            </a:prstTxWarp>
-          </a:bodyPr>
+          <a:bodyPr vert="horz" wrap="square" lIns="107710" tIns="53855" rIns="107710" bIns="53855" numCol="1" anchor="t" anchorCtr="0" compatLnSpc="1"/>
           <a:lstStyle>
-            <a:lvl1pPr marL="473896" indent="-331728" algn="l" rtl="0" eaLnBrk="0" fontAlgn="base" hangingPunct="0">
+            <a:lvl1pPr marL="473710" indent="-331470" algn="l" rtl="0" eaLnBrk="0" fontAlgn="base" hangingPunct="0">
               <a:spcBef>
-                <a:spcPts val="519"/>
+                <a:spcPts val="520"/>
               </a:spcBef>
               <a:spcAft>
                 <a:spcPct val="0"/>
@@ -10997,7 +10802,7 @@
                 <a:schemeClr val="accent1"/>
               </a:buClr>
               <a:buSzPct val="68000"/>
-              <a:buFont typeface="Wingdings 3" pitchFamily="18" charset="2"/>
+              <a:buFont typeface="Wingdings 3" panose="05040102010807070707" pitchFamily="18" charset="2"/>
               <a:buChar char=""/>
               <a:defRPr sz="3500" kern="1200">
                 <a:solidFill>
@@ -11008,9 +10813,9 @@
                 <a:cs typeface="+mn-cs"/>
               </a:defRPr>
             </a:lvl1pPr>
-            <a:lvl2pPr marL="805623" indent="-296700" algn="l" rtl="0" eaLnBrk="0" fontAlgn="base" hangingPunct="0">
+            <a:lvl2pPr marL="805815" indent="-296545" algn="l" rtl="0" eaLnBrk="0" fontAlgn="base" hangingPunct="0">
               <a:spcBef>
-                <a:spcPts val="422"/>
+                <a:spcPts val="420"/>
               </a:spcBef>
               <a:spcAft>
                 <a:spcPct val="0"/>
@@ -11018,7 +10823,7 @@
               <a:buClr>
                 <a:schemeClr val="accent1"/>
               </a:buClr>
-              <a:buFont typeface="Wingdings" pitchFamily="2" charset="2"/>
+              <a:buFont typeface="Wingdings" panose="05000000000000000000" pitchFamily="2" charset="2"/>
               <a:buChar char="§"/>
               <a:defRPr sz="3000" kern="1200">
                 <a:solidFill>
@@ -11029,9 +10834,9 @@
                 <a:cs typeface="+mn-cs"/>
               </a:defRPr>
             </a:lvl2pPr>
-            <a:lvl3pPr marL="1114686" indent="-296700" algn="l" rtl="0" eaLnBrk="0" fontAlgn="base" hangingPunct="0">
+            <a:lvl3pPr marL="1114425" indent="-296545" algn="l" rtl="0" eaLnBrk="0" fontAlgn="base" hangingPunct="0">
               <a:spcBef>
-                <a:spcPts val="454"/>
+                <a:spcPts val="455"/>
               </a:spcBef>
               <a:spcAft>
                 <a:spcPct val="0"/>
@@ -11040,7 +10845,7 @@
                 <a:schemeClr val="accent2"/>
               </a:buClr>
               <a:buSzPct val="100000"/>
-              <a:buFont typeface="Wingdings 2" pitchFamily="18" charset="2"/>
+              <a:buFont typeface="Wingdings 2" panose="05020102010507070707" pitchFamily="18" charset="2"/>
               <a:buChar char=""/>
               <a:defRPr sz="2700" kern="1200">
                 <a:solidFill>
@@ -11051,9 +10856,9 @@
                 <a:cs typeface="+mn-cs"/>
               </a:defRPr>
             </a:lvl3pPr>
-            <a:lvl4pPr marL="1483500" indent="-296700" algn="l" rtl="0" eaLnBrk="0" fontAlgn="base" hangingPunct="0">
+            <a:lvl4pPr marL="1483360" indent="-296545" algn="l" rtl="0" eaLnBrk="0" fontAlgn="base" hangingPunct="0">
               <a:spcBef>
-                <a:spcPts val="454"/>
+                <a:spcPts val="455"/>
               </a:spcBef>
               <a:spcAft>
                 <a:spcPct val="0"/>
@@ -11070,9 +10875,9 @@
                 <a:cs typeface="+mn-cs"/>
               </a:defRPr>
             </a:lvl4pPr>
-            <a:lvl5pPr marL="1483500" indent="-296700" algn="l" rtl="0" eaLnBrk="0" fontAlgn="base" hangingPunct="0">
+            <a:lvl5pPr marL="1483360" indent="-296545" algn="l" rtl="0" eaLnBrk="0" fontAlgn="base" hangingPunct="0">
               <a:spcBef>
-                <a:spcPts val="454"/>
+                <a:spcPts val="455"/>
               </a:spcBef>
               <a:spcAft>
                 <a:spcPct val="0"/>
@@ -11089,14 +10894,14 @@
                 <a:cs typeface="+mn-cs"/>
               </a:defRPr>
             </a:lvl5pPr>
-            <a:lvl6pPr marL="2076900" indent="-296700" algn="l" rtl="0" eaLnBrk="1" latinLnBrk="0" hangingPunct="1">
+            <a:lvl6pPr marL="2077085" indent="-296545" algn="l" rtl="0" eaLnBrk="1" latinLnBrk="0" hangingPunct="1">
               <a:spcBef>
-                <a:spcPts val="454"/>
+                <a:spcPts val="455"/>
               </a:spcBef>
               <a:buClr>
                 <a:schemeClr val="accent3"/>
               </a:buClr>
-              <a:buFont typeface="Wingdings 2"/>
+              <a:buFont typeface="Wingdings 2" panose="05020102010507070707"/>
               <a:buChar char=""/>
               <a:defRPr kumimoji="0" sz="2300" kern="1200">
                 <a:solidFill>
@@ -11107,14 +10912,14 @@
                 <a:cs typeface="+mn-cs"/>
               </a:defRPr>
             </a:lvl6pPr>
-            <a:lvl7pPr marL="2373600" indent="-296700" algn="l" rtl="0" eaLnBrk="1" latinLnBrk="0" hangingPunct="1">
+            <a:lvl7pPr marL="2373630" indent="-296545" algn="l" rtl="0" eaLnBrk="1" latinLnBrk="0" hangingPunct="1">
               <a:spcBef>
-                <a:spcPts val="454"/>
+                <a:spcPts val="455"/>
               </a:spcBef>
               <a:buClr>
                 <a:schemeClr val="accent3"/>
               </a:buClr>
-              <a:buFont typeface="Wingdings 2"/>
+              <a:buFont typeface="Wingdings 2" panose="05020102010507070707"/>
               <a:buChar char=""/>
               <a:defRPr kumimoji="0" sz="2100" kern="1200">
                 <a:solidFill>
@@ -11125,14 +10930,14 @@
                 <a:cs typeface="+mn-cs"/>
               </a:defRPr>
             </a:lvl7pPr>
-            <a:lvl8pPr marL="2670299" indent="-296700" algn="l" rtl="0" eaLnBrk="1" latinLnBrk="0" hangingPunct="1">
+            <a:lvl8pPr marL="2670175" indent="-296545" algn="l" rtl="0" eaLnBrk="1" latinLnBrk="0" hangingPunct="1">
               <a:spcBef>
-                <a:spcPts val="454"/>
+                <a:spcPts val="455"/>
               </a:spcBef>
               <a:buClr>
                 <a:schemeClr val="accent3"/>
               </a:buClr>
-              <a:buFont typeface="Wingdings 2"/>
+              <a:buFont typeface="Wingdings 2" panose="05020102010507070707"/>
               <a:buChar char=""/>
               <a:defRPr kumimoji="0" sz="2100" kern="1200">
                 <a:solidFill>
@@ -11143,14 +10948,14 @@
                 <a:cs typeface="+mn-cs"/>
               </a:defRPr>
             </a:lvl8pPr>
-            <a:lvl9pPr marL="2966999" indent="-296700" algn="l" rtl="0" eaLnBrk="1" latinLnBrk="0" hangingPunct="1">
+            <a:lvl9pPr marL="2966720" indent="-296545" algn="l" rtl="0" eaLnBrk="1" latinLnBrk="0" hangingPunct="1">
               <a:spcBef>
-                <a:spcPts val="454"/>
+                <a:spcPts val="455"/>
               </a:spcBef>
               <a:buClr>
                 <a:schemeClr val="accent3"/>
               </a:buClr>
-              <a:buFont typeface="Wingdings 2"/>
+              <a:buFont typeface="Wingdings 2" panose="05020102010507070707"/>
               <a:buChar char=""/>
               <a:defRPr kumimoji="0" sz="2100" kern="1200" baseline="0">
                 <a:solidFill>
@@ -11161,50 +10966,46 @@
                 <a:cs typeface="+mn-cs"/>
               </a:defRPr>
             </a:lvl9pPr>
-            <a:extLst/>
           </a:lstStyle>
           <a:p>
-            <a:pPr marL="129032" lvl="1" indent="0">
+            <a:pPr marL="128905" lvl="1" indent="0">
               <a:spcBef>
-                <a:spcPts val="1413"/>
+                <a:spcPts val="1415"/>
               </a:spcBef>
               <a:buSzPct val="68000"/>
               <a:buNone/>
             </a:pPr>
             <a:r>
-              <a:rPr lang="en-US" sz="2541" dirty="0"/>
+              <a:rPr lang="en-US" sz="2540" dirty="0"/>
               <a:t>Define the function as non-member function or friend function.</a:t>
             </a:r>
-          </a:p>
-          <a:p>
-            <a:pPr marL="129032" lvl="1" indent="0">
+            <a:endParaRPr lang="en-US" sz="2540" dirty="0"/>
+          </a:p>
+          <a:p>
+            <a:pPr marL="128905" lvl="1" indent="0">
               <a:spcBef>
-                <a:spcPts val="1413"/>
+                <a:spcPts val="1415"/>
               </a:spcBef>
               <a:buSzPct val="68000"/>
               <a:buNone/>
             </a:pPr>
             <a:r>
-              <a:rPr lang="en-US" sz="2541" dirty="0"/>
+              <a:rPr lang="en-US" sz="2540" dirty="0"/>
               <a:t>In this example, the function can access the private members of the Rational class, so the </a:t>
             </a:r>
             <a:r>
-              <a:rPr lang="en-US" sz="2541" b="1" dirty="0"/>
+              <a:rPr lang="en-US" sz="2540" b="1" dirty="0"/>
               <a:t>&lt;&lt; operator is defined as friend function</a:t>
             </a:r>
             <a:r>
-              <a:rPr lang="en-US" sz="2541" dirty="0"/>
+              <a:rPr lang="en-US" sz="2540" dirty="0"/>
               <a:t>. </a:t>
             </a:r>
+            <a:endParaRPr lang="en-US" sz="2540" dirty="0"/>
           </a:p>
         </p:txBody>
       </p:sp>
     </p:spTree>
-    <p:extLst>
-      <p:ext uri="{BB962C8B-B14F-4D97-AF65-F5344CB8AC3E}">
-        <p14:creationId xmlns:p14="http://schemas.microsoft.com/office/powerpoint/2010/main" val="3946268033"/>
-      </p:ext>
-    </p:extLst>
   </p:cSld>
   <p:clrMapOvr>
     <a:masterClrMapping/>
@@ -11355,20 +11156,14 @@
       </p:grpSpPr>
       <p:pic>
         <p:nvPicPr>
-          <p:cNvPr id="12" name="图片 11">
-            <a:extLst>
-              <a:ext uri="{FF2B5EF4-FFF2-40B4-BE49-F238E27FC236}">
-                <a16:creationId xmlns:a16="http://schemas.microsoft.com/office/drawing/2014/main" id="{7FB3E2EA-C7B9-4ED4-8081-2E2137CD7697}"/>
-              </a:ext>
-            </a:extLst>
-          </p:cNvPr>
+          <p:cNvPr id="12" name="图片 11"/>
           <p:cNvPicPr>
             <a:picLocks noChangeAspect="1"/>
           </p:cNvPicPr>
           <p:nvPr/>
         </p:nvPicPr>
         <p:blipFill>
-          <a:blip r:embed="rId2"/>
+          <a:blip r:embed="rId1"/>
           <a:stretch>
             <a:fillRect/>
           </a:stretch>
@@ -11385,20 +11180,14 @@
       </p:pic>
       <p:pic>
         <p:nvPicPr>
-          <p:cNvPr id="15" name="图片 14">
-            <a:extLst>
-              <a:ext uri="{FF2B5EF4-FFF2-40B4-BE49-F238E27FC236}">
-                <a16:creationId xmlns:a16="http://schemas.microsoft.com/office/drawing/2014/main" id="{ED36A453-33A0-4CCC-80C8-CAD2B0E6CF40}"/>
-              </a:ext>
-            </a:extLst>
-          </p:cNvPr>
+          <p:cNvPr id="15" name="图片 14"/>
           <p:cNvPicPr>
             <a:picLocks noChangeAspect="1"/>
           </p:cNvPicPr>
           <p:nvPr/>
         </p:nvPicPr>
         <p:blipFill>
-          <a:blip r:embed="rId3"/>
+          <a:blip r:embed="rId2"/>
           <a:stretch>
             <a:fillRect/>
           </a:stretch>
@@ -11486,14 +11275,14 @@
             <a:lstStyle/>
             <a:p>
               <a:r>
-                <a:rPr lang="en-US" altLang="zh-CN" sz="1634" dirty="0">
+                <a:rPr lang="en-US" altLang="zh-CN" sz="1635" dirty="0">
                   <a:solidFill>
                     <a:srgbClr val="FF0000"/>
                   </a:solidFill>
                 </a:rPr>
                 <a:t>friend function declaration</a:t>
               </a:r>
-              <a:endParaRPr lang="zh-CN" altLang="en-US" sz="1634" dirty="0">
+              <a:endParaRPr lang="zh-CN" altLang="en-US" sz="1635" dirty="0">
                 <a:solidFill>
                   <a:srgbClr val="FF0000"/>
                 </a:solidFill>
@@ -11575,14 +11364,14 @@
             <a:lstStyle/>
             <a:p>
               <a:r>
-                <a:rPr lang="en-US" altLang="zh-CN" sz="1634" dirty="0">
+                <a:rPr lang="en-US" altLang="zh-CN" sz="1635" dirty="0">
                   <a:solidFill>
                     <a:srgbClr val="FF0000"/>
                   </a:solidFill>
                 </a:rPr>
                 <a:t>friend function definition</a:t>
               </a:r>
-              <a:endParaRPr lang="zh-CN" altLang="en-US" sz="1634" dirty="0">
+              <a:endParaRPr lang="zh-CN" altLang="en-US" sz="1635" dirty="0">
                 <a:solidFill>
                   <a:srgbClr val="FF0000"/>
                 </a:solidFill>
@@ -11633,7 +11422,7 @@
           <a:lstStyle/>
           <a:p>
             <a:pPr algn="ctr"/>
-            <a:endParaRPr lang="zh-CN" altLang="en-US" sz="1634" dirty="0"/>
+            <a:endParaRPr lang="zh-CN" altLang="en-US" sz="1635" dirty="0"/>
           </a:p>
         </p:txBody>
       </p:sp>
@@ -11679,26 +11468,20 @@
           <a:lstStyle/>
           <a:p>
             <a:pPr algn="ctr"/>
-            <a:endParaRPr lang="zh-CN" altLang="en-US" sz="1634" dirty="0"/>
+            <a:endParaRPr lang="zh-CN" altLang="en-US" sz="1635" dirty="0"/>
           </a:p>
         </p:txBody>
       </p:sp>
       <p:pic>
         <p:nvPicPr>
-          <p:cNvPr id="18" name="图片 17">
-            <a:extLst>
-              <a:ext uri="{FF2B5EF4-FFF2-40B4-BE49-F238E27FC236}">
-                <a16:creationId xmlns:a16="http://schemas.microsoft.com/office/drawing/2014/main" id="{1BD1F31E-7F16-4CBD-A41C-79FF68083653}"/>
-              </a:ext>
-            </a:extLst>
-          </p:cNvPr>
+          <p:cNvPr id="18" name="图片 17"/>
           <p:cNvPicPr>
             <a:picLocks noChangeAspect="1"/>
           </p:cNvPicPr>
           <p:nvPr/>
         </p:nvPicPr>
         <p:blipFill>
-          <a:blip r:embed="rId4"/>
+          <a:blip r:embed="rId3"/>
           <a:stretch>
             <a:fillRect/>
           </a:stretch>
@@ -11715,13 +11498,7 @@
       </p:pic>
       <p:sp>
         <p:nvSpPr>
-          <p:cNvPr id="19" name="椭圆 18">
-            <a:extLst>
-              <a:ext uri="{FF2B5EF4-FFF2-40B4-BE49-F238E27FC236}">
-                <a16:creationId xmlns:a16="http://schemas.microsoft.com/office/drawing/2014/main" id="{6620C770-ACAB-4D8F-9CA5-D815182145D0}"/>
-              </a:ext>
-            </a:extLst>
-          </p:cNvPr>
+          <p:cNvPr id="19" name="椭圆 18"/>
           <p:cNvSpPr/>
           <p:nvPr/>
         </p:nvSpPr>
@@ -11761,19 +11538,13 @@
           <a:lstStyle/>
           <a:p>
             <a:pPr algn="ctr"/>
-            <a:endParaRPr lang="zh-CN" altLang="en-US" sz="1634" dirty="0"/>
+            <a:endParaRPr lang="zh-CN" altLang="en-US" sz="1635" dirty="0"/>
           </a:p>
         </p:txBody>
       </p:sp>
       <p:grpSp>
         <p:nvGrpSpPr>
-          <p:cNvPr id="20" name="组合 19">
-            <a:extLst>
-              <a:ext uri="{FF2B5EF4-FFF2-40B4-BE49-F238E27FC236}">
-                <a16:creationId xmlns:a16="http://schemas.microsoft.com/office/drawing/2014/main" id="{1F20D3AE-A7D4-4EC4-83B8-A54BF48300DE}"/>
-              </a:ext>
-            </a:extLst>
-          </p:cNvPr>
+          <p:cNvPr id="20" name="组合 19"/>
           <p:cNvGrpSpPr/>
           <p:nvPr/>
         </p:nvGrpSpPr>
@@ -11787,16 +11558,8 @@
         </p:grpSpPr>
         <p:cxnSp>
           <p:nvCxnSpPr>
-            <p:cNvPr id="21" name="直接箭头连接符 20">
-              <a:extLst>
-                <a:ext uri="{FF2B5EF4-FFF2-40B4-BE49-F238E27FC236}">
-                  <a16:creationId xmlns:a16="http://schemas.microsoft.com/office/drawing/2014/main" id="{7355D4AD-431E-4494-8971-2580F0586BCF}"/>
-                </a:ext>
-              </a:extLst>
-            </p:cNvPr>
-            <p:cNvCxnSpPr>
-              <a:cxnSpLocks/>
-            </p:cNvCxnSpPr>
+            <p:cNvPr id="21" name="直接箭头连接符 20"/>
+            <p:cNvCxnSpPr/>
             <p:nvPr/>
           </p:nvCxnSpPr>
           <p:spPr>
@@ -11831,13 +11594,7 @@
         </p:cxnSp>
         <p:sp>
           <p:nvSpPr>
-            <p:cNvPr id="22" name="TextBox 10">
-              <a:extLst>
-                <a:ext uri="{FF2B5EF4-FFF2-40B4-BE49-F238E27FC236}">
-                  <a16:creationId xmlns:a16="http://schemas.microsoft.com/office/drawing/2014/main" id="{DD10CC87-D8FA-4806-8120-E996C5F19B4F}"/>
-                </a:ext>
-              </a:extLst>
-            </p:cNvPr>
+            <p:cNvPr id="22" name="TextBox 10"/>
             <p:cNvSpPr txBox="1"/>
             <p:nvPr/>
           </p:nvSpPr>
@@ -11861,6 +11618,7 @@
                 <a:rPr lang="en-US" altLang="zh-CN" dirty="0"/>
                 <a:t>Return the reference of </a:t>
               </a:r>
+              <a:endParaRPr lang="en-US" altLang="zh-CN" dirty="0"/>
             </a:p>
             <a:p>
               <a:r>
@@ -11871,18 +11629,21 @@
                 <a:rPr lang="en-US" altLang="zh-CN" dirty="0"/>
                 <a:t> can make it </a:t>
               </a:r>
+              <a:endParaRPr lang="en-US" altLang="zh-CN" dirty="0"/>
             </a:p>
             <a:p>
               <a:r>
                 <a:rPr lang="en-US" altLang="zh-CN" dirty="0"/>
                 <a:t>available to output </a:t>
               </a:r>
+              <a:endParaRPr lang="en-US" altLang="zh-CN" dirty="0"/>
             </a:p>
             <a:p>
               <a:r>
                 <a:rPr lang="en-US" altLang="zh-CN" dirty="0"/>
                 <a:t>several objects in one </a:t>
               </a:r>
+              <a:endParaRPr lang="en-US" altLang="zh-CN" dirty="0"/>
             </a:p>
             <a:p>
               <a:r>
@@ -11895,11 +11656,6 @@
         </p:sp>
       </p:grpSp>
     </p:spTree>
-    <p:extLst>
-      <p:ext uri="{BB962C8B-B14F-4D97-AF65-F5344CB8AC3E}">
-        <p14:creationId xmlns:p14="http://schemas.microsoft.com/office/powerpoint/2010/main" val="3913150792"/>
-      </p:ext>
-    </p:extLst>
   </p:cSld>
   <p:clrMapOvr>
     <a:masterClrMapping/>
@@ -12311,6 +12067,13 @@
               </a:rPr>
               <a:t>Operator overloading and friend function</a:t>
             </a:r>
+            <a:endParaRPr lang="en-US" altLang="zh-CN" sz="4000" b="1" i="0" dirty="0">
+              <a:solidFill>
+                <a:srgbClr val="24292F"/>
+              </a:solidFill>
+              <a:effectLst/>
+              <a:cs typeface="+mj-lt"/>
+            </a:endParaRPr>
           </a:p>
         </p:txBody>
       </p:sp>
@@ -12344,6 +12107,9 @@
               </a:rPr>
               <a:t>Operator overloading</a:t>
             </a:r>
+            <a:endParaRPr lang="en-US" altLang="zh-CN" dirty="0">
+              <a:sym typeface="+mn-ea"/>
+            </a:endParaRPr>
           </a:p>
           <a:p>
             <a:pPr marL="285750" indent="-285750">
@@ -12356,6 +12122,9 @@
               </a:rPr>
               <a:t>Friend function</a:t>
             </a:r>
+            <a:endParaRPr lang="en-US" altLang="zh-CN" dirty="0">
+              <a:sym typeface="+mn-ea"/>
+            </a:endParaRPr>
           </a:p>
           <a:p>
             <a:pPr marL="285750" indent="-285750">
@@ -12368,6 +12137,9 @@
               </a:rPr>
               <a:t>Overloading &lt;&lt; operator</a:t>
             </a:r>
+            <a:endParaRPr lang="en-US" altLang="zh-CN" dirty="0">
+              <a:sym typeface="+mn-ea"/>
+            </a:endParaRPr>
           </a:p>
           <a:p>
             <a:pPr marL="0" indent="0">
@@ -12406,13 +12178,7 @@
       </p:grpSpPr>
       <p:sp>
         <p:nvSpPr>
-          <p:cNvPr id="4" name="文本框 3">
-            <a:extLst>
-              <a:ext uri="{FF2B5EF4-FFF2-40B4-BE49-F238E27FC236}">
-                <a16:creationId xmlns:a16="http://schemas.microsoft.com/office/drawing/2014/main" id="{A2609187-DE8E-455C-B4EC-00B128573D5B}"/>
-              </a:ext>
-            </a:extLst>
-          </p:cNvPr>
+          <p:cNvPr id="4" name="文本框 3"/>
           <p:cNvSpPr txBox="1"/>
           <p:nvPr/>
         </p:nvSpPr>
@@ -12485,20 +12251,14 @@
       </p:sp>
       <p:pic>
         <p:nvPicPr>
-          <p:cNvPr id="6" name="图片 5">
-            <a:extLst>
-              <a:ext uri="{FF2B5EF4-FFF2-40B4-BE49-F238E27FC236}">
-                <a16:creationId xmlns:a16="http://schemas.microsoft.com/office/drawing/2014/main" id="{B96E5CB0-F0CB-4018-B431-8CD6E5F05117}"/>
-              </a:ext>
-            </a:extLst>
-          </p:cNvPr>
+          <p:cNvPr id="6" name="图片 5"/>
           <p:cNvPicPr>
             <a:picLocks noChangeAspect="1"/>
           </p:cNvPicPr>
           <p:nvPr/>
         </p:nvPicPr>
         <p:blipFill>
-          <a:blip r:embed="rId2"/>
+          <a:blip r:embed="rId1"/>
           <a:stretch>
             <a:fillRect/>
           </a:stretch>
@@ -12515,13 +12275,7 @@
       </p:pic>
       <p:grpSp>
         <p:nvGrpSpPr>
-          <p:cNvPr id="10" name="组合 9">
-            <a:extLst>
-              <a:ext uri="{FF2B5EF4-FFF2-40B4-BE49-F238E27FC236}">
-                <a16:creationId xmlns:a16="http://schemas.microsoft.com/office/drawing/2014/main" id="{E2BF6191-E1C2-4B6C-A128-B8661FC02B72}"/>
-              </a:ext>
-            </a:extLst>
-          </p:cNvPr>
+          <p:cNvPr id="10" name="组合 9"/>
           <p:cNvGrpSpPr/>
           <p:nvPr/>
         </p:nvGrpSpPr>
@@ -12535,13 +12289,7 @@
         </p:grpSpPr>
         <p:cxnSp>
           <p:nvCxnSpPr>
-            <p:cNvPr id="11" name="直接箭头连接符 10">
-              <a:extLst>
-                <a:ext uri="{FF2B5EF4-FFF2-40B4-BE49-F238E27FC236}">
-                  <a16:creationId xmlns:a16="http://schemas.microsoft.com/office/drawing/2014/main" id="{DDF00A5F-C63F-4A23-8D30-2F8830CA6DF4}"/>
-                </a:ext>
-              </a:extLst>
-            </p:cNvPr>
+            <p:cNvPr id="11" name="直接箭头连接符 10"/>
             <p:cNvCxnSpPr/>
             <p:nvPr/>
           </p:nvCxnSpPr>
@@ -12577,13 +12325,7 @@
         </p:cxnSp>
         <p:sp>
           <p:nvSpPr>
-            <p:cNvPr id="12" name="TextBox 10">
-              <a:extLst>
-                <a:ext uri="{FF2B5EF4-FFF2-40B4-BE49-F238E27FC236}">
-                  <a16:creationId xmlns:a16="http://schemas.microsoft.com/office/drawing/2014/main" id="{61942AA4-1010-4B87-85D5-05C8BF6BAA58}"/>
-                </a:ext>
-              </a:extLst>
-            </p:cNvPr>
+            <p:cNvPr id="12" name="TextBox 10"/>
             <p:cNvSpPr txBox="1"/>
             <p:nvPr/>
           </p:nvSpPr>
@@ -12622,13 +12364,7 @@
       </p:grpSp>
       <p:grpSp>
         <p:nvGrpSpPr>
-          <p:cNvPr id="27" name="组合 26">
-            <a:extLst>
-              <a:ext uri="{FF2B5EF4-FFF2-40B4-BE49-F238E27FC236}">
-                <a16:creationId xmlns:a16="http://schemas.microsoft.com/office/drawing/2014/main" id="{1B2A28E3-3B90-4CFA-863C-61862F5CACCB}"/>
-              </a:ext>
-            </a:extLst>
-          </p:cNvPr>
+          <p:cNvPr id="27" name="组合 26"/>
           <p:cNvGrpSpPr/>
           <p:nvPr/>
         </p:nvGrpSpPr>
@@ -12642,13 +12378,7 @@
         </p:grpSpPr>
         <p:sp>
           <p:nvSpPr>
-            <p:cNvPr id="2" name="文本框 1">
-              <a:extLst>
-                <a:ext uri="{FF2B5EF4-FFF2-40B4-BE49-F238E27FC236}">
-                  <a16:creationId xmlns:a16="http://schemas.microsoft.com/office/drawing/2014/main" id="{C2A72654-3301-4859-AF15-A1C44F8E425E}"/>
-                </a:ext>
-              </a:extLst>
-            </p:cNvPr>
+            <p:cNvPr id="2" name="文本框 1"/>
             <p:cNvSpPr txBox="1"/>
             <p:nvPr/>
           </p:nvSpPr>
@@ -12684,6 +12414,7 @@
                 <a:rPr lang="en-US" altLang="zh-CN" sz="2000" dirty="0"/>
                 <a:t>;</a:t>
               </a:r>
+              <a:endParaRPr lang="en-US" altLang="zh-CN" sz="2000" dirty="0"/>
             </a:p>
             <a:p>
               <a:r>
@@ -12708,16 +12439,8 @@
         </p:sp>
         <p:cxnSp>
           <p:nvCxnSpPr>
-            <p:cNvPr id="8" name="直接箭头连接符 7">
-              <a:extLst>
-                <a:ext uri="{FF2B5EF4-FFF2-40B4-BE49-F238E27FC236}">
-                  <a16:creationId xmlns:a16="http://schemas.microsoft.com/office/drawing/2014/main" id="{C7C98059-2C10-4E0D-B56F-696EAB8C99C3}"/>
-                </a:ext>
-              </a:extLst>
-            </p:cNvPr>
-            <p:cNvCxnSpPr>
-              <a:cxnSpLocks/>
-            </p:cNvCxnSpPr>
+            <p:cNvPr id="8" name="直接箭头连接符 7"/>
+            <p:cNvCxnSpPr/>
             <p:nvPr/>
           </p:nvCxnSpPr>
           <p:spPr>
@@ -12753,13 +12476,7 @@
       </p:grpSp>
       <p:sp>
         <p:nvSpPr>
-          <p:cNvPr id="16" name="文本框 15">
-            <a:extLst>
-              <a:ext uri="{FF2B5EF4-FFF2-40B4-BE49-F238E27FC236}">
-                <a16:creationId xmlns:a16="http://schemas.microsoft.com/office/drawing/2014/main" id="{AAFBD5F0-370C-405A-8854-CFEFBC07D6EF}"/>
-              </a:ext>
-            </a:extLst>
-          </p:cNvPr>
+          <p:cNvPr id="16" name="文本框 15"/>
           <p:cNvSpPr txBox="1"/>
           <p:nvPr/>
         </p:nvSpPr>
@@ -12803,20 +12520,14 @@
       </p:sp>
       <p:pic>
         <p:nvPicPr>
-          <p:cNvPr id="19" name="图片 18">
-            <a:extLst>
-              <a:ext uri="{FF2B5EF4-FFF2-40B4-BE49-F238E27FC236}">
-                <a16:creationId xmlns:a16="http://schemas.microsoft.com/office/drawing/2014/main" id="{4925C46D-1F86-4C1B-8811-5157E9552D9F}"/>
-              </a:ext>
-            </a:extLst>
-          </p:cNvPr>
+          <p:cNvPr id="19" name="图片 18"/>
           <p:cNvPicPr>
             <a:picLocks noChangeAspect="1"/>
           </p:cNvPicPr>
           <p:nvPr/>
         </p:nvPicPr>
         <p:blipFill>
-          <a:blip r:embed="rId3"/>
+          <a:blip r:embed="rId2"/>
           <a:stretch>
             <a:fillRect/>
           </a:stretch>
@@ -12833,13 +12544,7 @@
       </p:pic>
       <p:grpSp>
         <p:nvGrpSpPr>
-          <p:cNvPr id="20" name="组合 19">
-            <a:extLst>
-              <a:ext uri="{FF2B5EF4-FFF2-40B4-BE49-F238E27FC236}">
-                <a16:creationId xmlns:a16="http://schemas.microsoft.com/office/drawing/2014/main" id="{4EC79D07-A2EB-4E18-BB0D-BE5894B4E7F8}"/>
-              </a:ext>
-            </a:extLst>
-          </p:cNvPr>
+          <p:cNvPr id="20" name="组合 19"/>
           <p:cNvGrpSpPr/>
           <p:nvPr/>
         </p:nvGrpSpPr>
@@ -12853,13 +12558,7 @@
         </p:grpSpPr>
         <p:cxnSp>
           <p:nvCxnSpPr>
-            <p:cNvPr id="21" name="直接箭头连接符 20">
-              <a:extLst>
-                <a:ext uri="{FF2B5EF4-FFF2-40B4-BE49-F238E27FC236}">
-                  <a16:creationId xmlns:a16="http://schemas.microsoft.com/office/drawing/2014/main" id="{8597B628-09BE-45DE-BF4E-22635F40C6BF}"/>
-                </a:ext>
-              </a:extLst>
-            </p:cNvPr>
+            <p:cNvPr id="21" name="直接箭头连接符 20"/>
             <p:cNvCxnSpPr/>
             <p:nvPr/>
           </p:nvCxnSpPr>
@@ -12895,13 +12594,7 @@
         </p:cxnSp>
         <p:sp>
           <p:nvSpPr>
-            <p:cNvPr id="22" name="TextBox 10">
-              <a:extLst>
-                <a:ext uri="{FF2B5EF4-FFF2-40B4-BE49-F238E27FC236}">
-                  <a16:creationId xmlns:a16="http://schemas.microsoft.com/office/drawing/2014/main" id="{99DCA56B-7A5A-484A-B2CB-D746E8F97E13}"/>
-                </a:ext>
-              </a:extLst>
-            </p:cNvPr>
+            <p:cNvPr id="22" name="TextBox 10"/>
             <p:cNvSpPr txBox="1"/>
             <p:nvPr/>
           </p:nvSpPr>
@@ -12925,12 +12618,14 @@
                 <a:rPr lang="en-US" altLang="zh-CN" dirty="0"/>
                 <a:t>The copy constructor of Rational class</a:t>
               </a:r>
+              <a:endParaRPr lang="en-US" altLang="zh-CN" dirty="0"/>
             </a:p>
             <a:p>
               <a:r>
                 <a:rPr lang="en-US" altLang="zh-CN" dirty="0"/>
                 <a:t>If you don’t provide the copy constructor, the compiler will provide a default one</a:t>
               </a:r>
+              <a:endParaRPr lang="en-US" altLang="zh-CN" dirty="0"/>
             </a:p>
             <a:p>
               <a:r>
@@ -12952,13 +12647,7 @@
       </p:grpSp>
       <p:grpSp>
         <p:nvGrpSpPr>
-          <p:cNvPr id="23" name="组合 22">
-            <a:extLst>
-              <a:ext uri="{FF2B5EF4-FFF2-40B4-BE49-F238E27FC236}">
-                <a16:creationId xmlns:a16="http://schemas.microsoft.com/office/drawing/2014/main" id="{BD471158-A168-44F1-AA37-C4FED92B71A1}"/>
-              </a:ext>
-            </a:extLst>
-          </p:cNvPr>
+          <p:cNvPr id="23" name="组合 22"/>
           <p:cNvGrpSpPr/>
           <p:nvPr/>
         </p:nvGrpSpPr>
@@ -12972,16 +12661,8 @@
         </p:grpSpPr>
         <p:cxnSp>
           <p:nvCxnSpPr>
-            <p:cNvPr id="24" name="直接箭头连接符 23">
-              <a:extLst>
-                <a:ext uri="{FF2B5EF4-FFF2-40B4-BE49-F238E27FC236}">
-                  <a16:creationId xmlns:a16="http://schemas.microsoft.com/office/drawing/2014/main" id="{E3D04450-D7B8-42B3-8B0D-9E6857BF8AEA}"/>
-                </a:ext>
-              </a:extLst>
-            </p:cNvPr>
-            <p:cNvCxnSpPr>
-              <a:cxnSpLocks/>
-            </p:cNvCxnSpPr>
+            <p:cNvPr id="24" name="直接箭头连接符 23"/>
+            <p:cNvCxnSpPr/>
             <p:nvPr/>
           </p:nvCxnSpPr>
           <p:spPr>
@@ -13016,13 +12697,7 @@
         </p:cxnSp>
         <p:sp>
           <p:nvSpPr>
-            <p:cNvPr id="25" name="TextBox 10">
-              <a:extLst>
-                <a:ext uri="{FF2B5EF4-FFF2-40B4-BE49-F238E27FC236}">
-                  <a16:creationId xmlns:a16="http://schemas.microsoft.com/office/drawing/2014/main" id="{628BE876-17F6-4CF3-A14B-A2E10961D573}"/>
-                </a:ext>
-              </a:extLst>
-            </p:cNvPr>
+            <p:cNvPr id="25" name="TextBox 10"/>
             <p:cNvSpPr txBox="1"/>
             <p:nvPr/>
           </p:nvSpPr>
@@ -13046,12 +12721,14 @@
                 <a:rPr lang="en-US" altLang="zh-CN" dirty="0"/>
                 <a:t>This copy constructor is the same as the default copy constructor.</a:t>
               </a:r>
+              <a:endParaRPr lang="en-US" altLang="zh-CN" dirty="0"/>
             </a:p>
             <a:p>
               <a:r>
                 <a:rPr lang="en-US" altLang="zh-CN" dirty="0"/>
                 <a:t>If the data member includes a pointer, you must provide the copy constructor</a:t>
               </a:r>
+              <a:endParaRPr lang="en-US" altLang="zh-CN" dirty="0"/>
             </a:p>
             <a:p>
               <a:r>
@@ -13064,11 +12741,6 @@
         </p:sp>
       </p:grpSp>
     </p:spTree>
-    <p:extLst>
-      <p:ext uri="{BB962C8B-B14F-4D97-AF65-F5344CB8AC3E}">
-        <p14:creationId xmlns:p14="http://schemas.microsoft.com/office/powerpoint/2010/main" val="748121925"/>
-      </p:ext>
-    </p:extLst>
   </p:cSld>
   <p:clrMapOvr>
     <a:masterClrMapping/>
@@ -13443,13 +13115,7 @@
       </p:grpSpPr>
       <p:sp>
         <p:nvSpPr>
-          <p:cNvPr id="3" name="文本框 2">
-            <a:extLst>
-              <a:ext uri="{FF2B5EF4-FFF2-40B4-BE49-F238E27FC236}">
-                <a16:creationId xmlns:a16="http://schemas.microsoft.com/office/drawing/2014/main" id="{5FDE4600-904F-47DD-9E50-1307CA7BF5B1}"/>
-              </a:ext>
-            </a:extLst>
-          </p:cNvPr>
+          <p:cNvPr id="3" name="文本框 2"/>
           <p:cNvSpPr txBox="1"/>
           <p:nvPr/>
         </p:nvSpPr>
@@ -13493,13 +13159,7 @@
       </p:sp>
       <p:sp>
         <p:nvSpPr>
-          <p:cNvPr id="7" name="文本框 6">
-            <a:extLst>
-              <a:ext uri="{FF2B5EF4-FFF2-40B4-BE49-F238E27FC236}">
-                <a16:creationId xmlns:a16="http://schemas.microsoft.com/office/drawing/2014/main" id="{23CEC27B-009E-4206-BCC2-AD6C9CC3FDE9}"/>
-              </a:ext>
-            </a:extLst>
-          </p:cNvPr>
+          <p:cNvPr id="7" name="文本框 6"/>
           <p:cNvSpPr txBox="1"/>
           <p:nvPr/>
         </p:nvSpPr>
@@ -13606,20 +13266,14 @@
       </p:sp>
       <p:pic>
         <p:nvPicPr>
-          <p:cNvPr id="9" name="图片 8">
-            <a:extLst>
-              <a:ext uri="{FF2B5EF4-FFF2-40B4-BE49-F238E27FC236}">
-                <a16:creationId xmlns:a16="http://schemas.microsoft.com/office/drawing/2014/main" id="{173F80A5-AEA8-48F8-AFB3-A3603946F33C}"/>
-              </a:ext>
-            </a:extLst>
-          </p:cNvPr>
+          <p:cNvPr id="9" name="图片 8"/>
           <p:cNvPicPr>
             <a:picLocks noChangeAspect="1"/>
           </p:cNvPicPr>
           <p:nvPr/>
         </p:nvPicPr>
         <p:blipFill>
-          <a:blip r:embed="rId2"/>
+          <a:blip r:embed="rId1"/>
           <a:stretch>
             <a:fillRect/>
           </a:stretch>
@@ -13636,13 +13290,7 @@
       </p:pic>
       <p:grpSp>
         <p:nvGrpSpPr>
-          <p:cNvPr id="13" name="组合 12">
-            <a:extLst>
-              <a:ext uri="{FF2B5EF4-FFF2-40B4-BE49-F238E27FC236}">
-                <a16:creationId xmlns:a16="http://schemas.microsoft.com/office/drawing/2014/main" id="{F447A477-C624-4050-BEFA-9576DBC025DE}"/>
-              </a:ext>
-            </a:extLst>
-          </p:cNvPr>
+          <p:cNvPr id="13" name="组合 12"/>
           <p:cNvGrpSpPr/>
           <p:nvPr/>
         </p:nvGrpSpPr>
@@ -13656,13 +13304,7 @@
         </p:grpSpPr>
         <p:cxnSp>
           <p:nvCxnSpPr>
-            <p:cNvPr id="14" name="直接箭头连接符 13">
-              <a:extLst>
-                <a:ext uri="{FF2B5EF4-FFF2-40B4-BE49-F238E27FC236}">
-                  <a16:creationId xmlns:a16="http://schemas.microsoft.com/office/drawing/2014/main" id="{5CF1A76A-324B-45B0-8A73-BA8596CC0235}"/>
-                </a:ext>
-              </a:extLst>
-            </p:cNvPr>
+            <p:cNvPr id="14" name="直接箭头连接符 13"/>
             <p:cNvCxnSpPr/>
             <p:nvPr/>
           </p:nvCxnSpPr>
@@ -13698,13 +13340,7 @@
         </p:cxnSp>
         <p:sp>
           <p:nvSpPr>
-            <p:cNvPr id="15" name="TextBox 10">
-              <a:extLst>
-                <a:ext uri="{FF2B5EF4-FFF2-40B4-BE49-F238E27FC236}">
-                  <a16:creationId xmlns:a16="http://schemas.microsoft.com/office/drawing/2014/main" id="{AFDEDAEE-98B2-4FE0-893A-FCDE39ADA167}"/>
-                </a:ext>
-              </a:extLst>
-            </p:cNvPr>
+            <p:cNvPr id="15" name="TextBox 10"/>
             <p:cNvSpPr txBox="1"/>
             <p:nvPr/>
           </p:nvSpPr>
@@ -13743,13 +13379,7 @@
       </p:grpSp>
       <p:grpSp>
         <p:nvGrpSpPr>
-          <p:cNvPr id="19" name="组合 18">
-            <a:extLst>
-              <a:ext uri="{FF2B5EF4-FFF2-40B4-BE49-F238E27FC236}">
-                <a16:creationId xmlns:a16="http://schemas.microsoft.com/office/drawing/2014/main" id="{A8DAA38B-421B-492C-8954-9936BFB574E6}"/>
-              </a:ext>
-            </a:extLst>
-          </p:cNvPr>
+          <p:cNvPr id="19" name="组合 18"/>
           <p:cNvGrpSpPr/>
           <p:nvPr/>
         </p:nvGrpSpPr>
@@ -13763,13 +13393,7 @@
         </p:grpSpPr>
         <p:sp>
           <p:nvSpPr>
-            <p:cNvPr id="16" name="文本框 15">
-              <a:extLst>
-                <a:ext uri="{FF2B5EF4-FFF2-40B4-BE49-F238E27FC236}">
-                  <a16:creationId xmlns:a16="http://schemas.microsoft.com/office/drawing/2014/main" id="{D8334D2B-D5C5-460B-983B-745B219D9623}"/>
-                </a:ext>
-              </a:extLst>
-            </p:cNvPr>
+            <p:cNvPr id="16" name="文本框 15"/>
             <p:cNvSpPr txBox="1"/>
             <p:nvPr/>
           </p:nvSpPr>
@@ -13805,6 +13429,7 @@
                 <a:rPr lang="en-US" altLang="zh-CN" sz="2000" dirty="0"/>
                 <a:t>;</a:t>
               </a:r>
+              <a:endParaRPr lang="en-US" altLang="zh-CN" sz="2000" dirty="0"/>
             </a:p>
             <a:p>
               <a:r>
@@ -13829,16 +13454,8 @@
         </p:sp>
         <p:cxnSp>
           <p:nvCxnSpPr>
-            <p:cNvPr id="17" name="直接箭头连接符 16">
-              <a:extLst>
-                <a:ext uri="{FF2B5EF4-FFF2-40B4-BE49-F238E27FC236}">
-                  <a16:creationId xmlns:a16="http://schemas.microsoft.com/office/drawing/2014/main" id="{6A8530E9-5A2A-4071-8260-49649390B49B}"/>
-                </a:ext>
-              </a:extLst>
-            </p:cNvPr>
-            <p:cNvCxnSpPr>
-              <a:cxnSpLocks/>
-            </p:cNvCxnSpPr>
+            <p:cNvPr id="17" name="直接箭头连接符 16"/>
+            <p:cNvCxnSpPr/>
             <p:nvPr/>
           </p:nvCxnSpPr>
           <p:spPr>
@@ -13874,13 +13491,7 @@
       </p:grpSp>
       <p:sp>
         <p:nvSpPr>
-          <p:cNvPr id="18" name="文本框 17">
-            <a:extLst>
-              <a:ext uri="{FF2B5EF4-FFF2-40B4-BE49-F238E27FC236}">
-                <a16:creationId xmlns:a16="http://schemas.microsoft.com/office/drawing/2014/main" id="{45D98139-6DC2-4A8E-A4CE-877921BC2D99}"/>
-              </a:ext>
-            </a:extLst>
-          </p:cNvPr>
+          <p:cNvPr id="18" name="文本框 17"/>
           <p:cNvSpPr txBox="1"/>
           <p:nvPr/>
         </p:nvSpPr>
@@ -13939,11 +13550,6 @@
         </p:txBody>
       </p:sp>
     </p:spTree>
-    <p:extLst>
-      <p:ext uri="{BB962C8B-B14F-4D97-AF65-F5344CB8AC3E}">
-        <p14:creationId xmlns:p14="http://schemas.microsoft.com/office/powerpoint/2010/main" val="2430954693"/>
-      </p:ext>
-    </p:extLst>
   </p:cSld>
   <p:clrMapOvr>
     <a:masterClrMapping/>
@@ -14246,6 +13852,7 @@
               <a:rPr lang="en-US" altLang="zh-CN"/>
               <a:t>Exercise:</a:t>
             </a:r>
+            <a:endParaRPr lang="en-US" altLang="zh-CN"/>
           </a:p>
         </p:txBody>
       </p:sp>
@@ -14291,6 +13898,7 @@
               <a:rPr lang="en-US" altLang="zh-CN" sz="2400" dirty="0"/>
               <a:t> for performing arithmetic with complex numbers. Write a program to test your class. Complex numbers have the form    </a:t>
             </a:r>
+            <a:endParaRPr lang="en-US" altLang="zh-CN" sz="2400" dirty="0"/>
           </a:p>
           <a:p>
             <a:pPr marL="0" indent="0">
@@ -14341,6 +13949,7 @@
               <a:rPr lang="en-US" altLang="zh-CN" sz="2400" dirty="0"/>
               <a:t>Develop a complete class containing proper constructor functions as well as setter and getter functions. The class should also provide the following overloaded operator capabilities: </a:t>
             </a:r>
+            <a:endParaRPr lang="en-US" altLang="zh-CN" sz="2400" dirty="0"/>
           </a:p>
           <a:p>
             <a:pPr marL="0" indent="0">
@@ -14356,6 +13965,7 @@
               <a:rPr lang="en-US" altLang="zh-CN" sz="2400" dirty="0"/>
               <a:t>(1) Overload the addition operator (+) to add two Complex numbers. </a:t>
             </a:r>
+            <a:endParaRPr lang="en-US" altLang="zh-CN" sz="2400" dirty="0"/>
           </a:p>
           <a:p>
             <a:pPr marL="0" indent="0">
@@ -14371,6 +13981,7 @@
               <a:rPr lang="en-US" altLang="zh-CN" sz="2400" dirty="0"/>
               <a:t>(2) Overload the subtraction operator (-) to subtract two Complex numbers. </a:t>
             </a:r>
+            <a:endParaRPr lang="en-US" altLang="zh-CN" sz="2400" dirty="0"/>
           </a:p>
           <a:p>
             <a:pPr marL="0" indent="0">
@@ -14386,6 +13997,7 @@
               <a:rPr lang="en-US" altLang="zh-CN" sz="2400" dirty="0"/>
               <a:t>(3) Overload the assignment operator to assign one Complex to another. </a:t>
             </a:r>
+            <a:endParaRPr lang="en-US" altLang="zh-CN" sz="2400" dirty="0"/>
           </a:p>
           <a:p>
             <a:pPr marL="0" indent="0">
@@ -14449,6 +14061,7 @@
               <a:rPr lang="en-US" altLang="zh-CN"/>
               <a:t>Exercise:</a:t>
             </a:r>
+            <a:endParaRPr lang="en-US" altLang="zh-CN"/>
           </a:p>
         </p:txBody>
       </p:sp>
@@ -14478,6 +14091,7 @@
               <a:rPr lang="en-US" altLang="zh-CN" sz="2400" dirty="0"/>
               <a:t>(5)Overload the == and != operators to allow comparisons of complex numbers. </a:t>
             </a:r>
+            <a:endParaRPr lang="en-US" altLang="zh-CN" sz="2400" dirty="0"/>
           </a:p>
           <a:p>
             <a:r>
@@ -14506,13 +14120,7 @@
       </p:sp>
       <p:sp>
         <p:nvSpPr>
-          <p:cNvPr id="4" name="文本框 3">
-            <a:extLst>
-              <a:ext uri="{FF2B5EF4-FFF2-40B4-BE49-F238E27FC236}">
-                <a16:creationId xmlns:a16="http://schemas.microsoft.com/office/drawing/2014/main" id="{DD011873-CBD5-4C41-9A95-DBD49472B870}"/>
-              </a:ext>
-            </a:extLst>
-          </p:cNvPr>
+          <p:cNvPr id="4" name="文本框 3"/>
           <p:cNvSpPr txBox="1"/>
           <p:nvPr/>
         </p:nvSpPr>
@@ -14541,11 +14149,6 @@
         </p:txBody>
       </p:sp>
     </p:spTree>
-    <p:extLst>
-      <p:ext uri="{BB962C8B-B14F-4D97-AF65-F5344CB8AC3E}">
-        <p14:creationId xmlns:p14="http://schemas.microsoft.com/office/powerpoint/2010/main" val="791053166"/>
-      </p:ext>
-    </p:extLst>
   </p:cSld>
   <p:clrMapOvr>
     <a:masterClrMapping/>
@@ -14627,11 +14230,11 @@
           <a:lstStyle/>
           <a:p>
             <a:r>
-              <a:rPr lang="en-US" altLang="zh-CN" sz="2178" dirty="0"/>
+              <a:rPr lang="en-US" altLang="zh-CN" sz="2180" dirty="0"/>
               <a:t>To overload an operator, use a special function form called an </a:t>
             </a:r>
             <a:r>
-              <a:rPr lang="en-US" altLang="zh-CN" sz="2178" b="1" dirty="0">
+              <a:rPr lang="en-US" altLang="zh-CN" sz="2180" b="1" dirty="0">
                 <a:solidFill>
                   <a:srgbClr val="00B0F0"/>
                 </a:solidFill>
@@ -14639,10 +14242,10 @@
               <a:t>operator function</a:t>
             </a:r>
             <a:r>
-              <a:rPr lang="en-US" altLang="zh-CN" sz="2178" dirty="0"/>
+              <a:rPr lang="en-US" altLang="zh-CN" sz="2180" dirty="0"/>
               <a:t>. </a:t>
             </a:r>
-            <a:endParaRPr lang="zh-CN" altLang="en-US" sz="2178" dirty="0"/>
+            <a:endParaRPr lang="zh-CN" altLang="en-US" sz="2180" dirty="0"/>
           </a:p>
         </p:txBody>
       </p:sp>
@@ -14669,10 +14272,10 @@
           <a:lstStyle/>
           <a:p>
             <a:r>
-              <a:rPr lang="en-US" altLang="zh-CN" sz="2541" b="1" dirty="0"/>
+              <a:rPr lang="en-US" altLang="zh-CN" sz="2540" b="1" dirty="0"/>
               <a:t>return type operator op(argument-list)</a:t>
             </a:r>
-            <a:endParaRPr lang="zh-CN" altLang="en-US" sz="2541" b="1" dirty="0"/>
+            <a:endParaRPr lang="zh-CN" altLang="en-US" sz="2540" b="1" dirty="0"/>
           </a:p>
         </p:txBody>
       </p:sp>
@@ -14732,7 +14335,7 @@
             <a:lstStyle/>
             <a:p>
               <a:pPr algn="ctr"/>
-              <a:endParaRPr lang="zh-CN" altLang="en-US" sz="1634"/>
+              <a:endParaRPr lang="zh-CN" altLang="en-US" sz="1635"/>
             </a:p>
           </p:txBody>
         </p:sp>
@@ -14798,29 +14401,21 @@
           <a:lstStyle/>
           <a:p>
             <a:r>
-              <a:rPr lang="en-US" altLang="zh-CN" sz="2178" b="1" dirty="0"/>
+              <a:rPr lang="en-US" altLang="zh-CN" sz="2180" b="1" dirty="0"/>
               <a:t>op</a:t>
             </a:r>
             <a:r>
-              <a:rPr lang="en-US" altLang="zh-CN" sz="2178" dirty="0"/>
+              <a:rPr lang="en-US" altLang="zh-CN" sz="2180" dirty="0"/>
               <a:t> is the symbol for the operator being overloaded</a:t>
             </a:r>
-            <a:endParaRPr lang="zh-CN" altLang="en-US" sz="2178" dirty="0"/>
+            <a:endParaRPr lang="zh-CN" altLang="en-US" sz="2180" dirty="0"/>
           </a:p>
         </p:txBody>
       </p:sp>
       <p:sp>
         <p:nvSpPr>
-          <p:cNvPr id="11" name="Title 1">
-            <a:extLst>
-              <a:ext uri="{FF2B5EF4-FFF2-40B4-BE49-F238E27FC236}">
-                <a16:creationId xmlns:a16="http://schemas.microsoft.com/office/drawing/2014/main" id="{95E3D509-453A-4B8F-83E0-D9D788E74A30}"/>
-              </a:ext>
-            </a:extLst>
-          </p:cNvPr>
-          <p:cNvSpPr txBox="1">
-            <a:spLocks/>
-          </p:cNvSpPr>
+          <p:cNvPr id="11" name="Title 1"/>
+          <p:cNvSpPr txBox="1"/>
           <p:nvPr/>
         </p:nvSpPr>
         <p:spPr>
@@ -14866,13 +14461,7 @@
       </p:sp>
       <p:sp>
         <p:nvSpPr>
-          <p:cNvPr id="12" name="TextBox 1">
-            <a:extLst>
-              <a:ext uri="{FF2B5EF4-FFF2-40B4-BE49-F238E27FC236}">
-                <a16:creationId xmlns:a16="http://schemas.microsoft.com/office/drawing/2014/main" id="{12AF08EA-01C5-4932-8E7C-B3696CACBEDE}"/>
-              </a:ext>
-            </a:extLst>
-          </p:cNvPr>
+          <p:cNvPr id="12" name="TextBox 1"/>
           <p:cNvSpPr txBox="1"/>
           <p:nvPr/>
         </p:nvSpPr>
@@ -14918,13 +14507,7 @@
       </p:sp>
       <p:sp>
         <p:nvSpPr>
-          <p:cNvPr id="13" name="TextBox 5">
-            <a:extLst>
-              <a:ext uri="{FF2B5EF4-FFF2-40B4-BE49-F238E27FC236}">
-                <a16:creationId xmlns:a16="http://schemas.microsoft.com/office/drawing/2014/main" id="{B0335192-A590-477A-A4DC-C94A1B2A3746}"/>
-              </a:ext>
-            </a:extLst>
-          </p:cNvPr>
+          <p:cNvPr id="13" name="TextBox 5"/>
           <p:cNvSpPr txBox="1"/>
           <p:nvPr/>
         </p:nvSpPr>
@@ -14969,11 +14552,6 @@
         </p:txBody>
       </p:sp>
     </p:spTree>
-    <p:extLst>
-      <p:ext uri="{BB962C8B-B14F-4D97-AF65-F5344CB8AC3E}">
-        <p14:creationId xmlns:p14="http://schemas.microsoft.com/office/powerpoint/2010/main" val="2783300923"/>
-      </p:ext>
-    </p:extLst>
   </p:cSld>
   <p:clrMapOvr>
     <a:masterClrMapping/>
@@ -15307,13 +14885,7 @@
       </p:grpSpPr>
       <p:grpSp>
         <p:nvGrpSpPr>
-          <p:cNvPr id="4096" name="组合 4095">
-            <a:extLst>
-              <a:ext uri="{FF2B5EF4-FFF2-40B4-BE49-F238E27FC236}">
-                <a16:creationId xmlns:a16="http://schemas.microsoft.com/office/drawing/2014/main" id="{D4F52AD1-9A1D-4894-9FC5-685945B4E775}"/>
-              </a:ext>
-            </a:extLst>
-          </p:cNvPr>
+          <p:cNvPr id="4096" name="组合 4095"/>
           <p:cNvGrpSpPr/>
           <p:nvPr/>
         </p:nvGrpSpPr>
@@ -15327,20 +14899,14 @@
         </p:grpSpPr>
         <p:pic>
           <p:nvPicPr>
-            <p:cNvPr id="22" name="图片 21">
-              <a:extLst>
-                <a:ext uri="{FF2B5EF4-FFF2-40B4-BE49-F238E27FC236}">
-                  <a16:creationId xmlns:a16="http://schemas.microsoft.com/office/drawing/2014/main" id="{2871F11D-A8D5-43E6-9386-A416E6300BA9}"/>
-                </a:ext>
-              </a:extLst>
-            </p:cNvPr>
+            <p:cNvPr id="22" name="图片 21"/>
             <p:cNvPicPr>
               <a:picLocks noChangeAspect="1"/>
             </p:cNvPicPr>
             <p:nvPr/>
           </p:nvPicPr>
           <p:blipFill>
-            <a:blip r:embed="rId3"/>
+            <a:blip r:embed="rId1"/>
             <a:stretch>
               <a:fillRect/>
             </a:stretch>
@@ -15357,20 +14923,14 @@
         </p:pic>
         <p:pic>
           <p:nvPicPr>
-            <p:cNvPr id="31" name="图片 30">
-              <a:extLst>
-                <a:ext uri="{FF2B5EF4-FFF2-40B4-BE49-F238E27FC236}">
-                  <a16:creationId xmlns:a16="http://schemas.microsoft.com/office/drawing/2014/main" id="{B61207CD-E712-4723-950B-C9D822953A08}"/>
-                </a:ext>
-              </a:extLst>
-            </p:cNvPr>
+            <p:cNvPr id="31" name="图片 30"/>
             <p:cNvPicPr>
               <a:picLocks noChangeAspect="1"/>
             </p:cNvPicPr>
             <p:nvPr/>
           </p:nvPicPr>
           <p:blipFill>
-            <a:blip r:embed="rId4"/>
+            <a:blip r:embed="rId2"/>
             <a:stretch>
               <a:fillRect/>
             </a:stretch>
@@ -15434,6 +14994,11 @@
               </a:rPr>
               <a:t>Operator overloading  works as function</a:t>
             </a:r>
+            <a:endParaRPr lang="en-US" altLang="zh-CN" dirty="0">
+              <a:solidFill>
+                <a:prstClr val="white"/>
+              </a:solidFill>
+            </a:endParaRPr>
           </a:p>
           <a:p>
             <a:pPr algn="ctr"/>
@@ -15455,20 +15020,14 @@
       </p:sp>
       <p:pic>
         <p:nvPicPr>
-          <p:cNvPr id="20" name="图片 19">
-            <a:extLst>
-              <a:ext uri="{FF2B5EF4-FFF2-40B4-BE49-F238E27FC236}">
-                <a16:creationId xmlns:a16="http://schemas.microsoft.com/office/drawing/2014/main" id="{4007484A-370B-4703-98B5-50515FD5BB09}"/>
-              </a:ext>
-            </a:extLst>
-          </p:cNvPr>
+          <p:cNvPr id="20" name="图片 19"/>
           <p:cNvPicPr>
             <a:picLocks noChangeAspect="1"/>
           </p:cNvPicPr>
           <p:nvPr/>
         </p:nvPicPr>
         <p:blipFill>
-          <a:blip r:embed="rId5"/>
+          <a:blip r:embed="rId3"/>
           <a:stretch>
             <a:fillRect/>
           </a:stretch>
@@ -15539,16 +15098,14 @@
             <a:lstStyle/>
             <a:p>
               <a:pPr algn="ctr"/>
-              <a:endParaRPr lang="zh-CN" altLang="en-US" sz="1634" dirty="0"/>
+              <a:endParaRPr lang="zh-CN" altLang="en-US" sz="1635" dirty="0"/>
             </a:p>
           </p:txBody>
         </p:sp>
         <p:cxnSp>
           <p:nvCxnSpPr>
             <p:cNvPr id="11" name="曲线连接符 10"/>
-            <p:cNvCxnSpPr>
-              <a:cxnSpLocks/>
-            </p:cNvCxnSpPr>
+            <p:cNvCxnSpPr/>
             <p:nvPr/>
           </p:nvCxnSpPr>
           <p:spPr>
@@ -15584,13 +15141,7 @@
       </p:grpSp>
       <p:sp>
         <p:nvSpPr>
-          <p:cNvPr id="19" name="圆角矩形标注 4">
-            <a:extLst>
-              <a:ext uri="{FF2B5EF4-FFF2-40B4-BE49-F238E27FC236}">
-                <a16:creationId xmlns:a16="http://schemas.microsoft.com/office/drawing/2014/main" id="{686C5560-D971-410B-9CF8-A3C4CE9767FD}"/>
-              </a:ext>
-            </a:extLst>
-          </p:cNvPr>
+          <p:cNvPr id="19" name="圆角矩形标注 4"/>
           <p:cNvSpPr/>
           <p:nvPr/>
         </p:nvSpPr>
@@ -15646,20 +15197,14 @@
       </p:sp>
       <p:pic>
         <p:nvPicPr>
-          <p:cNvPr id="24" name="图片 23">
-            <a:extLst>
-              <a:ext uri="{FF2B5EF4-FFF2-40B4-BE49-F238E27FC236}">
-                <a16:creationId xmlns:a16="http://schemas.microsoft.com/office/drawing/2014/main" id="{87D66019-EA2D-4563-9389-E7B08D891636}"/>
-              </a:ext>
-            </a:extLst>
-          </p:cNvPr>
+          <p:cNvPr id="24" name="图片 23"/>
           <p:cNvPicPr>
             <a:picLocks noChangeAspect="1"/>
           </p:cNvPicPr>
           <p:nvPr/>
         </p:nvPicPr>
         <p:blipFill>
-          <a:blip r:embed="rId6"/>
+          <a:blip r:embed="rId4"/>
           <a:stretch>
             <a:fillRect/>
           </a:stretch>
@@ -15681,13 +15226,7 @@
       </p:pic>
       <p:grpSp>
         <p:nvGrpSpPr>
-          <p:cNvPr id="26" name="组合 25">
-            <a:extLst>
-              <a:ext uri="{FF2B5EF4-FFF2-40B4-BE49-F238E27FC236}">
-                <a16:creationId xmlns:a16="http://schemas.microsoft.com/office/drawing/2014/main" id="{CFDE2A50-7BB5-48DF-AF6D-6610CFF95B0E}"/>
-              </a:ext>
-            </a:extLst>
-          </p:cNvPr>
+          <p:cNvPr id="26" name="组合 25"/>
           <p:cNvGrpSpPr/>
           <p:nvPr/>
         </p:nvGrpSpPr>
@@ -15701,13 +15240,7 @@
         </p:grpSpPr>
         <p:sp>
           <p:nvSpPr>
-            <p:cNvPr id="27" name="矩形 26">
-              <a:extLst>
-                <a:ext uri="{FF2B5EF4-FFF2-40B4-BE49-F238E27FC236}">
-                  <a16:creationId xmlns:a16="http://schemas.microsoft.com/office/drawing/2014/main" id="{A0254AFC-5ECD-4D51-A2DD-45BE682E730D}"/>
-                </a:ext>
-              </a:extLst>
-            </p:cNvPr>
+            <p:cNvPr id="27" name="矩形 26"/>
             <p:cNvSpPr/>
             <p:nvPr/>
           </p:nvSpPr>
@@ -15747,7 +15280,7 @@
             <a:lstStyle/>
             <a:p>
               <a:pPr algn="ctr"/>
-              <a:endParaRPr lang="zh-CN" altLang="en-US" sz="1634">
+              <a:endParaRPr lang="zh-CN" altLang="en-US" sz="1635">
                 <a:solidFill>
                   <a:prstClr val="white"/>
                 </a:solidFill>
@@ -15757,13 +15290,7 @@
         </p:sp>
         <p:sp>
           <p:nvSpPr>
-            <p:cNvPr id="28" name="椭圆 27">
-              <a:extLst>
-                <a:ext uri="{FF2B5EF4-FFF2-40B4-BE49-F238E27FC236}">
-                  <a16:creationId xmlns:a16="http://schemas.microsoft.com/office/drawing/2014/main" id="{F8F02FA4-40BC-4015-A403-EAA12F20C989}"/>
-                </a:ext>
-              </a:extLst>
-            </p:cNvPr>
+            <p:cNvPr id="28" name="椭圆 27"/>
             <p:cNvSpPr/>
             <p:nvPr/>
           </p:nvSpPr>
@@ -15803,19 +15330,13 @@
             <a:lstStyle/>
             <a:p>
               <a:pPr algn="ctr"/>
-              <a:endParaRPr lang="zh-CN" altLang="en-US" sz="1634"/>
+              <a:endParaRPr lang="zh-CN" altLang="en-US" sz="1635"/>
             </a:p>
           </p:txBody>
         </p:sp>
         <p:sp>
           <p:nvSpPr>
-            <p:cNvPr id="29" name="矩形 28">
-              <a:extLst>
-                <a:ext uri="{FF2B5EF4-FFF2-40B4-BE49-F238E27FC236}">
-                  <a16:creationId xmlns:a16="http://schemas.microsoft.com/office/drawing/2014/main" id="{CEAEC395-028E-4913-90B8-E7842D987235}"/>
-                </a:ext>
-              </a:extLst>
-            </p:cNvPr>
+            <p:cNvPr id="29" name="矩形 28"/>
             <p:cNvSpPr/>
             <p:nvPr/>
           </p:nvSpPr>
@@ -15855,7 +15376,7 @@
             <a:lstStyle/>
             <a:p>
               <a:pPr algn="ctr"/>
-              <a:endParaRPr lang="zh-CN" altLang="en-US" sz="1634">
+              <a:endParaRPr lang="zh-CN" altLang="en-US" sz="1635">
                 <a:solidFill>
                   <a:prstClr val="white"/>
                 </a:solidFill>
@@ -15866,13 +15387,7 @@
       </p:grpSp>
       <p:sp>
         <p:nvSpPr>
-          <p:cNvPr id="30" name="圆角矩形标注 4">
-            <a:extLst>
-              <a:ext uri="{FF2B5EF4-FFF2-40B4-BE49-F238E27FC236}">
-                <a16:creationId xmlns:a16="http://schemas.microsoft.com/office/drawing/2014/main" id="{6D2F1F7A-B1D7-4062-9080-D4214A4DD5D4}"/>
-              </a:ext>
-            </a:extLst>
-          </p:cNvPr>
+          <p:cNvPr id="30" name="圆角矩形标注 4"/>
           <p:cNvSpPr/>
           <p:nvPr/>
         </p:nvSpPr>
@@ -15927,11 +15442,6 @@
         </p:txBody>
       </p:sp>
     </p:spTree>
-    <p:extLst>
-      <p:ext uri="{BB962C8B-B14F-4D97-AF65-F5344CB8AC3E}">
-        <p14:creationId xmlns:p14="http://schemas.microsoft.com/office/powerpoint/2010/main" val="3532664303"/>
-      </p:ext>
-    </p:extLst>
   </p:cSld>
   <p:clrMapOvr>
     <a:masterClrMapping/>
@@ -16353,20 +15863,14 @@
       </p:grpSpPr>
       <p:pic>
         <p:nvPicPr>
-          <p:cNvPr id="6" name="图片 5">
-            <a:extLst>
-              <a:ext uri="{FF2B5EF4-FFF2-40B4-BE49-F238E27FC236}">
-                <a16:creationId xmlns:a16="http://schemas.microsoft.com/office/drawing/2014/main" id="{3F3A1826-F285-45B7-A71C-F72C238981F0}"/>
-              </a:ext>
-            </a:extLst>
-          </p:cNvPr>
+          <p:cNvPr id="6" name="图片 5"/>
           <p:cNvPicPr>
             <a:picLocks noChangeAspect="1"/>
           </p:cNvPicPr>
           <p:nvPr/>
         </p:nvPicPr>
         <p:blipFill>
-          <a:blip r:embed="rId2"/>
+          <a:blip r:embed="rId1"/>
           <a:stretch>
             <a:fillRect/>
           </a:stretch>
@@ -16388,13 +15892,7 @@
       </p:pic>
       <p:sp>
         <p:nvSpPr>
-          <p:cNvPr id="7" name="文本框 6">
-            <a:extLst>
-              <a:ext uri="{FF2B5EF4-FFF2-40B4-BE49-F238E27FC236}">
-                <a16:creationId xmlns:a16="http://schemas.microsoft.com/office/drawing/2014/main" id="{5736344F-6B19-4487-8576-6D3EE2334E90}"/>
-              </a:ext>
-            </a:extLst>
-          </p:cNvPr>
+          <p:cNvPr id="7" name="文本框 6"/>
           <p:cNvSpPr txBox="1"/>
           <p:nvPr/>
         </p:nvSpPr>
@@ -16436,13 +15934,7 @@
       </p:sp>
       <p:grpSp>
         <p:nvGrpSpPr>
-          <p:cNvPr id="15" name="组合 14">
-            <a:extLst>
-              <a:ext uri="{FF2B5EF4-FFF2-40B4-BE49-F238E27FC236}">
-                <a16:creationId xmlns:a16="http://schemas.microsoft.com/office/drawing/2014/main" id="{7084A065-C9BD-4A1C-A771-66CA9E3F034B}"/>
-              </a:ext>
-            </a:extLst>
-          </p:cNvPr>
+          <p:cNvPr id="15" name="组合 14"/>
           <p:cNvGrpSpPr/>
           <p:nvPr/>
         </p:nvGrpSpPr>
@@ -16510,7 +16002,7 @@
               <a:lstStyle/>
               <a:p>
                 <a:pPr algn="ctr"/>
-                <a:endParaRPr lang="zh-CN" altLang="en-US" sz="1634">
+                <a:endParaRPr lang="zh-CN" altLang="en-US" sz="1635">
                   <a:solidFill>
                     <a:prstClr val="white"/>
                   </a:solidFill>
@@ -16577,13 +16069,7 @@
         </p:grpSp>
         <p:cxnSp>
           <p:nvCxnSpPr>
-            <p:cNvPr id="14" name="连接符: 曲线 13">
-              <a:extLst>
-                <a:ext uri="{FF2B5EF4-FFF2-40B4-BE49-F238E27FC236}">
-                  <a16:creationId xmlns:a16="http://schemas.microsoft.com/office/drawing/2014/main" id="{611B363E-C602-4658-A258-19BD6AD34F5B}"/>
-                </a:ext>
-              </a:extLst>
-            </p:cNvPr>
+            <p:cNvPr id="14" name="连接符: 曲线 13"/>
             <p:cNvCxnSpPr>
               <a:endCxn id="7" idx="1"/>
             </p:cNvCxnSpPr>
@@ -16622,13 +16108,7 @@
       </p:grpSp>
       <p:sp>
         <p:nvSpPr>
-          <p:cNvPr id="17" name="圆角矩形标注 4">
-            <a:extLst>
-              <a:ext uri="{FF2B5EF4-FFF2-40B4-BE49-F238E27FC236}">
-                <a16:creationId xmlns:a16="http://schemas.microsoft.com/office/drawing/2014/main" id="{1F25A16F-CEE5-4605-8B6C-792BE17DC88B}"/>
-              </a:ext>
-            </a:extLst>
-          </p:cNvPr>
+          <p:cNvPr id="17" name="圆角矩形标注 4"/>
           <p:cNvSpPr/>
           <p:nvPr/>
         </p:nvSpPr>
@@ -16698,11 +16178,6 @@
         </p:txBody>
       </p:sp>
     </p:spTree>
-    <p:extLst>
-      <p:ext uri="{BB962C8B-B14F-4D97-AF65-F5344CB8AC3E}">
-        <p14:creationId xmlns:p14="http://schemas.microsoft.com/office/powerpoint/2010/main" val="4194851980"/>
-      </p:ext>
-    </p:extLst>
   </p:cSld>
   <p:clrMapOvr>
     <a:masterClrMapping/>
@@ -16918,9 +16393,9 @@
           </a:bodyPr>
           <a:lstStyle/>
           <a:p>
-            <a:pPr marL="129032" lvl="1" indent="0">
+            <a:pPr marL="128905" lvl="1" indent="0">
               <a:spcBef>
-                <a:spcPts val="1413"/>
+                <a:spcPts val="1415"/>
               </a:spcBef>
               <a:buSzPct val="68000"/>
               <a:buNone/>
@@ -16940,9 +16415,9 @@
             <a:endParaRPr lang="en-US" dirty="0"/>
           </a:p>
           <a:p>
-            <a:pPr marL="129032" lvl="1" indent="0">
+            <a:pPr marL="128905" lvl="1" indent="0">
               <a:spcBef>
-                <a:spcPts val="1413"/>
+                <a:spcPts val="1415"/>
               </a:spcBef>
               <a:buSzPct val="68000"/>
               <a:buNone/>
@@ -16951,15 +16426,14 @@
               <a:rPr lang="en-US" dirty="0"/>
               <a:t>  </a:t>
             </a:r>
+            <a:endParaRPr lang="en-US" dirty="0"/>
           </a:p>
         </p:txBody>
       </p:sp>
       <p:sp>
         <p:nvSpPr>
           <p:cNvPr id="7" name="Content Placeholder 2"/>
-          <p:cNvSpPr txBox="1">
-            <a:spLocks/>
-          </p:cNvSpPr>
+          <p:cNvSpPr txBox="1"/>
           <p:nvPr/>
         </p:nvSpPr>
         <p:spPr bwMode="auto">
@@ -16974,20 +16448,14 @@
           <a:ln w="9525">
             <a:noFill/>
             <a:miter lim="800000"/>
-            <a:headEnd/>
-            <a:tailEnd/>
           </a:ln>
         </p:spPr>
         <p:txBody>
-          <a:bodyPr vert="horz" wrap="square" lIns="107710" tIns="53855" rIns="107710" bIns="53855" numCol="1" anchor="t" anchorCtr="0" compatLnSpc="1">
-            <a:prstTxWarp prst="textNoShape">
-              <a:avLst/>
-            </a:prstTxWarp>
-          </a:bodyPr>
+          <a:bodyPr vert="horz" wrap="square" lIns="107710" tIns="53855" rIns="107710" bIns="53855" numCol="1" anchor="t" anchorCtr="0" compatLnSpc="1"/>
           <a:lstStyle>
-            <a:lvl1pPr marL="473896" indent="-331728" algn="l" rtl="0" eaLnBrk="0" fontAlgn="base" hangingPunct="0">
+            <a:lvl1pPr marL="473710" indent="-331470" algn="l" rtl="0" eaLnBrk="0" fontAlgn="base" hangingPunct="0">
               <a:spcBef>
-                <a:spcPts val="519"/>
+                <a:spcPts val="520"/>
               </a:spcBef>
               <a:spcAft>
                 <a:spcPct val="0"/>
@@ -16996,7 +16464,7 @@
                 <a:schemeClr val="accent1"/>
               </a:buClr>
               <a:buSzPct val="68000"/>
-              <a:buFont typeface="Wingdings 3" pitchFamily="18" charset="2"/>
+              <a:buFont typeface="Wingdings 3" panose="05040102010807070707" pitchFamily="18" charset="2"/>
               <a:buChar char=""/>
               <a:defRPr sz="3500" kern="1200">
                 <a:solidFill>
@@ -17007,9 +16475,9 @@
                 <a:cs typeface="+mn-cs"/>
               </a:defRPr>
             </a:lvl1pPr>
-            <a:lvl2pPr marL="805623" indent="-296700" algn="l" rtl="0" eaLnBrk="0" fontAlgn="base" hangingPunct="0">
+            <a:lvl2pPr marL="805815" indent="-296545" algn="l" rtl="0" eaLnBrk="0" fontAlgn="base" hangingPunct="0">
               <a:spcBef>
-                <a:spcPts val="422"/>
+                <a:spcPts val="420"/>
               </a:spcBef>
               <a:spcAft>
                 <a:spcPct val="0"/>
@@ -17017,7 +16485,7 @@
               <a:buClr>
                 <a:schemeClr val="accent1"/>
               </a:buClr>
-              <a:buFont typeface="Wingdings" pitchFamily="2" charset="2"/>
+              <a:buFont typeface="Wingdings" panose="05000000000000000000" pitchFamily="2" charset="2"/>
               <a:buChar char="§"/>
               <a:defRPr sz="3000" kern="1200">
                 <a:solidFill>
@@ -17028,9 +16496,9 @@
                 <a:cs typeface="+mn-cs"/>
               </a:defRPr>
             </a:lvl2pPr>
-            <a:lvl3pPr marL="1114686" indent="-296700" algn="l" rtl="0" eaLnBrk="0" fontAlgn="base" hangingPunct="0">
+            <a:lvl3pPr marL="1114425" indent="-296545" algn="l" rtl="0" eaLnBrk="0" fontAlgn="base" hangingPunct="0">
               <a:spcBef>
-                <a:spcPts val="454"/>
+                <a:spcPts val="455"/>
               </a:spcBef>
               <a:spcAft>
                 <a:spcPct val="0"/>
@@ -17039,7 +16507,7 @@
                 <a:schemeClr val="accent2"/>
               </a:buClr>
               <a:buSzPct val="100000"/>
-              <a:buFont typeface="Wingdings 2" pitchFamily="18" charset="2"/>
+              <a:buFont typeface="Wingdings 2" panose="05020102010507070707" pitchFamily="18" charset="2"/>
               <a:buChar char=""/>
               <a:defRPr sz="2700" kern="1200">
                 <a:solidFill>
@@ -17050,9 +16518,9 @@
                 <a:cs typeface="+mn-cs"/>
               </a:defRPr>
             </a:lvl3pPr>
-            <a:lvl4pPr marL="1483500" indent="-296700" algn="l" rtl="0" eaLnBrk="0" fontAlgn="base" hangingPunct="0">
+            <a:lvl4pPr marL="1483360" indent="-296545" algn="l" rtl="0" eaLnBrk="0" fontAlgn="base" hangingPunct="0">
               <a:spcBef>
-                <a:spcPts val="454"/>
+                <a:spcPts val="455"/>
               </a:spcBef>
               <a:spcAft>
                 <a:spcPct val="0"/>
@@ -17069,9 +16537,9 @@
                 <a:cs typeface="+mn-cs"/>
               </a:defRPr>
             </a:lvl4pPr>
-            <a:lvl5pPr marL="1483500" indent="-296700" algn="l" rtl="0" eaLnBrk="0" fontAlgn="base" hangingPunct="0">
+            <a:lvl5pPr marL="1483360" indent="-296545" algn="l" rtl="0" eaLnBrk="0" fontAlgn="base" hangingPunct="0">
               <a:spcBef>
-                <a:spcPts val="454"/>
+                <a:spcPts val="455"/>
               </a:spcBef>
               <a:spcAft>
                 <a:spcPct val="0"/>
@@ -17088,14 +16556,14 @@
                 <a:cs typeface="+mn-cs"/>
               </a:defRPr>
             </a:lvl5pPr>
-            <a:lvl6pPr marL="2076900" indent="-296700" algn="l" rtl="0" eaLnBrk="1" latinLnBrk="0" hangingPunct="1">
+            <a:lvl6pPr marL="2077085" indent="-296545" algn="l" rtl="0" eaLnBrk="1" latinLnBrk="0" hangingPunct="1">
               <a:spcBef>
-                <a:spcPts val="454"/>
+                <a:spcPts val="455"/>
               </a:spcBef>
               <a:buClr>
                 <a:schemeClr val="accent3"/>
               </a:buClr>
-              <a:buFont typeface="Wingdings 2"/>
+              <a:buFont typeface="Wingdings 2" panose="05020102010507070707"/>
               <a:buChar char=""/>
               <a:defRPr kumimoji="0" sz="2300" kern="1200">
                 <a:solidFill>
@@ -17106,14 +16574,14 @@
                 <a:cs typeface="+mn-cs"/>
               </a:defRPr>
             </a:lvl6pPr>
-            <a:lvl7pPr marL="2373600" indent="-296700" algn="l" rtl="0" eaLnBrk="1" latinLnBrk="0" hangingPunct="1">
+            <a:lvl7pPr marL="2373630" indent="-296545" algn="l" rtl="0" eaLnBrk="1" latinLnBrk="0" hangingPunct="1">
               <a:spcBef>
-                <a:spcPts val="454"/>
+                <a:spcPts val="455"/>
               </a:spcBef>
               <a:buClr>
                 <a:schemeClr val="accent3"/>
               </a:buClr>
-              <a:buFont typeface="Wingdings 2"/>
+              <a:buFont typeface="Wingdings 2" panose="05020102010507070707"/>
               <a:buChar char=""/>
               <a:defRPr kumimoji="0" sz="2100" kern="1200">
                 <a:solidFill>
@@ -17124,14 +16592,14 @@
                 <a:cs typeface="+mn-cs"/>
               </a:defRPr>
             </a:lvl7pPr>
-            <a:lvl8pPr marL="2670299" indent="-296700" algn="l" rtl="0" eaLnBrk="1" latinLnBrk="0" hangingPunct="1">
+            <a:lvl8pPr marL="2670175" indent="-296545" algn="l" rtl="0" eaLnBrk="1" latinLnBrk="0" hangingPunct="1">
               <a:spcBef>
-                <a:spcPts val="454"/>
+                <a:spcPts val="455"/>
               </a:spcBef>
               <a:buClr>
                 <a:schemeClr val="accent3"/>
               </a:buClr>
-              <a:buFont typeface="Wingdings 2"/>
+              <a:buFont typeface="Wingdings 2" panose="05020102010507070707"/>
               <a:buChar char=""/>
               <a:defRPr kumimoji="0" sz="2100" kern="1200">
                 <a:solidFill>
@@ -17142,14 +16610,14 @@
                 <a:cs typeface="+mn-cs"/>
               </a:defRPr>
             </a:lvl8pPr>
-            <a:lvl9pPr marL="2966999" indent="-296700" algn="l" rtl="0" eaLnBrk="1" latinLnBrk="0" hangingPunct="1">
+            <a:lvl9pPr marL="2966720" indent="-296545" algn="l" rtl="0" eaLnBrk="1" latinLnBrk="0" hangingPunct="1">
               <a:spcBef>
-                <a:spcPts val="454"/>
+                <a:spcPts val="455"/>
               </a:spcBef>
               <a:buClr>
                 <a:schemeClr val="accent3"/>
               </a:buClr>
-              <a:buFont typeface="Wingdings 2"/>
+              <a:buFont typeface="Wingdings 2" panose="05020102010507070707"/>
               <a:buChar char=""/>
               <a:defRPr kumimoji="0" sz="2100" kern="1200" baseline="0">
                 <a:solidFill>
@@ -17160,12 +16628,11 @@
                 <a:cs typeface="+mn-cs"/>
               </a:defRPr>
             </a:lvl9pPr>
-            <a:extLst/>
           </a:lstStyle>
           <a:p>
-            <a:pPr marL="129032" lvl="1" indent="0">
+            <a:pPr marL="128905" lvl="1" indent="0">
               <a:spcBef>
-                <a:spcPts val="1413"/>
+                <a:spcPts val="1415"/>
               </a:spcBef>
               <a:buClr>
                 <a:srgbClr val="2DA2BF"/>
@@ -17174,7 +16641,7 @@
               <a:buNone/>
             </a:pPr>
             <a:r>
-              <a:rPr lang="en-US" altLang="zh-CN" sz="2541" dirty="0">
+              <a:rPr lang="en-US" altLang="zh-CN" sz="2540" dirty="0">
                 <a:solidFill>
                   <a:prstClr val="black"/>
                 </a:solidFill>
@@ -17182,7 +16649,7 @@
               <a:t>Case 1:    </a:t>
             </a:r>
             <a:r>
-              <a:rPr lang="en-US" altLang="zh-CN" sz="2541" dirty="0" err="1">
+              <a:rPr lang="en-US" altLang="zh-CN" sz="2540" dirty="0" err="1">
                 <a:solidFill>
                   <a:prstClr val="black"/>
                 </a:solidFill>
@@ -17190,7 +16657,7 @@
               <a:t>oneThird</a:t>
             </a:r>
             <a:r>
-              <a:rPr lang="en-US" altLang="zh-CN" sz="2541" dirty="0">
+              <a:rPr lang="en-US" altLang="zh-CN" sz="2540" dirty="0">
                 <a:solidFill>
                   <a:prstClr val="black"/>
                 </a:solidFill>
@@ -17198,7 +16665,7 @@
               <a:t> * </a:t>
             </a:r>
             <a:r>
-              <a:rPr lang="en-US" altLang="zh-CN" sz="2541" b="1" dirty="0">
+              <a:rPr lang="en-US" altLang="zh-CN" sz="2540" b="1" dirty="0">
                 <a:solidFill>
                   <a:prstClr val="black"/>
                 </a:solidFill>
@@ -17206,18 +16673,23 @@
               <a:t>2 </a:t>
             </a:r>
             <a:r>
-              <a:rPr lang="en-US" altLang="zh-CN" sz="2541" dirty="0">
+              <a:rPr lang="en-US" altLang="zh-CN" sz="2540" dirty="0">
                 <a:solidFill>
                   <a:prstClr val="black"/>
                 </a:solidFill>
               </a:rPr>
               <a:t> </a:t>
             </a:r>
-          </a:p>
-          <a:p>
-            <a:pPr marL="129032" lvl="1" indent="0">
+            <a:endParaRPr lang="en-US" altLang="zh-CN" sz="2540" dirty="0">
+              <a:solidFill>
+                <a:prstClr val="black"/>
+              </a:solidFill>
+            </a:endParaRPr>
+          </a:p>
+          <a:p>
+            <a:pPr marL="128905" lvl="1" indent="0">
               <a:spcBef>
-                <a:spcPts val="1413"/>
+                <a:spcPts val="1415"/>
               </a:spcBef>
               <a:buClr>
                 <a:srgbClr val="2DA2BF"/>
@@ -17226,7 +16698,7 @@
               <a:buNone/>
             </a:pPr>
             <a:r>
-              <a:rPr lang="en-US" altLang="zh-CN" sz="2541" dirty="0">
+              <a:rPr lang="en-US" altLang="zh-CN" sz="2540" dirty="0">
                 <a:solidFill>
                   <a:prstClr val="black"/>
                 </a:solidFill>
@@ -17234,7 +16706,7 @@
               <a:t>Case 2:    </a:t>
             </a:r>
             <a:r>
-              <a:rPr lang="en-US" altLang="zh-CN" sz="2541" b="1" dirty="0">
+              <a:rPr lang="en-US" altLang="zh-CN" sz="2540" b="1" dirty="0">
                 <a:solidFill>
                   <a:prstClr val="black"/>
                 </a:solidFill>
@@ -17242,7 +16714,7 @@
               <a:t>2</a:t>
             </a:r>
             <a:r>
-              <a:rPr lang="en-US" altLang="zh-CN" sz="2541" dirty="0">
+              <a:rPr lang="en-US" altLang="zh-CN" sz="2540" dirty="0">
                 <a:solidFill>
                   <a:prstClr val="black"/>
                 </a:solidFill>
@@ -17250,14 +16722,14 @@
               <a:t> * </a:t>
             </a:r>
             <a:r>
-              <a:rPr lang="en-US" altLang="zh-CN" sz="2541" dirty="0" err="1">
+              <a:rPr lang="en-US" altLang="zh-CN" sz="2540" dirty="0" err="1">
                 <a:solidFill>
                   <a:prstClr val="black"/>
                 </a:solidFill>
               </a:rPr>
               <a:t>oneThird</a:t>
             </a:r>
-            <a:endParaRPr lang="en-US" sz="2541" dirty="0">
+            <a:endParaRPr lang="en-US" sz="2540" dirty="0">
               <a:solidFill>
                 <a:prstClr val="black"/>
               </a:solidFill>
@@ -17268,9 +16740,7 @@
       <p:sp>
         <p:nvSpPr>
           <p:cNvPr id="8" name="Content Placeholder 2"/>
-          <p:cNvSpPr txBox="1">
-            <a:spLocks/>
-          </p:cNvSpPr>
+          <p:cNvSpPr txBox="1"/>
           <p:nvPr/>
         </p:nvSpPr>
         <p:spPr bwMode="auto">
@@ -17285,20 +16755,14 @@
           <a:ln w="9525">
             <a:noFill/>
             <a:miter lim="800000"/>
-            <a:headEnd/>
-            <a:tailEnd/>
           </a:ln>
         </p:spPr>
         <p:txBody>
-          <a:bodyPr vert="horz" wrap="square" lIns="107710" tIns="53855" rIns="107710" bIns="53855" numCol="1" anchor="t" anchorCtr="0" compatLnSpc="1">
-            <a:prstTxWarp prst="textNoShape">
-              <a:avLst/>
-            </a:prstTxWarp>
-          </a:bodyPr>
+          <a:bodyPr vert="horz" wrap="square" lIns="107710" tIns="53855" rIns="107710" bIns="53855" numCol="1" anchor="t" anchorCtr="0" compatLnSpc="1"/>
           <a:lstStyle>
-            <a:lvl1pPr marL="473896" indent="-331728" algn="l" rtl="0" eaLnBrk="0" fontAlgn="base" hangingPunct="0">
+            <a:lvl1pPr marL="473710" indent="-331470" algn="l" rtl="0" eaLnBrk="0" fontAlgn="base" hangingPunct="0">
               <a:spcBef>
-                <a:spcPts val="519"/>
+                <a:spcPts val="520"/>
               </a:spcBef>
               <a:spcAft>
                 <a:spcPct val="0"/>
@@ -17307,7 +16771,7 @@
                 <a:schemeClr val="accent1"/>
               </a:buClr>
               <a:buSzPct val="68000"/>
-              <a:buFont typeface="Wingdings 3" pitchFamily="18" charset="2"/>
+              <a:buFont typeface="Wingdings 3" panose="05040102010807070707" pitchFamily="18" charset="2"/>
               <a:buChar char=""/>
               <a:defRPr sz="3500" kern="1200">
                 <a:solidFill>
@@ -17318,9 +16782,9 @@
                 <a:cs typeface="+mn-cs"/>
               </a:defRPr>
             </a:lvl1pPr>
-            <a:lvl2pPr marL="805623" indent="-296700" algn="l" rtl="0" eaLnBrk="0" fontAlgn="base" hangingPunct="0">
+            <a:lvl2pPr marL="805815" indent="-296545" algn="l" rtl="0" eaLnBrk="0" fontAlgn="base" hangingPunct="0">
               <a:spcBef>
-                <a:spcPts val="422"/>
+                <a:spcPts val="420"/>
               </a:spcBef>
               <a:spcAft>
                 <a:spcPct val="0"/>
@@ -17328,7 +16792,7 @@
               <a:buClr>
                 <a:schemeClr val="accent1"/>
               </a:buClr>
-              <a:buFont typeface="Wingdings" pitchFamily="2" charset="2"/>
+              <a:buFont typeface="Wingdings" panose="05000000000000000000" pitchFamily="2" charset="2"/>
               <a:buChar char="§"/>
               <a:defRPr sz="3000" kern="1200">
                 <a:solidFill>
@@ -17339,9 +16803,9 @@
                 <a:cs typeface="+mn-cs"/>
               </a:defRPr>
             </a:lvl2pPr>
-            <a:lvl3pPr marL="1114686" indent="-296700" algn="l" rtl="0" eaLnBrk="0" fontAlgn="base" hangingPunct="0">
+            <a:lvl3pPr marL="1114425" indent="-296545" algn="l" rtl="0" eaLnBrk="0" fontAlgn="base" hangingPunct="0">
               <a:spcBef>
-                <a:spcPts val="454"/>
+                <a:spcPts val="455"/>
               </a:spcBef>
               <a:spcAft>
                 <a:spcPct val="0"/>
@@ -17350,7 +16814,7 @@
                 <a:schemeClr val="accent2"/>
               </a:buClr>
               <a:buSzPct val="100000"/>
-              <a:buFont typeface="Wingdings 2" pitchFamily="18" charset="2"/>
+              <a:buFont typeface="Wingdings 2" panose="05020102010507070707" pitchFamily="18" charset="2"/>
               <a:buChar char=""/>
               <a:defRPr sz="2700" kern="1200">
                 <a:solidFill>
@@ -17361,9 +16825,9 @@
                 <a:cs typeface="+mn-cs"/>
               </a:defRPr>
             </a:lvl3pPr>
-            <a:lvl4pPr marL="1483500" indent="-296700" algn="l" rtl="0" eaLnBrk="0" fontAlgn="base" hangingPunct="0">
+            <a:lvl4pPr marL="1483360" indent="-296545" algn="l" rtl="0" eaLnBrk="0" fontAlgn="base" hangingPunct="0">
               <a:spcBef>
-                <a:spcPts val="454"/>
+                <a:spcPts val="455"/>
               </a:spcBef>
               <a:spcAft>
                 <a:spcPct val="0"/>
@@ -17380,9 +16844,9 @@
                 <a:cs typeface="+mn-cs"/>
               </a:defRPr>
             </a:lvl4pPr>
-            <a:lvl5pPr marL="1483500" indent="-296700" algn="l" rtl="0" eaLnBrk="0" fontAlgn="base" hangingPunct="0">
+            <a:lvl5pPr marL="1483360" indent="-296545" algn="l" rtl="0" eaLnBrk="0" fontAlgn="base" hangingPunct="0">
               <a:spcBef>
-                <a:spcPts val="454"/>
+                <a:spcPts val="455"/>
               </a:spcBef>
               <a:spcAft>
                 <a:spcPct val="0"/>
@@ -17399,14 +16863,14 @@
                 <a:cs typeface="+mn-cs"/>
               </a:defRPr>
             </a:lvl5pPr>
-            <a:lvl6pPr marL="2076900" indent="-296700" algn="l" rtl="0" eaLnBrk="1" latinLnBrk="0" hangingPunct="1">
+            <a:lvl6pPr marL="2077085" indent="-296545" algn="l" rtl="0" eaLnBrk="1" latinLnBrk="0" hangingPunct="1">
               <a:spcBef>
-                <a:spcPts val="454"/>
+                <a:spcPts val="455"/>
               </a:spcBef>
               <a:buClr>
                 <a:schemeClr val="accent3"/>
               </a:buClr>
-              <a:buFont typeface="Wingdings 2"/>
+              <a:buFont typeface="Wingdings 2" panose="05020102010507070707"/>
               <a:buChar char=""/>
               <a:defRPr kumimoji="0" sz="2300" kern="1200">
                 <a:solidFill>
@@ -17417,14 +16881,14 @@
                 <a:cs typeface="+mn-cs"/>
               </a:defRPr>
             </a:lvl6pPr>
-            <a:lvl7pPr marL="2373600" indent="-296700" algn="l" rtl="0" eaLnBrk="1" latinLnBrk="0" hangingPunct="1">
+            <a:lvl7pPr marL="2373630" indent="-296545" algn="l" rtl="0" eaLnBrk="1" latinLnBrk="0" hangingPunct="1">
               <a:spcBef>
-                <a:spcPts val="454"/>
+                <a:spcPts val="455"/>
               </a:spcBef>
               <a:buClr>
                 <a:schemeClr val="accent3"/>
               </a:buClr>
-              <a:buFont typeface="Wingdings 2"/>
+              <a:buFont typeface="Wingdings 2" panose="05020102010507070707"/>
               <a:buChar char=""/>
               <a:defRPr kumimoji="0" sz="2100" kern="1200">
                 <a:solidFill>
@@ -17435,14 +16899,14 @@
                 <a:cs typeface="+mn-cs"/>
               </a:defRPr>
             </a:lvl7pPr>
-            <a:lvl8pPr marL="2670299" indent="-296700" algn="l" rtl="0" eaLnBrk="1" latinLnBrk="0" hangingPunct="1">
+            <a:lvl8pPr marL="2670175" indent="-296545" algn="l" rtl="0" eaLnBrk="1" latinLnBrk="0" hangingPunct="1">
               <a:spcBef>
-                <a:spcPts val="454"/>
+                <a:spcPts val="455"/>
               </a:spcBef>
               <a:buClr>
                 <a:schemeClr val="accent3"/>
               </a:buClr>
-              <a:buFont typeface="Wingdings 2"/>
+              <a:buFont typeface="Wingdings 2" panose="05020102010507070707"/>
               <a:buChar char=""/>
               <a:defRPr kumimoji="0" sz="2100" kern="1200">
                 <a:solidFill>
@@ -17453,14 +16917,14 @@
                 <a:cs typeface="+mn-cs"/>
               </a:defRPr>
             </a:lvl8pPr>
-            <a:lvl9pPr marL="2966999" indent="-296700" algn="l" rtl="0" eaLnBrk="1" latinLnBrk="0" hangingPunct="1">
+            <a:lvl9pPr marL="2966720" indent="-296545" algn="l" rtl="0" eaLnBrk="1" latinLnBrk="0" hangingPunct="1">
               <a:spcBef>
-                <a:spcPts val="454"/>
+                <a:spcPts val="455"/>
               </a:spcBef>
               <a:buClr>
                 <a:schemeClr val="accent3"/>
               </a:buClr>
-              <a:buFont typeface="Wingdings 2"/>
+              <a:buFont typeface="Wingdings 2" panose="05020102010507070707"/>
               <a:buChar char=""/>
               <a:defRPr kumimoji="0" sz="2100" kern="1200" baseline="0">
                 <a:solidFill>
@@ -17471,12 +16935,11 @@
                 <a:cs typeface="+mn-cs"/>
               </a:defRPr>
             </a:lvl9pPr>
-            <a:extLst/>
           </a:lstStyle>
           <a:p>
-            <a:pPr marL="129032" lvl="1" indent="0">
+            <a:pPr marL="128905" lvl="1" indent="0">
               <a:spcBef>
-                <a:spcPts val="1413"/>
+                <a:spcPts val="1415"/>
               </a:spcBef>
               <a:buClr>
                 <a:srgbClr val="2DA2BF"/>
@@ -17485,23 +16948,23 @@
               <a:buNone/>
             </a:pPr>
             <a:r>
-              <a:rPr lang="en-US" altLang="zh-CN" sz="2541" dirty="0">
+              <a:rPr lang="en-US" altLang="zh-CN" sz="2540" dirty="0">
                 <a:solidFill>
                   <a:prstClr val="black"/>
                 </a:solidFill>
               </a:rPr>
               <a:t>For the first case, we have two solutions. One is to define another overloading operator function whose parameter is an integer. Another is to use the constructor with one argument which acts as a conversion function.</a:t>
             </a:r>
-            <a:endParaRPr lang="en-US" sz="2541" dirty="0">
+            <a:endParaRPr lang="en-US" sz="2540" dirty="0">
               <a:solidFill>
                 <a:prstClr val="black"/>
               </a:solidFill>
             </a:endParaRPr>
           </a:p>
           <a:p>
-            <a:pPr marL="129032" lvl="1" indent="0">
+            <a:pPr marL="128905" lvl="1" indent="0">
               <a:spcBef>
-                <a:spcPts val="1413"/>
+                <a:spcPts val="1415"/>
               </a:spcBef>
               <a:buClr>
                 <a:srgbClr val="2DA2BF"/>
@@ -17510,28 +16973,25 @@
               <a:buNone/>
             </a:pPr>
             <a:r>
-              <a:rPr lang="en-US" sz="2541" dirty="0">
+              <a:rPr lang="en-US" sz="2540" dirty="0">
                 <a:solidFill>
                   <a:prstClr val="black"/>
                 </a:solidFill>
               </a:rPr>
               <a:t>  </a:t>
             </a:r>
+            <a:endParaRPr lang="en-US" sz="2540" dirty="0">
+              <a:solidFill>
+                <a:prstClr val="black"/>
+              </a:solidFill>
+            </a:endParaRPr>
           </a:p>
         </p:txBody>
       </p:sp>
       <p:sp>
         <p:nvSpPr>
-          <p:cNvPr id="6" name="Content Placeholder 2">
-            <a:extLst>
-              <a:ext uri="{FF2B5EF4-FFF2-40B4-BE49-F238E27FC236}">
-                <a16:creationId xmlns:a16="http://schemas.microsoft.com/office/drawing/2014/main" id="{3D4F147E-D6CD-4BFD-9772-71FCD03DE1E3}"/>
-              </a:ext>
-            </a:extLst>
-          </p:cNvPr>
-          <p:cNvSpPr txBox="1">
-            <a:spLocks/>
-          </p:cNvSpPr>
+          <p:cNvPr id="6" name="Content Placeholder 2"/>
+          <p:cNvSpPr txBox="1"/>
           <p:nvPr/>
         </p:nvSpPr>
         <p:spPr bwMode="auto">
@@ -17546,20 +17006,14 @@
           <a:ln w="9525">
             <a:noFill/>
             <a:miter lim="800000"/>
-            <a:headEnd/>
-            <a:tailEnd/>
           </a:ln>
         </p:spPr>
         <p:txBody>
-          <a:bodyPr vert="horz" wrap="square" lIns="107710" tIns="53855" rIns="107710" bIns="53855" numCol="1" anchor="t" anchorCtr="0" compatLnSpc="1">
-            <a:prstTxWarp prst="textNoShape">
-              <a:avLst/>
-            </a:prstTxWarp>
-          </a:bodyPr>
+          <a:bodyPr vert="horz" wrap="square" lIns="107710" tIns="53855" rIns="107710" bIns="53855" numCol="1" anchor="t" anchorCtr="0" compatLnSpc="1"/>
           <a:lstStyle>
-            <a:lvl1pPr marL="473896" indent="-331728" algn="l" rtl="0" eaLnBrk="0" fontAlgn="base" hangingPunct="0">
+            <a:lvl1pPr marL="473710" indent="-331470" algn="l" rtl="0" eaLnBrk="0" fontAlgn="base" hangingPunct="0">
               <a:spcBef>
-                <a:spcPts val="519"/>
+                <a:spcPts val="520"/>
               </a:spcBef>
               <a:spcAft>
                 <a:spcPct val="0"/>
@@ -17568,7 +17022,7 @@
                 <a:schemeClr val="accent1"/>
               </a:buClr>
               <a:buSzPct val="68000"/>
-              <a:buFont typeface="Wingdings 3" pitchFamily="18" charset="2"/>
+              <a:buFont typeface="Wingdings 3" panose="05040102010807070707" pitchFamily="18" charset="2"/>
               <a:buChar char=""/>
               <a:defRPr sz="3500" kern="1200">
                 <a:solidFill>
@@ -17579,9 +17033,9 @@
                 <a:cs typeface="+mn-cs"/>
               </a:defRPr>
             </a:lvl1pPr>
-            <a:lvl2pPr marL="805623" indent="-296700" algn="l" rtl="0" eaLnBrk="0" fontAlgn="base" hangingPunct="0">
+            <a:lvl2pPr marL="805815" indent="-296545" algn="l" rtl="0" eaLnBrk="0" fontAlgn="base" hangingPunct="0">
               <a:spcBef>
-                <a:spcPts val="422"/>
+                <a:spcPts val="420"/>
               </a:spcBef>
               <a:spcAft>
                 <a:spcPct val="0"/>
@@ -17589,7 +17043,7 @@
               <a:buClr>
                 <a:schemeClr val="accent1"/>
               </a:buClr>
-              <a:buFont typeface="Wingdings" pitchFamily="2" charset="2"/>
+              <a:buFont typeface="Wingdings" panose="05000000000000000000" pitchFamily="2" charset="2"/>
               <a:buChar char="§"/>
               <a:defRPr sz="3000" kern="1200">
                 <a:solidFill>
@@ -17600,9 +17054,9 @@
                 <a:cs typeface="+mn-cs"/>
               </a:defRPr>
             </a:lvl2pPr>
-            <a:lvl3pPr marL="1114686" indent="-296700" algn="l" rtl="0" eaLnBrk="0" fontAlgn="base" hangingPunct="0">
+            <a:lvl3pPr marL="1114425" indent="-296545" algn="l" rtl="0" eaLnBrk="0" fontAlgn="base" hangingPunct="0">
               <a:spcBef>
-                <a:spcPts val="454"/>
+                <a:spcPts val="455"/>
               </a:spcBef>
               <a:spcAft>
                 <a:spcPct val="0"/>
@@ -17611,7 +17065,7 @@
                 <a:schemeClr val="accent2"/>
               </a:buClr>
               <a:buSzPct val="100000"/>
-              <a:buFont typeface="Wingdings 2" pitchFamily="18" charset="2"/>
+              <a:buFont typeface="Wingdings 2" panose="05020102010507070707" pitchFamily="18" charset="2"/>
               <a:buChar char=""/>
               <a:defRPr sz="2700" kern="1200">
                 <a:solidFill>
@@ -17622,9 +17076,9 @@
                 <a:cs typeface="+mn-cs"/>
               </a:defRPr>
             </a:lvl3pPr>
-            <a:lvl4pPr marL="1483500" indent="-296700" algn="l" rtl="0" eaLnBrk="0" fontAlgn="base" hangingPunct="0">
+            <a:lvl4pPr marL="1483360" indent="-296545" algn="l" rtl="0" eaLnBrk="0" fontAlgn="base" hangingPunct="0">
               <a:spcBef>
-                <a:spcPts val="454"/>
+                <a:spcPts val="455"/>
               </a:spcBef>
               <a:spcAft>
                 <a:spcPct val="0"/>
@@ -17641,9 +17095,9 @@
                 <a:cs typeface="+mn-cs"/>
               </a:defRPr>
             </a:lvl4pPr>
-            <a:lvl5pPr marL="1483500" indent="-296700" algn="l" rtl="0" eaLnBrk="0" fontAlgn="base" hangingPunct="0">
+            <a:lvl5pPr marL="1483360" indent="-296545" algn="l" rtl="0" eaLnBrk="0" fontAlgn="base" hangingPunct="0">
               <a:spcBef>
-                <a:spcPts val="454"/>
+                <a:spcPts val="455"/>
               </a:spcBef>
               <a:spcAft>
                 <a:spcPct val="0"/>
@@ -17660,14 +17114,14 @@
                 <a:cs typeface="+mn-cs"/>
               </a:defRPr>
             </a:lvl5pPr>
-            <a:lvl6pPr marL="2076900" indent="-296700" algn="l" rtl="0" eaLnBrk="1" latinLnBrk="0" hangingPunct="1">
+            <a:lvl6pPr marL="2077085" indent="-296545" algn="l" rtl="0" eaLnBrk="1" latinLnBrk="0" hangingPunct="1">
               <a:spcBef>
-                <a:spcPts val="454"/>
+                <a:spcPts val="455"/>
               </a:spcBef>
               <a:buClr>
                 <a:schemeClr val="accent3"/>
               </a:buClr>
-              <a:buFont typeface="Wingdings 2"/>
+              <a:buFont typeface="Wingdings 2" panose="05020102010507070707"/>
               <a:buChar char=""/>
               <a:defRPr kumimoji="0" sz="2300" kern="1200">
                 <a:solidFill>
@@ -17678,14 +17132,14 @@
                 <a:cs typeface="+mn-cs"/>
               </a:defRPr>
             </a:lvl6pPr>
-            <a:lvl7pPr marL="2373600" indent="-296700" algn="l" rtl="0" eaLnBrk="1" latinLnBrk="0" hangingPunct="1">
+            <a:lvl7pPr marL="2373630" indent="-296545" algn="l" rtl="0" eaLnBrk="1" latinLnBrk="0" hangingPunct="1">
               <a:spcBef>
-                <a:spcPts val="454"/>
+                <a:spcPts val="455"/>
               </a:spcBef>
               <a:buClr>
                 <a:schemeClr val="accent3"/>
               </a:buClr>
-              <a:buFont typeface="Wingdings 2"/>
+              <a:buFont typeface="Wingdings 2" panose="05020102010507070707"/>
               <a:buChar char=""/>
               <a:defRPr kumimoji="0" sz="2100" kern="1200">
                 <a:solidFill>
@@ -17696,14 +17150,14 @@
                 <a:cs typeface="+mn-cs"/>
               </a:defRPr>
             </a:lvl7pPr>
-            <a:lvl8pPr marL="2670299" indent="-296700" algn="l" rtl="0" eaLnBrk="1" latinLnBrk="0" hangingPunct="1">
+            <a:lvl8pPr marL="2670175" indent="-296545" algn="l" rtl="0" eaLnBrk="1" latinLnBrk="0" hangingPunct="1">
               <a:spcBef>
-                <a:spcPts val="454"/>
+                <a:spcPts val="455"/>
               </a:spcBef>
               <a:buClr>
                 <a:schemeClr val="accent3"/>
               </a:buClr>
-              <a:buFont typeface="Wingdings 2"/>
+              <a:buFont typeface="Wingdings 2" panose="05020102010507070707"/>
               <a:buChar char=""/>
               <a:defRPr kumimoji="0" sz="2100" kern="1200">
                 <a:solidFill>
@@ -17714,14 +17168,14 @@
                 <a:cs typeface="+mn-cs"/>
               </a:defRPr>
             </a:lvl8pPr>
-            <a:lvl9pPr marL="2966999" indent="-296700" algn="l" rtl="0" eaLnBrk="1" latinLnBrk="0" hangingPunct="1">
+            <a:lvl9pPr marL="2966720" indent="-296545" algn="l" rtl="0" eaLnBrk="1" latinLnBrk="0" hangingPunct="1">
               <a:spcBef>
-                <a:spcPts val="454"/>
+                <a:spcPts val="455"/>
               </a:spcBef>
               <a:buClr>
                 <a:schemeClr val="accent3"/>
               </a:buClr>
-              <a:buFont typeface="Wingdings 2"/>
+              <a:buFont typeface="Wingdings 2" panose="05020102010507070707"/>
               <a:buChar char=""/>
               <a:defRPr kumimoji="0" sz="2100" kern="1200" baseline="0">
                 <a:solidFill>
@@ -17732,12 +17186,11 @@
                 <a:cs typeface="+mn-cs"/>
               </a:defRPr>
             </a:lvl9pPr>
-            <a:extLst/>
           </a:lstStyle>
           <a:p>
-            <a:pPr marL="129032" lvl="1" indent="0">
+            <a:pPr marL="128905" lvl="1" indent="0">
               <a:spcBef>
-                <a:spcPts val="1413"/>
+                <a:spcPts val="1415"/>
               </a:spcBef>
               <a:buClr>
                 <a:srgbClr val="2DA2BF"/>
@@ -17746,14 +17199,14 @@
               <a:buNone/>
             </a:pPr>
             <a:r>
-              <a:rPr lang="en-US" altLang="zh-CN" sz="2541" dirty="0">
+              <a:rPr lang="en-US" altLang="zh-CN" sz="2540" dirty="0">
                 <a:solidFill>
                   <a:prstClr val="black"/>
                 </a:solidFill>
               </a:rPr>
               <a:t>The previous operator function can not deal with such two cases. Because it needs the object as its argument(for case 1) and it must be invoked by an object other than primitive types (for case 2).</a:t>
             </a:r>
-            <a:endParaRPr lang="en-US" sz="2541" dirty="0">
+            <a:endParaRPr lang="en-US" sz="2540" dirty="0">
               <a:solidFill>
                 <a:prstClr val="black"/>
               </a:solidFill>
@@ -17762,11 +17215,6 @@
         </p:txBody>
       </p:sp>
     </p:spTree>
-    <p:extLst>
-      <p:ext uri="{BB962C8B-B14F-4D97-AF65-F5344CB8AC3E}">
-        <p14:creationId xmlns:p14="http://schemas.microsoft.com/office/powerpoint/2010/main" val="3338756391"/>
-      </p:ext>
-    </p:extLst>
   </p:cSld>
   <p:clrMapOvr>
     <a:masterClrMapping/>
@@ -17963,13 +17411,7 @@
       </p:grpSpPr>
       <p:grpSp>
         <p:nvGrpSpPr>
-          <p:cNvPr id="24" name="组合 23">
-            <a:extLst>
-              <a:ext uri="{FF2B5EF4-FFF2-40B4-BE49-F238E27FC236}">
-                <a16:creationId xmlns:a16="http://schemas.microsoft.com/office/drawing/2014/main" id="{97BBEC4B-5D7F-4B05-B405-EF1816E375FD}"/>
-              </a:ext>
-            </a:extLst>
-          </p:cNvPr>
+          <p:cNvPr id="24" name="组合 23"/>
           <p:cNvGrpSpPr/>
           <p:nvPr/>
         </p:nvGrpSpPr>
@@ -17983,20 +17425,14 @@
         </p:grpSpPr>
         <p:pic>
           <p:nvPicPr>
-            <p:cNvPr id="5" name="图片 4">
-              <a:extLst>
-                <a:ext uri="{FF2B5EF4-FFF2-40B4-BE49-F238E27FC236}">
-                  <a16:creationId xmlns:a16="http://schemas.microsoft.com/office/drawing/2014/main" id="{622CA6BD-15A3-4736-9DE6-0C0867A440A9}"/>
-                </a:ext>
-              </a:extLst>
-            </p:cNvPr>
+            <p:cNvPr id="5" name="图片 4"/>
             <p:cNvPicPr>
               <a:picLocks noChangeAspect="1"/>
             </p:cNvPicPr>
             <p:nvPr/>
           </p:nvPicPr>
           <p:blipFill>
-            <a:blip r:embed="rId2"/>
+            <a:blip r:embed="rId1"/>
             <a:stretch>
               <a:fillRect/>
             </a:stretch>
@@ -18013,20 +17449,14 @@
         </p:pic>
         <p:pic>
           <p:nvPicPr>
-            <p:cNvPr id="23" name="图片 22">
-              <a:extLst>
-                <a:ext uri="{FF2B5EF4-FFF2-40B4-BE49-F238E27FC236}">
-                  <a16:creationId xmlns:a16="http://schemas.microsoft.com/office/drawing/2014/main" id="{83A01B41-0B65-4769-AE1E-41432F945640}"/>
-                </a:ext>
-              </a:extLst>
-            </p:cNvPr>
+            <p:cNvPr id="23" name="图片 22"/>
             <p:cNvPicPr>
               <a:picLocks noChangeAspect="1"/>
             </p:cNvPicPr>
             <p:nvPr/>
           </p:nvPicPr>
           <p:blipFill>
-            <a:blip r:embed="rId3"/>
+            <a:blip r:embed="rId2"/>
             <a:stretch>
               <a:fillRect/>
             </a:stretch>
@@ -18044,20 +17474,14 @@
       </p:grpSp>
       <p:pic>
         <p:nvPicPr>
-          <p:cNvPr id="8" name="图片 7">
-            <a:extLst>
-              <a:ext uri="{FF2B5EF4-FFF2-40B4-BE49-F238E27FC236}">
-                <a16:creationId xmlns:a16="http://schemas.microsoft.com/office/drawing/2014/main" id="{59583297-60D8-41B6-8ABE-A4DD607A88D7}"/>
-              </a:ext>
-            </a:extLst>
-          </p:cNvPr>
+          <p:cNvPr id="8" name="图片 7"/>
           <p:cNvPicPr>
             <a:picLocks noChangeAspect="1"/>
           </p:cNvPicPr>
           <p:nvPr/>
         </p:nvPicPr>
         <p:blipFill>
-          <a:blip r:embed="rId4"/>
+          <a:blip r:embed="rId3"/>
           <a:stretch>
             <a:fillRect/>
           </a:stretch>
@@ -18074,13 +17498,7 @@
       </p:pic>
       <p:grpSp>
         <p:nvGrpSpPr>
-          <p:cNvPr id="9" name="组合 8">
-            <a:extLst>
-              <a:ext uri="{FF2B5EF4-FFF2-40B4-BE49-F238E27FC236}">
-                <a16:creationId xmlns:a16="http://schemas.microsoft.com/office/drawing/2014/main" id="{10864319-4589-4E42-937C-3F382DDD21DD}"/>
-              </a:ext>
-            </a:extLst>
-          </p:cNvPr>
+          <p:cNvPr id="9" name="组合 8"/>
           <p:cNvGrpSpPr/>
           <p:nvPr/>
         </p:nvGrpSpPr>
@@ -18094,13 +17512,7 @@
         </p:grpSpPr>
         <p:sp>
           <p:nvSpPr>
-            <p:cNvPr id="10" name="矩形 9">
-              <a:extLst>
-                <a:ext uri="{FF2B5EF4-FFF2-40B4-BE49-F238E27FC236}">
-                  <a16:creationId xmlns:a16="http://schemas.microsoft.com/office/drawing/2014/main" id="{1EF4B8CF-5266-40D1-8E59-3A29192B2251}"/>
-                </a:ext>
-              </a:extLst>
-            </p:cNvPr>
+            <p:cNvPr id="10" name="矩形 9"/>
             <p:cNvSpPr/>
             <p:nvPr/>
           </p:nvSpPr>
@@ -18140,22 +17552,14 @@
             <a:lstStyle/>
             <a:p>
               <a:pPr algn="ctr"/>
-              <a:endParaRPr lang="zh-CN" altLang="en-US" sz="1634" dirty="0"/>
+              <a:endParaRPr lang="zh-CN" altLang="en-US" sz="1635" dirty="0"/>
             </a:p>
           </p:txBody>
         </p:sp>
         <p:cxnSp>
           <p:nvCxnSpPr>
-            <p:cNvPr id="11" name="曲线连接符 10">
-              <a:extLst>
-                <a:ext uri="{FF2B5EF4-FFF2-40B4-BE49-F238E27FC236}">
-                  <a16:creationId xmlns:a16="http://schemas.microsoft.com/office/drawing/2014/main" id="{E8B35E2B-BC16-4E37-B59C-C05D83525ED5}"/>
-                </a:ext>
-              </a:extLst>
-            </p:cNvPr>
-            <p:cNvCxnSpPr>
-              <a:cxnSpLocks/>
-            </p:cNvCxnSpPr>
+            <p:cNvPr id="11" name="曲线连接符 10"/>
+            <p:cNvCxnSpPr/>
             <p:nvPr/>
           </p:nvCxnSpPr>
           <p:spPr>
@@ -18191,13 +17595,7 @@
       </p:grpSp>
       <p:sp>
         <p:nvSpPr>
-          <p:cNvPr id="14" name="文本框 13">
-            <a:extLst>
-              <a:ext uri="{FF2B5EF4-FFF2-40B4-BE49-F238E27FC236}">
-                <a16:creationId xmlns:a16="http://schemas.microsoft.com/office/drawing/2014/main" id="{11282309-9AE4-4281-A055-EDAD6527D942}"/>
-              </a:ext>
-            </a:extLst>
-          </p:cNvPr>
+          <p:cNvPr id="14" name="文本框 13"/>
           <p:cNvSpPr txBox="1"/>
           <p:nvPr/>
         </p:nvSpPr>
@@ -18227,20 +17625,14 @@
       </p:sp>
       <p:pic>
         <p:nvPicPr>
-          <p:cNvPr id="16" name="图片 15">
-            <a:extLst>
-              <a:ext uri="{FF2B5EF4-FFF2-40B4-BE49-F238E27FC236}">
-                <a16:creationId xmlns:a16="http://schemas.microsoft.com/office/drawing/2014/main" id="{BE359F8D-4DA5-454D-9793-531055F0719A}"/>
-              </a:ext>
-            </a:extLst>
-          </p:cNvPr>
+          <p:cNvPr id="16" name="图片 15"/>
           <p:cNvPicPr>
             <a:picLocks noChangeAspect="1"/>
           </p:cNvPicPr>
           <p:nvPr/>
         </p:nvPicPr>
         <p:blipFill>
-          <a:blip r:embed="rId5"/>
+          <a:blip r:embed="rId4"/>
           <a:stretch>
             <a:fillRect/>
           </a:stretch>
@@ -18262,13 +17654,7 @@
       </p:pic>
       <p:sp>
         <p:nvSpPr>
-          <p:cNvPr id="17" name="文本框 16">
-            <a:extLst>
-              <a:ext uri="{FF2B5EF4-FFF2-40B4-BE49-F238E27FC236}">
-                <a16:creationId xmlns:a16="http://schemas.microsoft.com/office/drawing/2014/main" id="{4757CA50-95F2-4F3E-98E2-2A2B339B5878}"/>
-              </a:ext>
-            </a:extLst>
-          </p:cNvPr>
+          <p:cNvPr id="17" name="文本框 16"/>
           <p:cNvSpPr txBox="1"/>
           <p:nvPr/>
         </p:nvSpPr>
@@ -18302,13 +17688,7 @@
       </p:sp>
       <p:sp>
         <p:nvSpPr>
-          <p:cNvPr id="18" name="圆角矩形标注 4">
-            <a:extLst>
-              <a:ext uri="{FF2B5EF4-FFF2-40B4-BE49-F238E27FC236}">
-                <a16:creationId xmlns:a16="http://schemas.microsoft.com/office/drawing/2014/main" id="{5EAE3EC6-0842-4988-939F-B6051EB9949C}"/>
-              </a:ext>
-            </a:extLst>
-          </p:cNvPr>
+          <p:cNvPr id="18" name="圆角矩形标注 4"/>
           <p:cNvSpPr/>
           <p:nvPr/>
         </p:nvSpPr>
@@ -18379,15 +17759,8 @@
       </p:sp>
       <p:cxnSp>
         <p:nvCxnSpPr>
-          <p:cNvPr id="19" name="曲线连接符 10">
-            <a:extLst>
-              <a:ext uri="{FF2B5EF4-FFF2-40B4-BE49-F238E27FC236}">
-                <a16:creationId xmlns:a16="http://schemas.microsoft.com/office/drawing/2014/main" id="{2CF4F4A1-7988-47CB-BC31-FC9B1AFF2F22}"/>
-              </a:ext>
-            </a:extLst>
-          </p:cNvPr>
+          <p:cNvPr id="19" name="曲线连接符 10"/>
           <p:cNvCxnSpPr>
-            <a:cxnSpLocks/>
             <a:endCxn id="17" idx="1"/>
           </p:cNvCxnSpPr>
           <p:nvPr/>
@@ -18423,11 +17796,6 @@
         </p:style>
       </p:cxnSp>
     </p:spTree>
-    <p:extLst>
-      <p:ext uri="{BB962C8B-B14F-4D97-AF65-F5344CB8AC3E}">
-        <p14:creationId xmlns:p14="http://schemas.microsoft.com/office/powerpoint/2010/main" val="361923027"/>
-      </p:ext>
-    </p:extLst>
   </p:cSld>
   <p:clrMapOvr>
     <a:masterClrMapping/>
@@ -18758,13 +18126,7 @@
       </p:grpSpPr>
       <p:grpSp>
         <p:nvGrpSpPr>
-          <p:cNvPr id="36" name="组合 35">
-            <a:extLst>
-              <a:ext uri="{FF2B5EF4-FFF2-40B4-BE49-F238E27FC236}">
-                <a16:creationId xmlns:a16="http://schemas.microsoft.com/office/drawing/2014/main" id="{7F09F5F0-1D31-4DE5-BF14-DB88945D5CAF}"/>
-              </a:ext>
-            </a:extLst>
-          </p:cNvPr>
+          <p:cNvPr id="36" name="组合 35"/>
           <p:cNvGrpSpPr/>
           <p:nvPr/>
         </p:nvGrpSpPr>
@@ -18778,20 +18140,14 @@
         </p:grpSpPr>
         <p:pic>
           <p:nvPicPr>
-            <p:cNvPr id="15" name="图片 14">
-              <a:extLst>
-                <a:ext uri="{FF2B5EF4-FFF2-40B4-BE49-F238E27FC236}">
-                  <a16:creationId xmlns:a16="http://schemas.microsoft.com/office/drawing/2014/main" id="{094F5A42-2E1D-4AE9-8C67-46E808269EFF}"/>
-                </a:ext>
-              </a:extLst>
-            </p:cNvPr>
+            <p:cNvPr id="15" name="图片 14"/>
             <p:cNvPicPr>
               <a:picLocks noChangeAspect="1"/>
             </p:cNvPicPr>
             <p:nvPr/>
           </p:nvPicPr>
           <p:blipFill>
-            <a:blip r:embed="rId3"/>
+            <a:blip r:embed="rId1"/>
             <a:stretch>
               <a:fillRect/>
             </a:stretch>
@@ -18808,20 +18164,14 @@
         </p:pic>
         <p:pic>
           <p:nvPicPr>
-            <p:cNvPr id="35" name="图片 34">
-              <a:extLst>
-                <a:ext uri="{FF2B5EF4-FFF2-40B4-BE49-F238E27FC236}">
-                  <a16:creationId xmlns:a16="http://schemas.microsoft.com/office/drawing/2014/main" id="{C171D030-4063-4DD3-8730-89E2D7EF300C}"/>
-                </a:ext>
-              </a:extLst>
-            </p:cNvPr>
+            <p:cNvPr id="35" name="图片 34"/>
             <p:cNvPicPr>
               <a:picLocks noChangeAspect="1"/>
             </p:cNvPicPr>
             <p:nvPr/>
           </p:nvPicPr>
           <p:blipFill>
-            <a:blip r:embed="rId4"/>
+            <a:blip r:embed="rId2"/>
             <a:stretch>
               <a:fillRect/>
             </a:stretch>
@@ -18839,13 +18189,7 @@
       </p:grpSp>
       <p:sp>
         <p:nvSpPr>
-          <p:cNvPr id="10" name="文本框 9">
-            <a:extLst>
-              <a:ext uri="{FF2B5EF4-FFF2-40B4-BE49-F238E27FC236}">
-                <a16:creationId xmlns:a16="http://schemas.microsoft.com/office/drawing/2014/main" id="{318709F8-6512-47A2-94F3-3D477A4ABD58}"/>
-              </a:ext>
-            </a:extLst>
-          </p:cNvPr>
+          <p:cNvPr id="10" name="文本框 9"/>
           <p:cNvSpPr txBox="1"/>
           <p:nvPr/>
         </p:nvSpPr>
@@ -18869,6 +18213,7 @@
               <a:rPr lang="en-US" altLang="zh-CN" sz="2400" dirty="0"/>
               <a:t>A constructor that can be used with just one argument works as a conversion function.</a:t>
             </a:r>
+            <a:endParaRPr lang="en-US" altLang="zh-CN" sz="2400" dirty="0"/>
           </a:p>
           <a:p>
             <a:r>
@@ -18881,20 +18226,14 @@
       </p:sp>
       <p:pic>
         <p:nvPicPr>
-          <p:cNvPr id="13" name="图片 12">
-            <a:extLst>
-              <a:ext uri="{FF2B5EF4-FFF2-40B4-BE49-F238E27FC236}">
-                <a16:creationId xmlns:a16="http://schemas.microsoft.com/office/drawing/2014/main" id="{49CB2D52-4719-469D-9832-489978A24D82}"/>
-              </a:ext>
-            </a:extLst>
-          </p:cNvPr>
+          <p:cNvPr id="13" name="图片 12"/>
           <p:cNvPicPr>
             <a:picLocks noChangeAspect="1"/>
           </p:cNvPicPr>
           <p:nvPr/>
         </p:nvPicPr>
         <p:blipFill>
-          <a:blip r:embed="rId5"/>
+          <a:blip r:embed="rId3"/>
           <a:stretch>
             <a:fillRect/>
           </a:stretch>
@@ -18911,13 +18250,7 @@
       </p:pic>
       <p:sp>
         <p:nvSpPr>
-          <p:cNvPr id="16" name="文本框 15">
-            <a:extLst>
-              <a:ext uri="{FF2B5EF4-FFF2-40B4-BE49-F238E27FC236}">
-                <a16:creationId xmlns:a16="http://schemas.microsoft.com/office/drawing/2014/main" id="{55401672-7232-46FC-9708-2EDF296CFA96}"/>
-              </a:ext>
-            </a:extLst>
-          </p:cNvPr>
+          <p:cNvPr id="16" name="文本框 15"/>
           <p:cNvSpPr txBox="1"/>
           <p:nvPr/>
         </p:nvSpPr>
@@ -18947,13 +18280,7 @@
       </p:sp>
       <p:grpSp>
         <p:nvGrpSpPr>
-          <p:cNvPr id="17" name="组合 16">
-            <a:extLst>
-              <a:ext uri="{FF2B5EF4-FFF2-40B4-BE49-F238E27FC236}">
-                <a16:creationId xmlns:a16="http://schemas.microsoft.com/office/drawing/2014/main" id="{D5EDC935-B5B1-4035-B92B-2878DA8A18F6}"/>
-              </a:ext>
-            </a:extLst>
-          </p:cNvPr>
+          <p:cNvPr id="17" name="组合 16"/>
           <p:cNvGrpSpPr/>
           <p:nvPr/>
         </p:nvGrpSpPr>
@@ -18967,13 +18294,7 @@
         </p:grpSpPr>
         <p:sp>
           <p:nvSpPr>
-            <p:cNvPr id="18" name="矩形 17">
-              <a:extLst>
-                <a:ext uri="{FF2B5EF4-FFF2-40B4-BE49-F238E27FC236}">
-                  <a16:creationId xmlns:a16="http://schemas.microsoft.com/office/drawing/2014/main" id="{2B006089-7B4B-41CC-BBBC-C79A60F17AB7}"/>
-                </a:ext>
-              </a:extLst>
-            </p:cNvPr>
+            <p:cNvPr id="18" name="矩形 17"/>
             <p:cNvSpPr/>
             <p:nvPr/>
           </p:nvSpPr>
@@ -19013,7 +18334,7 @@
             <a:lstStyle/>
             <a:p>
               <a:pPr algn="ctr"/>
-              <a:endParaRPr lang="zh-CN" altLang="en-US" sz="1634">
+              <a:endParaRPr lang="zh-CN" altLang="en-US" sz="1635">
                 <a:solidFill>
                   <a:prstClr val="white"/>
                 </a:solidFill>
@@ -19023,13 +18344,7 @@
         </p:sp>
         <p:sp>
           <p:nvSpPr>
-            <p:cNvPr id="19" name="圆角矩形标注 4">
-              <a:extLst>
-                <a:ext uri="{FF2B5EF4-FFF2-40B4-BE49-F238E27FC236}">
-                  <a16:creationId xmlns:a16="http://schemas.microsoft.com/office/drawing/2014/main" id="{D43C010A-8D30-4196-AF04-45B480DC3E4D}"/>
-                </a:ext>
-              </a:extLst>
-            </p:cNvPr>
+            <p:cNvPr id="19" name="圆角矩形标注 4"/>
             <p:cNvSpPr/>
             <p:nvPr/>
           </p:nvSpPr>
@@ -19087,13 +18402,7 @@
       </p:grpSp>
       <p:grpSp>
         <p:nvGrpSpPr>
-          <p:cNvPr id="33" name="组合 32">
-            <a:extLst>
-              <a:ext uri="{FF2B5EF4-FFF2-40B4-BE49-F238E27FC236}">
-                <a16:creationId xmlns:a16="http://schemas.microsoft.com/office/drawing/2014/main" id="{6EB44692-3B2D-410D-B21C-545886DA3BEA}"/>
-              </a:ext>
-            </a:extLst>
-          </p:cNvPr>
+          <p:cNvPr id="33" name="组合 32"/>
           <p:cNvGrpSpPr/>
           <p:nvPr/>
         </p:nvGrpSpPr>
@@ -19107,13 +18416,7 @@
         </p:grpSpPr>
         <p:sp>
           <p:nvSpPr>
-            <p:cNvPr id="20" name="椭圆 19">
-              <a:extLst>
-                <a:ext uri="{FF2B5EF4-FFF2-40B4-BE49-F238E27FC236}">
-                  <a16:creationId xmlns:a16="http://schemas.microsoft.com/office/drawing/2014/main" id="{E7ECBC4A-AF26-4B07-BC54-A30D1575E06E}"/>
-                </a:ext>
-              </a:extLst>
-            </p:cNvPr>
+            <p:cNvPr id="20" name="椭圆 19"/>
             <p:cNvSpPr/>
             <p:nvPr/>
           </p:nvSpPr>
@@ -19159,13 +18462,7 @@
         </p:sp>
         <p:sp>
           <p:nvSpPr>
-            <p:cNvPr id="21" name="椭圆 20">
-              <a:extLst>
-                <a:ext uri="{FF2B5EF4-FFF2-40B4-BE49-F238E27FC236}">
-                  <a16:creationId xmlns:a16="http://schemas.microsoft.com/office/drawing/2014/main" id="{E355EFB4-7B3F-4348-8B8F-74527722AAA0}"/>
-                </a:ext>
-              </a:extLst>
-            </p:cNvPr>
+            <p:cNvPr id="21" name="椭圆 20"/>
             <p:cNvSpPr/>
             <p:nvPr/>
           </p:nvSpPr>
@@ -19211,13 +18508,7 @@
         </p:sp>
         <p:cxnSp>
           <p:nvCxnSpPr>
-            <p:cNvPr id="23" name="直接箭头连接符 22">
-              <a:extLst>
-                <a:ext uri="{FF2B5EF4-FFF2-40B4-BE49-F238E27FC236}">
-                  <a16:creationId xmlns:a16="http://schemas.microsoft.com/office/drawing/2014/main" id="{04133E2D-6D7E-4F30-8FDA-F534202317A4}"/>
-                </a:ext>
-              </a:extLst>
-            </p:cNvPr>
+            <p:cNvPr id="23" name="直接箭头连接符 22"/>
             <p:cNvCxnSpPr>
               <a:endCxn id="20" idx="7"/>
             </p:cNvCxnSpPr>
@@ -19255,15 +18546,8 @@
         </p:cxnSp>
         <p:cxnSp>
           <p:nvCxnSpPr>
-            <p:cNvPr id="24" name="直接箭头连接符 23">
-              <a:extLst>
-                <a:ext uri="{FF2B5EF4-FFF2-40B4-BE49-F238E27FC236}">
-                  <a16:creationId xmlns:a16="http://schemas.microsoft.com/office/drawing/2014/main" id="{5207FAE4-AE05-4990-94B3-66634406F906}"/>
-                </a:ext>
-              </a:extLst>
-            </p:cNvPr>
+            <p:cNvPr id="24" name="直接箭头连接符 23"/>
             <p:cNvCxnSpPr>
-              <a:cxnSpLocks/>
               <a:endCxn id="21" idx="0"/>
             </p:cNvCxnSpPr>
             <p:nvPr/>
@@ -19301,13 +18585,7 @@
       </p:grpSp>
       <p:sp>
         <p:nvSpPr>
-          <p:cNvPr id="27" name="文本框 26">
-            <a:extLst>
-              <a:ext uri="{FF2B5EF4-FFF2-40B4-BE49-F238E27FC236}">
-                <a16:creationId xmlns:a16="http://schemas.microsoft.com/office/drawing/2014/main" id="{C7780845-2E43-4E20-9C92-BA60AF78E609}"/>
-              </a:ext>
-            </a:extLst>
-          </p:cNvPr>
+          <p:cNvPr id="27" name="文本框 26"/>
           <p:cNvSpPr txBox="1"/>
           <p:nvPr/>
         </p:nvSpPr>
@@ -19331,6 +18609,7 @@
               <a:rPr lang="en-US" altLang="zh-CN" dirty="0"/>
               <a:t>Convert implicitly int to Rational type </a:t>
             </a:r>
+            <a:endParaRPr lang="en-US" altLang="zh-CN" dirty="0"/>
           </a:p>
           <a:p>
             <a:r>
@@ -19343,13 +18622,7 @@
       </p:sp>
       <p:grpSp>
         <p:nvGrpSpPr>
-          <p:cNvPr id="37" name="组合 36">
-            <a:extLst>
-              <a:ext uri="{FF2B5EF4-FFF2-40B4-BE49-F238E27FC236}">
-                <a16:creationId xmlns:a16="http://schemas.microsoft.com/office/drawing/2014/main" id="{01FA13EE-BAB1-4197-82E5-2A8BBB95BA7A}"/>
-              </a:ext>
-            </a:extLst>
-          </p:cNvPr>
+          <p:cNvPr id="37" name="组合 36"/>
           <p:cNvGrpSpPr/>
           <p:nvPr/>
         </p:nvGrpSpPr>
@@ -19363,13 +18636,7 @@
         </p:grpSpPr>
         <p:sp>
           <p:nvSpPr>
-            <p:cNvPr id="28" name="矩形 27">
-              <a:extLst>
-                <a:ext uri="{FF2B5EF4-FFF2-40B4-BE49-F238E27FC236}">
-                  <a16:creationId xmlns:a16="http://schemas.microsoft.com/office/drawing/2014/main" id="{11A295DE-9EFD-4039-8D96-982892D9E577}"/>
-                </a:ext>
-              </a:extLst>
-            </p:cNvPr>
+            <p:cNvPr id="28" name="矩形 27"/>
             <p:cNvSpPr/>
             <p:nvPr/>
           </p:nvSpPr>
@@ -19415,13 +18682,7 @@
         </p:sp>
         <p:cxnSp>
           <p:nvCxnSpPr>
-            <p:cNvPr id="32" name="连接符: 曲线 31">
-              <a:extLst>
-                <a:ext uri="{FF2B5EF4-FFF2-40B4-BE49-F238E27FC236}">
-                  <a16:creationId xmlns:a16="http://schemas.microsoft.com/office/drawing/2014/main" id="{C271FBE4-AE51-4CF5-91F7-B2D1A603E22E}"/>
-                </a:ext>
-              </a:extLst>
-            </p:cNvPr>
+            <p:cNvPr id="32" name="连接符: 曲线 31"/>
             <p:cNvCxnSpPr>
               <a:stCxn id="28" idx="2"/>
             </p:cNvCxnSpPr>
@@ -19459,11 +18720,6 @@
         </p:cxnSp>
       </p:grpSp>
     </p:spTree>
-    <p:extLst>
-      <p:ext uri="{BB962C8B-B14F-4D97-AF65-F5344CB8AC3E}">
-        <p14:creationId xmlns:p14="http://schemas.microsoft.com/office/powerpoint/2010/main" val="101506270"/>
-      </p:ext>
-    </p:extLst>
   </p:cSld>
   <p:clrMapOvr>
     <a:masterClrMapping/>
@@ -19793,13 +19049,7 @@
       </p:grpSpPr>
       <p:grpSp>
         <p:nvGrpSpPr>
-          <p:cNvPr id="31" name="组合 30">
-            <a:extLst>
-              <a:ext uri="{FF2B5EF4-FFF2-40B4-BE49-F238E27FC236}">
-                <a16:creationId xmlns:a16="http://schemas.microsoft.com/office/drawing/2014/main" id="{A1838F4F-BF3B-4532-BE8F-DC976DDA6991}"/>
-              </a:ext>
-            </a:extLst>
-          </p:cNvPr>
+          <p:cNvPr id="31" name="组合 30"/>
           <p:cNvGrpSpPr/>
           <p:nvPr/>
         </p:nvGrpSpPr>
@@ -19813,20 +19063,14 @@
         </p:grpSpPr>
         <p:pic>
           <p:nvPicPr>
-            <p:cNvPr id="3" name="图片 2">
-              <a:extLst>
-                <a:ext uri="{FF2B5EF4-FFF2-40B4-BE49-F238E27FC236}">
-                  <a16:creationId xmlns:a16="http://schemas.microsoft.com/office/drawing/2014/main" id="{9E26101A-DA25-4BBB-9373-BC734AB66418}"/>
-                </a:ext>
-              </a:extLst>
-            </p:cNvPr>
+            <p:cNvPr id="3" name="图片 2"/>
             <p:cNvPicPr>
               <a:picLocks noChangeAspect="1"/>
             </p:cNvPicPr>
             <p:nvPr/>
           </p:nvPicPr>
           <p:blipFill>
-            <a:blip r:embed="rId2"/>
+            <a:blip r:embed="rId1"/>
             <a:stretch>
               <a:fillRect/>
             </a:stretch>
@@ -19843,20 +19087,14 @@
         </p:pic>
         <p:pic>
           <p:nvPicPr>
-            <p:cNvPr id="30" name="图片 29">
-              <a:extLst>
-                <a:ext uri="{FF2B5EF4-FFF2-40B4-BE49-F238E27FC236}">
-                  <a16:creationId xmlns:a16="http://schemas.microsoft.com/office/drawing/2014/main" id="{F5AA1362-861F-4009-85BF-DFAB72349079}"/>
-                </a:ext>
-              </a:extLst>
-            </p:cNvPr>
+            <p:cNvPr id="30" name="图片 29"/>
             <p:cNvPicPr>
               <a:picLocks noChangeAspect="1"/>
             </p:cNvPicPr>
             <p:nvPr/>
           </p:nvPicPr>
           <p:blipFill>
-            <a:blip r:embed="rId3"/>
+            <a:blip r:embed="rId2"/>
             <a:stretch>
               <a:fillRect/>
             </a:stretch>
@@ -19874,13 +19112,7 @@
       </p:grpSp>
       <p:grpSp>
         <p:nvGrpSpPr>
-          <p:cNvPr id="32" name="组合 31">
-            <a:extLst>
-              <a:ext uri="{FF2B5EF4-FFF2-40B4-BE49-F238E27FC236}">
-                <a16:creationId xmlns:a16="http://schemas.microsoft.com/office/drawing/2014/main" id="{2718EB88-B076-47DE-9D0A-FD1BD55AE4AD}"/>
-              </a:ext>
-            </a:extLst>
-          </p:cNvPr>
+          <p:cNvPr id="32" name="组合 31"/>
           <p:cNvGrpSpPr/>
           <p:nvPr/>
         </p:nvGrpSpPr>
@@ -19894,13 +19126,7 @@
         </p:grpSpPr>
         <p:sp>
           <p:nvSpPr>
-            <p:cNvPr id="4" name="矩形 3">
-              <a:extLst>
-                <a:ext uri="{FF2B5EF4-FFF2-40B4-BE49-F238E27FC236}">
-                  <a16:creationId xmlns:a16="http://schemas.microsoft.com/office/drawing/2014/main" id="{7940CDF3-38A3-4F97-9EEB-A68AFC472611}"/>
-                </a:ext>
-              </a:extLst>
-            </p:cNvPr>
+            <p:cNvPr id="4" name="矩形 3"/>
             <p:cNvSpPr/>
             <p:nvPr/>
           </p:nvSpPr>
@@ -19946,16 +19172,8 @@
         </p:sp>
         <p:cxnSp>
           <p:nvCxnSpPr>
-            <p:cNvPr id="6" name="直接箭头连接符 5">
-              <a:extLst>
-                <a:ext uri="{FF2B5EF4-FFF2-40B4-BE49-F238E27FC236}">
-                  <a16:creationId xmlns:a16="http://schemas.microsoft.com/office/drawing/2014/main" id="{FEFF914D-EAF7-438C-8AA5-9CB664A03DC4}"/>
-                </a:ext>
-              </a:extLst>
-            </p:cNvPr>
-            <p:cNvCxnSpPr>
-              <a:cxnSpLocks/>
-            </p:cNvCxnSpPr>
+            <p:cNvPr id="6" name="直接箭头连接符 5"/>
+            <p:cNvCxnSpPr/>
             <p:nvPr/>
           </p:nvCxnSpPr>
           <p:spPr>
@@ -19990,13 +19208,7 @@
         </p:cxnSp>
         <p:sp>
           <p:nvSpPr>
-            <p:cNvPr id="8" name="文本框 7">
-              <a:extLst>
-                <a:ext uri="{FF2B5EF4-FFF2-40B4-BE49-F238E27FC236}">
-                  <a16:creationId xmlns:a16="http://schemas.microsoft.com/office/drawing/2014/main" id="{D0686080-B23F-4D14-A598-2798754D8F70}"/>
-                </a:ext>
-              </a:extLst>
-            </p:cNvPr>
+            <p:cNvPr id="8" name="文本框 7"/>
             <p:cNvSpPr txBox="1"/>
             <p:nvPr/>
           </p:nvSpPr>
@@ -20032,6 +19244,7 @@
                 <a:rPr lang="en-US" altLang="zh-CN" dirty="0"/>
                 <a:t> indicates that the implicit conversion can not be allowed. </a:t>
               </a:r>
+              <a:endParaRPr lang="en-US" altLang="zh-CN" dirty="0"/>
             </a:p>
             <a:p>
               <a:r>
@@ -20045,20 +19258,14 @@
       </p:grpSp>
       <p:pic>
         <p:nvPicPr>
-          <p:cNvPr id="11" name="图片 10">
-            <a:extLst>
-              <a:ext uri="{FF2B5EF4-FFF2-40B4-BE49-F238E27FC236}">
-                <a16:creationId xmlns:a16="http://schemas.microsoft.com/office/drawing/2014/main" id="{9410BFB9-4439-4A26-BB11-DE8D70973E32}"/>
-              </a:ext>
-            </a:extLst>
-          </p:cNvPr>
+          <p:cNvPr id="11" name="图片 10"/>
           <p:cNvPicPr>
             <a:picLocks noChangeAspect="1"/>
           </p:cNvPicPr>
           <p:nvPr/>
         </p:nvPicPr>
         <p:blipFill>
-          <a:blip r:embed="rId4"/>
+          <a:blip r:embed="rId3"/>
           <a:stretch>
             <a:fillRect/>
           </a:stretch>
@@ -20075,13 +19282,7 @@
       </p:pic>
       <p:grpSp>
         <p:nvGrpSpPr>
-          <p:cNvPr id="33" name="组合 32">
-            <a:extLst>
-              <a:ext uri="{FF2B5EF4-FFF2-40B4-BE49-F238E27FC236}">
-                <a16:creationId xmlns:a16="http://schemas.microsoft.com/office/drawing/2014/main" id="{5C123914-73ED-4832-BBD6-FC6290C197FD}"/>
-              </a:ext>
-            </a:extLst>
-          </p:cNvPr>
+          <p:cNvPr id="33" name="组合 32"/>
           <p:cNvGrpSpPr/>
           <p:nvPr/>
         </p:nvGrpSpPr>
@@ -20095,13 +19296,7 @@
         </p:grpSpPr>
         <p:grpSp>
           <p:nvGrpSpPr>
-            <p:cNvPr id="12" name="组合 11">
-              <a:extLst>
-                <a:ext uri="{FF2B5EF4-FFF2-40B4-BE49-F238E27FC236}">
-                  <a16:creationId xmlns:a16="http://schemas.microsoft.com/office/drawing/2014/main" id="{09D4CFD3-7B8E-415F-88C6-8644D22321DA}"/>
-                </a:ext>
-              </a:extLst>
-            </p:cNvPr>
+            <p:cNvPr id="12" name="组合 11"/>
             <p:cNvGrpSpPr/>
             <p:nvPr/>
           </p:nvGrpSpPr>
@@ -20115,13 +19310,7 @@
           </p:grpSpPr>
           <p:sp>
             <p:nvSpPr>
-              <p:cNvPr id="13" name="椭圆 12">
-                <a:extLst>
-                  <a:ext uri="{FF2B5EF4-FFF2-40B4-BE49-F238E27FC236}">
-                    <a16:creationId xmlns:a16="http://schemas.microsoft.com/office/drawing/2014/main" id="{D6B77AFF-32E3-496E-8075-519A737B14DB}"/>
-                  </a:ext>
-                </a:extLst>
-              </p:cNvPr>
+              <p:cNvPr id="13" name="椭圆 12"/>
               <p:cNvSpPr/>
               <p:nvPr/>
             </p:nvSpPr>
@@ -20167,13 +19356,7 @@
           </p:sp>
           <p:sp>
             <p:nvSpPr>
-              <p:cNvPr id="14" name="椭圆 13">
-                <a:extLst>
-                  <a:ext uri="{FF2B5EF4-FFF2-40B4-BE49-F238E27FC236}">
-                    <a16:creationId xmlns:a16="http://schemas.microsoft.com/office/drawing/2014/main" id="{CCF85F52-ABE0-4285-80C8-E15BF0462C3D}"/>
-                  </a:ext>
-                </a:extLst>
-              </p:cNvPr>
+              <p:cNvPr id="14" name="椭圆 13"/>
               <p:cNvSpPr/>
               <p:nvPr/>
             </p:nvSpPr>
@@ -20219,16 +19402,8 @@
           </p:sp>
           <p:cxnSp>
             <p:nvCxnSpPr>
-              <p:cNvPr id="15" name="直接箭头连接符 14">
-                <a:extLst>
-                  <a:ext uri="{FF2B5EF4-FFF2-40B4-BE49-F238E27FC236}">
-                    <a16:creationId xmlns:a16="http://schemas.microsoft.com/office/drawing/2014/main" id="{5CEE5B56-B7AE-4274-A225-E23F1716FBB1}"/>
-                  </a:ext>
-                </a:extLst>
-              </p:cNvPr>
-              <p:cNvCxnSpPr>
-                <a:cxnSpLocks/>
-              </p:cNvCxnSpPr>
+              <p:cNvPr id="15" name="直接箭头连接符 14"/>
+              <p:cNvCxnSpPr/>
               <p:nvPr/>
             </p:nvCxnSpPr>
             <p:spPr>
@@ -20263,16 +19438,8 @@
           </p:cxnSp>
           <p:cxnSp>
             <p:nvCxnSpPr>
-              <p:cNvPr id="16" name="直接箭头连接符 15">
-                <a:extLst>
-                  <a:ext uri="{FF2B5EF4-FFF2-40B4-BE49-F238E27FC236}">
-                    <a16:creationId xmlns:a16="http://schemas.microsoft.com/office/drawing/2014/main" id="{28F2F97C-DB88-4CE4-A8A9-D0CEBE75A26D}"/>
-                  </a:ext>
-                </a:extLst>
-              </p:cNvPr>
-              <p:cNvCxnSpPr>
-                <a:cxnSpLocks/>
-              </p:cNvCxnSpPr>
+              <p:cNvPr id="16" name="直接箭头连接符 15"/>
+              <p:cNvCxnSpPr/>
               <p:nvPr/>
             </p:nvCxnSpPr>
             <p:spPr>
@@ -20308,13 +19475,7 @@
         </p:grpSp>
         <p:sp>
           <p:nvSpPr>
-            <p:cNvPr id="28" name="文本框 27">
-              <a:extLst>
-                <a:ext uri="{FF2B5EF4-FFF2-40B4-BE49-F238E27FC236}">
-                  <a16:creationId xmlns:a16="http://schemas.microsoft.com/office/drawing/2014/main" id="{CC59AB2D-2FC5-4017-9C35-AC5574A7CEE5}"/>
-                </a:ext>
-              </a:extLst>
-            </p:cNvPr>
+            <p:cNvPr id="28" name="文本框 27"/>
             <p:cNvSpPr txBox="1"/>
             <p:nvPr/>
           </p:nvSpPr>
@@ -20338,6 +19499,7 @@
                 <a:rPr lang="en-US" altLang="zh-CN" dirty="0"/>
                 <a:t>Convert explicitly int to Rational type </a:t>
               </a:r>
+              <a:endParaRPr lang="en-US" altLang="zh-CN" dirty="0"/>
             </a:p>
             <a:p>
               <a:r>
@@ -20350,11 +19512,6 @@
         </p:sp>
       </p:grpSp>
     </p:spTree>
-    <p:extLst>
-      <p:ext uri="{BB962C8B-B14F-4D97-AF65-F5344CB8AC3E}">
-        <p14:creationId xmlns:p14="http://schemas.microsoft.com/office/powerpoint/2010/main" val="3304293834"/>
-      </p:ext>
-    </p:extLst>
   </p:cSld>
   <p:clrMapOvr>
     <a:masterClrMapping/>
@@ -20778,8 +19935,6 @@
       </a:bgFillStyleLst>
     </a:fmtScheme>
   </a:themeElements>
-  <a:objectDefaults/>
-  <a:extraClrSchemeLst/>
   <a:extLst>
     <a:ext uri="{05A4C25C-085E-4340-85A3-A5531E510DB2}">
       <thm15:themeFamily xmlns:thm15="http://schemas.microsoft.com/office/thememl/2012/main" name="Office Theme" id="{62F939B6-93AF-4DB8-9C6B-D6C7DFDC589F}" vid="{4A3C46E8-61CC-4603-A589-7422A47A8E4A}"/>
@@ -21039,8 +20194,6 @@
       </a:bgFillStyleLst>
     </a:fmtScheme>
   </a:themeElements>
-  <a:objectDefaults/>
-  <a:extraClrSchemeLst/>
   <a:extLst>
     <a:ext uri="{05A4C25C-085E-4340-85A3-A5531E510DB2}">
       <thm15:themeFamily xmlns:thm15="http://schemas.microsoft.com/office/thememl/2012/main" name="Office Theme" id="{62F939B6-93AF-4DB8-9C6B-D6C7DFDC589F}" vid="{4A3C46E8-61CC-4603-A589-7422A47A8E4A}"/>
